--- a/2020-02-13_Introduction_to_Event_Sourcing_and_CQRS/Introduction to CQRS and Event Sourcing.pptx
+++ b/2020-02-13_Introduction_to_Event_Sourcing_and_CQRS/Introduction to CQRS and Event Sourcing.pptx
@@ -1,6 +1,6 @@
 
 <file path=ppt/presentation.xml><?xml version="1.0" encoding="utf-8"?>
-<p:presentation xmlns:a="http://schemas.openxmlformats.org/drawingml/2006/main" xmlns:r="http://schemas.openxmlformats.org/officeDocument/2006/relationships" xmlns:p="http://schemas.openxmlformats.org/presentationml/2006/main" autoCompressPictures="0">
+<p:presentation xmlns:a="http://schemas.openxmlformats.org/drawingml/2006/main" xmlns:r="http://schemas.openxmlformats.org/officeDocument/2006/relationships" xmlns:p="http://schemas.openxmlformats.org/presentationml/2006/main" saveSubsetFonts="1" autoCompressPictures="0">
   <p:sldMasterIdLst>
     <p:sldMasterId id="2147483648" r:id="rId1"/>
   </p:sldMasterIdLst>
@@ -14,22 +14,20 @@
     <p:sldId id="282" r:id="rId8"/>
     <p:sldId id="261" r:id="rId9"/>
     <p:sldId id="281" r:id="rId10"/>
-    <p:sldId id="263" r:id="rId11"/>
-    <p:sldId id="262" r:id="rId12"/>
-    <p:sldId id="264" r:id="rId13"/>
-    <p:sldId id="278" r:id="rId14"/>
-    <p:sldId id="274" r:id="rId15"/>
-    <p:sldId id="266" r:id="rId16"/>
-    <p:sldId id="265" r:id="rId17"/>
-    <p:sldId id="269" r:id="rId18"/>
-    <p:sldId id="267" r:id="rId19"/>
-    <p:sldId id="268" r:id="rId20"/>
-    <p:sldId id="270" r:id="rId21"/>
-    <p:sldId id="272" r:id="rId22"/>
-    <p:sldId id="273" r:id="rId23"/>
-    <p:sldId id="275" r:id="rId24"/>
-    <p:sldId id="277" r:id="rId25"/>
-    <p:sldId id="279" r:id="rId26"/>
+    <p:sldId id="264" r:id="rId11"/>
+    <p:sldId id="278" r:id="rId12"/>
+    <p:sldId id="274" r:id="rId13"/>
+    <p:sldId id="266" r:id="rId14"/>
+    <p:sldId id="265" r:id="rId15"/>
+    <p:sldId id="269" r:id="rId16"/>
+    <p:sldId id="267" r:id="rId17"/>
+    <p:sldId id="268" r:id="rId18"/>
+    <p:sldId id="270" r:id="rId19"/>
+    <p:sldId id="272" r:id="rId20"/>
+    <p:sldId id="273" r:id="rId21"/>
+    <p:sldId id="275" r:id="rId22"/>
+    <p:sldId id="277" r:id="rId23"/>
+    <p:sldId id="279" r:id="rId24"/>
   </p:sldIdLst>
   <p:sldSz cx="12192000" cy="6858000"/>
   <p:notesSz cx="6858000" cy="9144000"/>
@@ -859,7 +857,7 @@
             <a:fld id="{B61BEF0D-F0BB-DE4B-95CE-6DB70DBA9567}" type="datetimeFigureOut">
               <a:rPr lang="en-US" dirty="0"/>
               <a:pPr/>
-              <a:t>3/30/2019</a:t>
+              <a:t>2/13/20</a:t>
             </a:fld>
             <a:endParaRPr lang="en-US" dirty="0"/>
           </a:p>
@@ -1107,7 +1105,7 @@
             <a:fld id="{B61BEF0D-F0BB-DE4B-95CE-6DB70DBA9567}" type="datetimeFigureOut">
               <a:rPr lang="en-US" dirty="0"/>
               <a:pPr/>
-              <a:t>3/30/2019</a:t>
+              <a:t>2/13/20</a:t>
             </a:fld>
             <a:endParaRPr lang="en-US" dirty="0"/>
           </a:p>
@@ -1418,7 +1416,7 @@
             <a:fld id="{B61BEF0D-F0BB-DE4B-95CE-6DB70DBA9567}" type="datetimeFigureOut">
               <a:rPr lang="en-US" dirty="0"/>
               <a:pPr/>
-              <a:t>3/30/2019</a:t>
+              <a:t>2/13/20</a:t>
             </a:fld>
             <a:endParaRPr lang="en-US" dirty="0"/>
           </a:p>
@@ -1756,7 +1754,7 @@
             <a:fld id="{B61BEF0D-F0BB-DE4B-95CE-6DB70DBA9567}" type="datetimeFigureOut">
               <a:rPr lang="en-US" dirty="0"/>
               <a:pPr/>
-              <a:t>3/30/2019</a:t>
+              <a:t>2/13/20</a:t>
             </a:fld>
             <a:endParaRPr lang="en-US" dirty="0"/>
           </a:p>
@@ -2067,7 +2065,7 @@
             <a:fld id="{B61BEF0D-F0BB-DE4B-95CE-6DB70DBA9567}" type="datetimeFigureOut">
               <a:rPr lang="en-US" dirty="0"/>
               <a:pPr/>
-              <a:t>3/30/2019</a:t>
+              <a:t>2/13/20</a:t>
             </a:fld>
             <a:endParaRPr lang="en-US" dirty="0"/>
           </a:p>
@@ -2457,7 +2455,7 @@
             <a:fld id="{B61BEF0D-F0BB-DE4B-95CE-6DB70DBA9567}" type="datetimeFigureOut">
               <a:rPr lang="en-US" dirty="0"/>
               <a:pPr/>
-              <a:t>3/30/2019</a:t>
+              <a:t>2/13/20</a:t>
             </a:fld>
             <a:endParaRPr lang="en-US" dirty="0"/>
           </a:p>
@@ -2623,7 +2621,7 @@
           <a:p>
             <a:fld id="{55C6B4A9-1611-4792-9094-5F34BCA07E0B}" type="datetimeFigureOut">
               <a:rPr lang="en-US" dirty="0"/>
-              <a:t>3/30/2019</a:t>
+              <a:t>2/13/20</a:t>
             </a:fld>
             <a:endParaRPr lang="en-US" dirty="0"/>
           </a:p>
@@ -2799,7 +2797,7 @@
             <a:fld id="{B61BEF0D-F0BB-DE4B-95CE-6DB70DBA9567}" type="datetimeFigureOut">
               <a:rPr lang="en-US" dirty="0"/>
               <a:pPr/>
-              <a:t>3/30/2019</a:t>
+              <a:t>2/13/20</a:t>
             </a:fld>
             <a:endParaRPr lang="en-US" dirty="0"/>
           </a:p>
@@ -2972,7 +2970,7 @@
             <a:fld id="{B61BEF0D-F0BB-DE4B-95CE-6DB70DBA9567}" type="datetimeFigureOut">
               <a:rPr lang="en-US" dirty="0"/>
               <a:pPr/>
-              <a:t>3/30/2019</a:t>
+              <a:t>2/13/20</a:t>
             </a:fld>
             <a:endParaRPr lang="en-US" dirty="0"/>
           </a:p>
@@ -3216,7 +3214,7 @@
             <a:fld id="{B61BEF0D-F0BB-DE4B-95CE-6DB70DBA9567}" type="datetimeFigureOut">
               <a:rPr lang="en-US" dirty="0"/>
               <a:pPr/>
-              <a:t>3/30/2019</a:t>
+              <a:t>2/13/20</a:t>
             </a:fld>
             <a:endParaRPr lang="en-US" dirty="0"/>
           </a:p>
@@ -3444,7 +3442,7 @@
           <a:p>
             <a:fld id="{EB712588-04B1-427B-82EE-E8DB90309F08}" type="datetimeFigureOut">
               <a:rPr lang="en-US" dirty="0"/>
-              <a:t>3/30/2019</a:t>
+              <a:t>2/13/20</a:t>
             </a:fld>
             <a:endParaRPr lang="en-US" dirty="0"/>
           </a:p>
@@ -3814,7 +3812,7 @@
             <a:fld id="{B61BEF0D-F0BB-DE4B-95CE-6DB70DBA9567}" type="datetimeFigureOut">
               <a:rPr lang="en-US" dirty="0"/>
               <a:pPr/>
-              <a:t>3/30/2019</a:t>
+              <a:t>2/13/20</a:t>
             </a:fld>
             <a:endParaRPr lang="en-US" dirty="0"/>
           </a:p>
@@ -3934,7 +3932,7 @@
             <a:fld id="{B61BEF0D-F0BB-DE4B-95CE-6DB70DBA9567}" type="datetimeFigureOut">
               <a:rPr lang="en-US" dirty="0"/>
               <a:pPr/>
-              <a:t>3/30/2019</a:t>
+              <a:t>2/13/20</a:t>
             </a:fld>
             <a:endParaRPr lang="en-US" dirty="0"/>
           </a:p>
@@ -4026,7 +4024,7 @@
             <a:fld id="{B61BEF0D-F0BB-DE4B-95CE-6DB70DBA9567}" type="datetimeFigureOut">
               <a:rPr lang="en-US" dirty="0"/>
               <a:pPr/>
-              <a:t>3/30/2019</a:t>
+              <a:t>2/13/20</a:t>
             </a:fld>
             <a:endParaRPr lang="en-US" dirty="0"/>
           </a:p>
@@ -4277,7 +4275,7 @@
           <a:p>
             <a:fld id="{42A54C80-263E-416B-A8E0-580EDEADCBDC}" type="datetimeFigureOut">
               <a:rPr lang="en-US" dirty="0"/>
-              <a:t>3/30/2019</a:t>
+              <a:t>2/13/20</a:t>
             </a:fld>
             <a:endParaRPr lang="en-US" dirty="0"/>
           </a:p>
@@ -4536,7 +4534,7 @@
             <a:fld id="{B61BEF0D-F0BB-DE4B-95CE-6DB70DBA9567}" type="datetimeFigureOut">
               <a:rPr lang="en-US" dirty="0"/>
               <a:pPr/>
-              <a:t>3/30/2019</a:t>
+              <a:t>2/13/20</a:t>
             </a:fld>
             <a:endParaRPr lang="en-US" dirty="0"/>
           </a:p>
@@ -5276,7 +5274,7 @@
             <a:fld id="{B61BEF0D-F0BB-DE4B-95CE-6DB70DBA9567}" type="datetimeFigureOut">
               <a:rPr lang="en-US" dirty="0"/>
               <a:pPr/>
-              <a:t>3/30/2019</a:t>
+              <a:t>2/13/20</a:t>
             </a:fld>
             <a:endParaRPr lang="en-US" dirty="0"/>
           </a:p>
@@ -5801,7 +5799,7 @@
           <p:cNvPr id="2" name="Title 1">
             <a:extLst>
               <a:ext uri="{FF2B5EF4-FFF2-40B4-BE49-F238E27FC236}">
-                <a16:creationId xmlns:a16="http://schemas.microsoft.com/office/drawing/2014/main" id="{12F65779-F615-487D-85CA-14BD5CB96AFF}"/>
+                <a16:creationId xmlns:a16="http://schemas.microsoft.com/office/drawing/2014/main" xmlns="" id="{12F65779-F615-487D-85CA-14BD5CB96AFF}"/>
               </a:ext>
             </a:extLst>
           </p:cNvPr>
@@ -5829,7 +5827,7 @@
           <p:cNvPr id="3" name="Subtitle 2">
             <a:extLst>
               <a:ext uri="{FF2B5EF4-FFF2-40B4-BE49-F238E27FC236}">
-                <a16:creationId xmlns:a16="http://schemas.microsoft.com/office/drawing/2014/main" id="{83BF3F6A-4BBA-48E9-BC14-69B53027FD6B}"/>
+                <a16:creationId xmlns:a16="http://schemas.microsoft.com/office/drawing/2014/main" xmlns="" id="{83BF3F6A-4BBA-48E9-BC14-69B53027FD6B}"/>
               </a:ext>
             </a:extLst>
           </p:cNvPr>
@@ -5857,7 +5855,7 @@
           <p:cNvPr id="4" name="Rectangle 3">
             <a:extLst>
               <a:ext uri="{FF2B5EF4-FFF2-40B4-BE49-F238E27FC236}">
-                <a16:creationId xmlns:a16="http://schemas.microsoft.com/office/drawing/2014/main" id="{B14DED40-E3B3-44CE-8137-863A5DEA17C3}"/>
+                <a16:creationId xmlns:a16="http://schemas.microsoft.com/office/drawing/2014/main" xmlns="" id="{B14DED40-E3B3-44CE-8137-863A5DEA17C3}"/>
               </a:ext>
             </a:extLst>
           </p:cNvPr>
@@ -5946,7 +5944,7 @@
           <p:cNvPr id="2" name="Title 1">
             <a:extLst>
               <a:ext uri="{FF2B5EF4-FFF2-40B4-BE49-F238E27FC236}">
-                <a16:creationId xmlns:a16="http://schemas.microsoft.com/office/drawing/2014/main" id="{52477B5E-DEEA-4ABC-9744-A106E3E0544B}"/>
+                <a16:creationId xmlns:a16="http://schemas.microsoft.com/office/drawing/2014/main" xmlns="" id="{52477B5E-DEEA-4ABC-9744-A106E3E0544B}"/>
               </a:ext>
             </a:extLst>
           </p:cNvPr>
@@ -5974,7 +5972,7 @@
           <p:cNvPr id="3" name="Content Placeholder 2">
             <a:extLst>
               <a:ext uri="{FF2B5EF4-FFF2-40B4-BE49-F238E27FC236}">
-                <a16:creationId xmlns:a16="http://schemas.microsoft.com/office/drawing/2014/main" id="{7ACC1924-EE78-4BEA-9AB2-59A32CF1D768}"/>
+                <a16:creationId xmlns:a16="http://schemas.microsoft.com/office/drawing/2014/main" xmlns="" id="{7ACC1924-EE78-4BEA-9AB2-59A32CF1D768}"/>
               </a:ext>
             </a:extLst>
           </p:cNvPr>
@@ -5997,18 +5995,6 @@
           <a:p>
             <a:r>
               <a:rPr lang="en-US" dirty="0"/>
-              <a:t>[8] = 0</a:t>
-            </a:r>
-          </a:p>
-          <a:p>
-            <a:r>
-              <a:rPr lang="en-US" dirty="0"/>
-              <a:t>[7] = D</a:t>
-            </a:r>
-          </a:p>
-          <a:p>
-            <a:r>
-              <a:rPr lang="en-US" dirty="0"/>
               <a:t>[6] = 2</a:t>
             </a:r>
           </a:p>
@@ -6061,7 +6047,7 @@
           <p:cNvPr id="4" name="Content Placeholder 2">
             <a:extLst>
               <a:ext uri="{FF2B5EF4-FFF2-40B4-BE49-F238E27FC236}">
-                <a16:creationId xmlns:a16="http://schemas.microsoft.com/office/drawing/2014/main" id="{1FAB321C-F31D-4571-8EF8-093D098B780D}"/>
+                <a16:creationId xmlns:a16="http://schemas.microsoft.com/office/drawing/2014/main" xmlns="" id="{1FAB321C-F31D-4571-8EF8-093D098B780D}"/>
               </a:ext>
             </a:extLst>
           </p:cNvPr>
@@ -6349,10 +6335,367 @@
           </a:p>
         </p:txBody>
       </p:sp>
+      <p:sp>
+        <p:nvSpPr>
+          <p:cNvPr id="6" name="TextBox 5">
+            <a:extLst>
+              <a:ext uri="{FF2B5EF4-FFF2-40B4-BE49-F238E27FC236}">
+                <a16:creationId xmlns:a16="http://schemas.microsoft.com/office/drawing/2014/main" xmlns="" id="{24A0F1E3-3BAB-459E-A939-75ADAEBFFF0B}"/>
+              </a:ext>
+            </a:extLst>
+          </p:cNvPr>
+          <p:cNvSpPr txBox="1"/>
+          <p:nvPr/>
+        </p:nvSpPr>
+        <p:spPr>
+          <a:xfrm>
+            <a:off x="1040523" y="1255281"/>
+            <a:ext cx="2993897" cy="369332"/>
+          </a:xfrm>
+          <a:prstGeom prst="rect">
+            <a:avLst/>
+          </a:prstGeom>
+          <a:noFill/>
+        </p:spPr>
+        <p:txBody>
+          <a:bodyPr wrap="none" rtlCol="0">
+            <a:spAutoFit/>
+          </a:bodyPr>
+          <a:lstStyle/>
+          <a:p>
+            <a:r>
+              <a:rPr lang="en-US" dirty="0">
+                <a:solidFill>
+                  <a:srgbClr val="0070C0"/>
+                </a:solidFill>
+              </a:rPr>
+              <a:t>You ordered the operations</a:t>
+            </a:r>
+          </a:p>
+        </p:txBody>
+      </p:sp>
+      <p:sp>
+        <p:nvSpPr>
+          <p:cNvPr id="7" name="TextBox 6">
+            <a:extLst>
+              <a:ext uri="{FF2B5EF4-FFF2-40B4-BE49-F238E27FC236}">
+                <a16:creationId xmlns:a16="http://schemas.microsoft.com/office/drawing/2014/main" xmlns="" id="{804E18B7-B5CC-4899-920B-8BD640D5EFBC}"/>
+              </a:ext>
+            </a:extLst>
+          </p:cNvPr>
+          <p:cNvSpPr txBox="1"/>
+          <p:nvPr/>
+        </p:nvSpPr>
+        <p:spPr>
+          <a:xfrm>
+            <a:off x="2537472" y="4188709"/>
+            <a:ext cx="5403210" cy="369332"/>
+          </a:xfrm>
+          <a:prstGeom prst="rect">
+            <a:avLst/>
+          </a:prstGeom>
+          <a:noFill/>
+        </p:spPr>
+        <p:txBody>
+          <a:bodyPr wrap="none" rtlCol="0">
+            <a:spAutoFit/>
+          </a:bodyPr>
+          <a:lstStyle/>
+          <a:p>
+            <a:r>
+              <a:rPr lang="en-US" dirty="0">
+                <a:solidFill>
+                  <a:srgbClr val="0070C0"/>
+                </a:solidFill>
+              </a:rPr>
+              <a:t>You mapped a sequence of operations to functions</a:t>
+            </a:r>
+          </a:p>
+        </p:txBody>
+      </p:sp>
+      <p:sp>
+        <p:nvSpPr>
+          <p:cNvPr id="8" name="Arrow: Down 7">
+            <a:extLst>
+              <a:ext uri="{FF2B5EF4-FFF2-40B4-BE49-F238E27FC236}">
+                <a16:creationId xmlns:a16="http://schemas.microsoft.com/office/drawing/2014/main" xmlns="" id="{002F6678-4573-4CA6-BE25-80AB933009A7}"/>
+              </a:ext>
+            </a:extLst>
+          </p:cNvPr>
+          <p:cNvSpPr/>
+          <p:nvPr/>
+        </p:nvSpPr>
+        <p:spPr>
+          <a:xfrm>
+            <a:off x="1121558" y="1605572"/>
+            <a:ext cx="265807" cy="617834"/>
+          </a:xfrm>
+          <a:prstGeom prst="downArrow">
+            <a:avLst/>
+          </a:prstGeom>
+        </p:spPr>
+        <p:style>
+          <a:lnRef idx="2">
+            <a:schemeClr val="accent1">
+              <a:shade val="50000"/>
+            </a:schemeClr>
+          </a:lnRef>
+          <a:fillRef idx="1">
+            <a:schemeClr val="accent1"/>
+          </a:fillRef>
+          <a:effectRef idx="0">
+            <a:schemeClr val="accent1"/>
+          </a:effectRef>
+          <a:fontRef idx="minor">
+            <a:schemeClr val="lt1"/>
+          </a:fontRef>
+        </p:style>
+        <p:txBody>
+          <a:bodyPr rtlCol="0" anchor="ctr"/>
+          <a:lstStyle/>
+          <a:p>
+            <a:pPr algn="ctr"/>
+            <a:endParaRPr lang="en-US"/>
+          </a:p>
+        </p:txBody>
+      </p:sp>
+      <p:sp>
+        <p:nvSpPr>
+          <p:cNvPr id="9" name="Arrow: Down 8">
+            <a:extLst>
+              <a:ext uri="{FF2B5EF4-FFF2-40B4-BE49-F238E27FC236}">
+                <a16:creationId xmlns:a16="http://schemas.microsoft.com/office/drawing/2014/main" xmlns="" id="{3AFCFB2F-D8A0-4723-B730-CB80A41C788E}"/>
+              </a:ext>
+            </a:extLst>
+          </p:cNvPr>
+          <p:cNvSpPr/>
+          <p:nvPr/>
+        </p:nvSpPr>
+        <p:spPr>
+          <a:xfrm rot="5400000">
+            <a:off x="2095650" y="4059734"/>
+            <a:ext cx="265807" cy="617834"/>
+          </a:xfrm>
+          <a:prstGeom prst="downArrow">
+            <a:avLst/>
+          </a:prstGeom>
+        </p:spPr>
+        <p:style>
+          <a:lnRef idx="2">
+            <a:schemeClr val="accent1">
+              <a:shade val="50000"/>
+            </a:schemeClr>
+          </a:lnRef>
+          <a:fillRef idx="1">
+            <a:schemeClr val="accent1"/>
+          </a:fillRef>
+          <a:effectRef idx="0">
+            <a:schemeClr val="accent1"/>
+          </a:effectRef>
+          <a:fontRef idx="minor">
+            <a:schemeClr val="lt1"/>
+          </a:fontRef>
+        </p:style>
+        <p:txBody>
+          <a:bodyPr rtlCol="0" anchor="ctr"/>
+          <a:lstStyle/>
+          <a:p>
+            <a:pPr algn="ctr"/>
+            <a:endParaRPr lang="en-US"/>
+          </a:p>
+        </p:txBody>
+      </p:sp>
+      <p:sp>
+        <p:nvSpPr>
+          <p:cNvPr id="10" name="TextBox 9">
+            <a:extLst>
+              <a:ext uri="{FF2B5EF4-FFF2-40B4-BE49-F238E27FC236}">
+                <a16:creationId xmlns:a16="http://schemas.microsoft.com/office/drawing/2014/main" xmlns="" id="{A5BCC61C-1AC1-4AFB-8556-459FC0ABEF02}"/>
+              </a:ext>
+            </a:extLst>
+          </p:cNvPr>
+          <p:cNvSpPr txBox="1"/>
+          <p:nvPr/>
+        </p:nvSpPr>
+        <p:spPr>
+          <a:xfrm>
+            <a:off x="987837" y="5884939"/>
+            <a:ext cx="6386748" cy="369332"/>
+          </a:xfrm>
+          <a:prstGeom prst="rect">
+            <a:avLst/>
+          </a:prstGeom>
+          <a:noFill/>
+        </p:spPr>
+        <p:txBody>
+          <a:bodyPr wrap="none" rtlCol="0">
+            <a:spAutoFit/>
+          </a:bodyPr>
+          <a:lstStyle/>
+          <a:p>
+            <a:r>
+              <a:rPr lang="en-US" dirty="0">
+                <a:solidFill>
+                  <a:srgbClr val="0070C0"/>
+                </a:solidFill>
+              </a:rPr>
+              <a:t>The simplest of data structures was used to do so – An array</a:t>
+            </a:r>
+          </a:p>
+        </p:txBody>
+      </p:sp>
+      <p:sp>
+        <p:nvSpPr>
+          <p:cNvPr id="11" name="Arrow: Down 10">
+            <a:extLst>
+              <a:ext uri="{FF2B5EF4-FFF2-40B4-BE49-F238E27FC236}">
+                <a16:creationId xmlns:a16="http://schemas.microsoft.com/office/drawing/2014/main" xmlns="" id="{6093255E-DA08-4146-947A-1330CB3CB728}"/>
+              </a:ext>
+            </a:extLst>
+          </p:cNvPr>
+          <p:cNvSpPr/>
+          <p:nvPr/>
+        </p:nvSpPr>
+        <p:spPr>
+          <a:xfrm rot="10800000">
+            <a:off x="1121558" y="5152011"/>
+            <a:ext cx="265807" cy="617834"/>
+          </a:xfrm>
+          <a:prstGeom prst="downArrow">
+            <a:avLst/>
+          </a:prstGeom>
+        </p:spPr>
+        <p:style>
+          <a:lnRef idx="2">
+            <a:schemeClr val="accent1">
+              <a:shade val="50000"/>
+            </a:schemeClr>
+          </a:lnRef>
+          <a:fillRef idx="1">
+            <a:schemeClr val="accent1"/>
+          </a:fillRef>
+          <a:effectRef idx="0">
+            <a:schemeClr val="accent1"/>
+          </a:effectRef>
+          <a:fontRef idx="minor">
+            <a:schemeClr val="lt1"/>
+          </a:fontRef>
+        </p:style>
+        <p:txBody>
+          <a:bodyPr rtlCol="0" anchor="ctr"/>
+          <a:lstStyle/>
+          <a:p>
+            <a:pPr algn="ctr"/>
+            <a:endParaRPr lang="en-US"/>
+          </a:p>
+        </p:txBody>
+      </p:sp>
+      <p:cxnSp>
+        <p:nvCxnSpPr>
+          <p:cNvPr id="13" name="Connector: Elbow 12">
+            <a:extLst>
+              <a:ext uri="{FF2B5EF4-FFF2-40B4-BE49-F238E27FC236}">
+                <a16:creationId xmlns:a16="http://schemas.microsoft.com/office/drawing/2014/main" xmlns="" id="{572C08E7-DA8B-475D-B4B0-73E687126C73}"/>
+              </a:ext>
+            </a:extLst>
+          </p:cNvPr>
+          <p:cNvCxnSpPr>
+            <a:cxnSpLocks/>
+          </p:cNvCxnSpPr>
+          <p:nvPr/>
+        </p:nvCxnSpPr>
+        <p:spPr>
+          <a:xfrm rot="10800000">
+            <a:off x="1919636" y="3535416"/>
+            <a:ext cx="601223" cy="290356"/>
+          </a:xfrm>
+          <a:prstGeom prst="bentConnector3">
+            <a:avLst>
+              <a:gd name="adj1" fmla="val -151038"/>
+            </a:avLst>
+          </a:prstGeom>
+          <a:ln>
+            <a:tailEnd type="triangle"/>
+          </a:ln>
+        </p:spPr>
+        <p:style>
+          <a:lnRef idx="1">
+            <a:schemeClr val="accent1"/>
+          </a:lnRef>
+          <a:fillRef idx="0">
+            <a:schemeClr val="accent1"/>
+          </a:fillRef>
+          <a:effectRef idx="0">
+            <a:schemeClr val="accent1"/>
+          </a:effectRef>
+          <a:fontRef idx="minor">
+            <a:schemeClr val="tx1"/>
+          </a:fontRef>
+        </p:style>
+      </p:cxnSp>
+      <p:sp>
+        <p:nvSpPr>
+          <p:cNvPr id="28" name="TextBox 27">
+            <a:extLst>
+              <a:ext uri="{FF2B5EF4-FFF2-40B4-BE49-F238E27FC236}">
+                <a16:creationId xmlns:a16="http://schemas.microsoft.com/office/drawing/2014/main" xmlns="" id="{740EB945-3BF8-4DE1-B932-64E3B0933F58}"/>
+              </a:ext>
+            </a:extLst>
+          </p:cNvPr>
+          <p:cNvSpPr txBox="1"/>
+          <p:nvPr/>
+        </p:nvSpPr>
+        <p:spPr>
+          <a:xfrm>
+            <a:off x="1971376" y="2576081"/>
+            <a:ext cx="1551318" cy="923330"/>
+          </a:xfrm>
+          <a:prstGeom prst="rect">
+            <a:avLst/>
+          </a:prstGeom>
+          <a:noFill/>
+        </p:spPr>
+        <p:txBody>
+          <a:bodyPr wrap="square" rtlCol="0">
+            <a:spAutoFit/>
+          </a:bodyPr>
+          <a:lstStyle/>
+          <a:p>
+            <a:r>
+              <a:rPr lang="en-US" dirty="0">
+                <a:solidFill>
+                  <a:srgbClr val="0070C0"/>
+                </a:solidFill>
+              </a:rPr>
+              <a:t>Stored state</a:t>
+            </a:r>
+          </a:p>
+          <a:p>
+            <a:r>
+              <a:rPr lang="en-US" dirty="0">
+                <a:solidFill>
+                  <a:srgbClr val="0070C0"/>
+                </a:solidFill>
+              </a:rPr>
+              <a:t>Between</a:t>
+            </a:r>
+          </a:p>
+          <a:p>
+            <a:r>
+              <a:rPr lang="en-US" dirty="0">
+                <a:solidFill>
+                  <a:srgbClr val="0070C0"/>
+                </a:solidFill>
+              </a:rPr>
+              <a:t>operations</a:t>
+            </a:r>
+          </a:p>
+        </p:txBody>
+      </p:sp>
     </p:spTree>
     <p:extLst>
       <p:ext uri="{BB962C8B-B14F-4D97-AF65-F5344CB8AC3E}">
-        <p14:creationId xmlns:p14="http://schemas.microsoft.com/office/powerpoint/2010/main" val="800073090"/>
+        <p14:creationId xmlns:p14="http://schemas.microsoft.com/office/powerpoint/2010/main" val="2668804344"/>
       </p:ext>
     </p:extLst>
   </p:cSld>
@@ -6396,7 +6739,7 @@
           <p:cNvPr id="2" name="Title 1">
             <a:extLst>
               <a:ext uri="{FF2B5EF4-FFF2-40B4-BE49-F238E27FC236}">
-                <a16:creationId xmlns:a16="http://schemas.microsoft.com/office/drawing/2014/main" id="{52477B5E-DEEA-4ABC-9744-A106E3E0544B}"/>
+                <a16:creationId xmlns:a16="http://schemas.microsoft.com/office/drawing/2014/main" xmlns="" id="{067C049B-FAC3-4933-BE73-60CD032A57AE}"/>
               </a:ext>
             </a:extLst>
           </p:cNvPr>
@@ -6409,1317 +6752,6 @@
         </p:nvSpPr>
         <p:spPr/>
         <p:txBody>
-          <a:bodyPr/>
-          <a:lstStyle/>
-          <a:p>
-            <a:r>
-              <a:rPr lang="en-US" dirty="0"/>
-              <a:t>Brain Exercise</a:t>
-            </a:r>
-          </a:p>
-        </p:txBody>
-      </p:sp>
-      <p:sp>
-        <p:nvSpPr>
-          <p:cNvPr id="3" name="Content Placeholder 2">
-            <a:extLst>
-              <a:ext uri="{FF2B5EF4-FFF2-40B4-BE49-F238E27FC236}">
-                <a16:creationId xmlns:a16="http://schemas.microsoft.com/office/drawing/2014/main" id="{7ACC1924-EE78-4BEA-9AB2-59A32CF1D768}"/>
-              </a:ext>
-            </a:extLst>
-          </p:cNvPr>
-          <p:cNvSpPr>
-            <a:spLocks noGrp="1"/>
-          </p:cNvSpPr>
-          <p:nvPr>
-            <p:ph idx="1"/>
-          </p:nvPr>
-        </p:nvSpPr>
-        <p:spPr>
-          <a:xfrm>
-            <a:off x="677334" y="2160589"/>
-            <a:ext cx="2239602" cy="3880773"/>
-          </a:xfrm>
-        </p:spPr>
-        <p:txBody>
-          <a:bodyPr/>
-          <a:lstStyle/>
-          <a:p>
-            <a:r>
-              <a:rPr lang="en-US" dirty="0"/>
-              <a:t>[8] = 0</a:t>
-            </a:r>
-          </a:p>
-          <a:p>
-            <a:r>
-              <a:rPr lang="en-US" dirty="0"/>
-              <a:t>[7] = D</a:t>
-            </a:r>
-          </a:p>
-          <a:p>
-            <a:r>
-              <a:rPr lang="en-US" dirty="0"/>
-              <a:t>[6] = 2</a:t>
-            </a:r>
-          </a:p>
-          <a:p>
-            <a:r>
-              <a:rPr lang="en-US" dirty="0"/>
-              <a:t>[5] = D</a:t>
-            </a:r>
-          </a:p>
-          <a:p>
-            <a:r>
-              <a:rPr lang="en-US" dirty="0"/>
-              <a:t>[4] = 3</a:t>
-            </a:r>
-          </a:p>
-          <a:p>
-            <a:r>
-              <a:rPr lang="en-US" dirty="0"/>
-              <a:t>[3] = C</a:t>
-            </a:r>
-          </a:p>
-          <a:p>
-            <a:r>
-              <a:rPr lang="en-US" dirty="0"/>
-              <a:t>[2] = 6</a:t>
-            </a:r>
-          </a:p>
-          <a:p>
-            <a:r>
-              <a:rPr lang="en-US" dirty="0"/>
-              <a:t>[1] = A</a:t>
-            </a:r>
-          </a:p>
-          <a:p>
-            <a:r>
-              <a:rPr lang="en-US" dirty="0"/>
-              <a:t>[0] = 4</a:t>
-            </a:r>
-          </a:p>
-          <a:p>
-            <a:pPr marL="0" indent="0">
-              <a:buNone/>
-            </a:pPr>
-            <a:endParaRPr lang="en-US" dirty="0"/>
-          </a:p>
-          <a:p>
-            <a:pPr marL="0" indent="0">
-              <a:buNone/>
-            </a:pPr>
-            <a:endParaRPr lang="en-US" dirty="0"/>
-          </a:p>
-        </p:txBody>
-      </p:sp>
-      <p:sp>
-        <p:nvSpPr>
-          <p:cNvPr id="4" name="Content Placeholder 2">
-            <a:extLst>
-              <a:ext uri="{FF2B5EF4-FFF2-40B4-BE49-F238E27FC236}">
-                <a16:creationId xmlns:a16="http://schemas.microsoft.com/office/drawing/2014/main" id="{1FAB321C-F31D-4571-8EF8-093D098B780D}"/>
-              </a:ext>
-            </a:extLst>
-          </p:cNvPr>
-          <p:cNvSpPr txBox="1">
-            <a:spLocks/>
-          </p:cNvSpPr>
-          <p:nvPr/>
-        </p:nvSpPr>
-        <p:spPr>
-          <a:xfrm>
-            <a:off x="4194726" y="2172337"/>
-            <a:ext cx="2507826" cy="3880773"/>
-          </a:xfrm>
-          <a:prstGeom prst="rect">
-            <a:avLst/>
-          </a:prstGeom>
-        </p:spPr>
-        <p:txBody>
-          <a:bodyPr vert="horz" lIns="91440" tIns="45720" rIns="91440" bIns="45720" rtlCol="0">
-            <a:normAutofit/>
-          </a:bodyPr>
-          <a:lstStyle>
-            <a:lvl1pPr marL="342900" indent="-342900" algn="l" defTabSz="457200" rtl="0" eaLnBrk="1" latinLnBrk="0" hangingPunct="1">
-              <a:spcBef>
-                <a:spcPts val="1000"/>
-              </a:spcBef>
-              <a:spcAft>
-                <a:spcPts val="0"/>
-              </a:spcAft>
-              <a:buClr>
-                <a:schemeClr val="accent1"/>
-              </a:buClr>
-              <a:buSzPct val="80000"/>
-              <a:buFont typeface="Wingdings 3" charset="2"/>
-              <a:buChar char=""/>
-              <a:defRPr sz="1800" kern="1200">
-                <a:solidFill>
-                  <a:schemeClr val="tx1">
-                    <a:lumMod val="75000"/>
-                    <a:lumOff val="25000"/>
-                  </a:schemeClr>
-                </a:solidFill>
-                <a:latin typeface="+mn-lt"/>
-                <a:ea typeface="+mn-ea"/>
-                <a:cs typeface="+mn-cs"/>
-              </a:defRPr>
-            </a:lvl1pPr>
-            <a:lvl2pPr marL="742950" indent="-285750" algn="l" defTabSz="457200" rtl="0" eaLnBrk="1" latinLnBrk="0" hangingPunct="1">
-              <a:spcBef>
-                <a:spcPts val="1000"/>
-              </a:spcBef>
-              <a:spcAft>
-                <a:spcPts val="0"/>
-              </a:spcAft>
-              <a:buClr>
-                <a:schemeClr val="accent1"/>
-              </a:buClr>
-              <a:buSzPct val="80000"/>
-              <a:buFont typeface="Wingdings 3" charset="2"/>
-              <a:buChar char=""/>
-              <a:defRPr sz="1600" kern="1200">
-                <a:solidFill>
-                  <a:schemeClr val="tx1">
-                    <a:lumMod val="75000"/>
-                    <a:lumOff val="25000"/>
-                  </a:schemeClr>
-                </a:solidFill>
-                <a:latin typeface="+mn-lt"/>
-                <a:ea typeface="+mn-ea"/>
-                <a:cs typeface="+mn-cs"/>
-              </a:defRPr>
-            </a:lvl2pPr>
-            <a:lvl3pPr marL="1143000" indent="-228600" algn="l" defTabSz="457200" rtl="0" eaLnBrk="1" latinLnBrk="0" hangingPunct="1">
-              <a:spcBef>
-                <a:spcPts val="1000"/>
-              </a:spcBef>
-              <a:spcAft>
-                <a:spcPts val="0"/>
-              </a:spcAft>
-              <a:buClr>
-                <a:schemeClr val="accent1"/>
-              </a:buClr>
-              <a:buSzPct val="80000"/>
-              <a:buFont typeface="Wingdings 3" charset="2"/>
-              <a:buChar char=""/>
-              <a:defRPr sz="1400" kern="1200">
-                <a:solidFill>
-                  <a:schemeClr val="tx1">
-                    <a:lumMod val="75000"/>
-                    <a:lumOff val="25000"/>
-                  </a:schemeClr>
-                </a:solidFill>
-                <a:latin typeface="+mn-lt"/>
-                <a:ea typeface="+mn-ea"/>
-                <a:cs typeface="+mn-cs"/>
-              </a:defRPr>
-            </a:lvl3pPr>
-            <a:lvl4pPr marL="1600200" indent="-228600" algn="l" defTabSz="457200" rtl="0" eaLnBrk="1" latinLnBrk="0" hangingPunct="1">
-              <a:spcBef>
-                <a:spcPts val="1000"/>
-              </a:spcBef>
-              <a:spcAft>
-                <a:spcPts val="0"/>
-              </a:spcAft>
-              <a:buClr>
-                <a:schemeClr val="accent1"/>
-              </a:buClr>
-              <a:buSzPct val="80000"/>
-              <a:buFont typeface="Wingdings 3" charset="2"/>
-              <a:buChar char=""/>
-              <a:defRPr sz="1200" kern="1200">
-                <a:solidFill>
-                  <a:schemeClr val="tx1">
-                    <a:lumMod val="75000"/>
-                    <a:lumOff val="25000"/>
-                  </a:schemeClr>
-                </a:solidFill>
-                <a:latin typeface="+mn-lt"/>
-                <a:ea typeface="+mn-ea"/>
-                <a:cs typeface="+mn-cs"/>
-              </a:defRPr>
-            </a:lvl4pPr>
-            <a:lvl5pPr marL="2057400" indent="-228600" algn="l" defTabSz="457200" rtl="0" eaLnBrk="1" latinLnBrk="0" hangingPunct="1">
-              <a:spcBef>
-                <a:spcPts val="1000"/>
-              </a:spcBef>
-              <a:spcAft>
-                <a:spcPts val="0"/>
-              </a:spcAft>
-              <a:buClr>
-                <a:schemeClr val="accent1"/>
-              </a:buClr>
-              <a:buSzPct val="80000"/>
-              <a:buFont typeface="Wingdings 3" charset="2"/>
-              <a:buChar char=""/>
-              <a:defRPr sz="1200" kern="1200">
-                <a:solidFill>
-                  <a:schemeClr val="tx1">
-                    <a:lumMod val="75000"/>
-                    <a:lumOff val="25000"/>
-                  </a:schemeClr>
-                </a:solidFill>
-                <a:latin typeface="+mn-lt"/>
-                <a:ea typeface="+mn-ea"/>
-                <a:cs typeface="+mn-cs"/>
-              </a:defRPr>
-            </a:lvl5pPr>
-            <a:lvl6pPr marL="2514600" indent="-228600" algn="l" defTabSz="457200" rtl="0" eaLnBrk="1" latinLnBrk="0" hangingPunct="1">
-              <a:spcBef>
-                <a:spcPts val="1000"/>
-              </a:spcBef>
-              <a:spcAft>
-                <a:spcPts val="0"/>
-              </a:spcAft>
-              <a:buClr>
-                <a:schemeClr val="accent1"/>
-              </a:buClr>
-              <a:buSzPct val="80000"/>
-              <a:buFont typeface="Wingdings 3" charset="2"/>
-              <a:buChar char=""/>
-              <a:defRPr sz="1200" kern="1200">
-                <a:solidFill>
-                  <a:schemeClr val="tx1">
-                    <a:lumMod val="75000"/>
-                    <a:lumOff val="25000"/>
-                  </a:schemeClr>
-                </a:solidFill>
-                <a:latin typeface="+mn-lt"/>
-                <a:ea typeface="+mn-ea"/>
-                <a:cs typeface="+mn-cs"/>
-              </a:defRPr>
-            </a:lvl6pPr>
-            <a:lvl7pPr marL="2971800" indent="-228600" algn="l" defTabSz="457200" rtl="0" eaLnBrk="1" latinLnBrk="0" hangingPunct="1">
-              <a:spcBef>
-                <a:spcPts val="1000"/>
-              </a:spcBef>
-              <a:spcAft>
-                <a:spcPts val="0"/>
-              </a:spcAft>
-              <a:buClr>
-                <a:schemeClr val="accent1"/>
-              </a:buClr>
-              <a:buSzPct val="80000"/>
-              <a:buFont typeface="Wingdings 3" charset="2"/>
-              <a:buChar char=""/>
-              <a:defRPr sz="1200" kern="1200">
-                <a:solidFill>
-                  <a:schemeClr val="tx1">
-                    <a:lumMod val="75000"/>
-                    <a:lumOff val="25000"/>
-                  </a:schemeClr>
-                </a:solidFill>
-                <a:latin typeface="+mn-lt"/>
-                <a:ea typeface="+mn-ea"/>
-                <a:cs typeface="+mn-cs"/>
-              </a:defRPr>
-            </a:lvl7pPr>
-            <a:lvl8pPr marL="3429000" indent="-228600" algn="l" defTabSz="457200" rtl="0" eaLnBrk="1" latinLnBrk="0" hangingPunct="1">
-              <a:spcBef>
-                <a:spcPts val="1000"/>
-              </a:spcBef>
-              <a:spcAft>
-                <a:spcPts val="0"/>
-              </a:spcAft>
-              <a:buClr>
-                <a:schemeClr val="accent1"/>
-              </a:buClr>
-              <a:buSzPct val="80000"/>
-              <a:buFont typeface="Wingdings 3" charset="2"/>
-              <a:buChar char=""/>
-              <a:defRPr sz="1200" kern="1200">
-                <a:solidFill>
-                  <a:schemeClr val="tx1">
-                    <a:lumMod val="75000"/>
-                    <a:lumOff val="25000"/>
-                  </a:schemeClr>
-                </a:solidFill>
-                <a:latin typeface="+mn-lt"/>
-                <a:ea typeface="+mn-ea"/>
-                <a:cs typeface="+mn-cs"/>
-              </a:defRPr>
-            </a:lvl8pPr>
-            <a:lvl9pPr marL="3886200" indent="-228600" algn="l" defTabSz="457200" rtl="0" eaLnBrk="1" latinLnBrk="0" hangingPunct="1">
-              <a:spcBef>
-                <a:spcPts val="1000"/>
-              </a:spcBef>
-              <a:spcAft>
-                <a:spcPts val="0"/>
-              </a:spcAft>
-              <a:buClr>
-                <a:schemeClr val="accent1"/>
-              </a:buClr>
-              <a:buSzPct val="80000"/>
-              <a:buFont typeface="Wingdings 3" charset="2"/>
-              <a:buChar char=""/>
-              <a:defRPr sz="1200" kern="1200">
-                <a:solidFill>
-                  <a:schemeClr val="tx1">
-                    <a:lumMod val="75000"/>
-                    <a:lumOff val="25000"/>
-                  </a:schemeClr>
-                </a:solidFill>
-                <a:latin typeface="+mn-lt"/>
-                <a:ea typeface="+mn-ea"/>
-                <a:cs typeface="+mn-cs"/>
-              </a:defRPr>
-            </a:lvl9pPr>
-          </a:lstStyle>
-          <a:p>
-            <a:r>
-              <a:rPr lang="en-US" dirty="0"/>
-              <a:t>0-9 – itself</a:t>
-            </a:r>
-          </a:p>
-          <a:p>
-            <a:r>
-              <a:rPr lang="en-US" dirty="0"/>
-              <a:t>A – Add</a:t>
-            </a:r>
-          </a:p>
-          <a:p>
-            <a:r>
-              <a:rPr lang="en-US" dirty="0"/>
-              <a:t>B – Subtract</a:t>
-            </a:r>
-          </a:p>
-          <a:p>
-            <a:r>
-              <a:rPr lang="en-US" dirty="0"/>
-              <a:t>C – Multiply</a:t>
-            </a:r>
-          </a:p>
-          <a:p>
-            <a:r>
-              <a:rPr lang="en-US" dirty="0"/>
-              <a:t>D - Divide</a:t>
-            </a:r>
-          </a:p>
-          <a:p>
-            <a:pPr marL="0" indent="0">
-              <a:buFont typeface="Wingdings 3" charset="2"/>
-              <a:buNone/>
-            </a:pPr>
-            <a:endParaRPr lang="en-US" dirty="0"/>
-          </a:p>
-        </p:txBody>
-      </p:sp>
-      <p:sp>
-        <p:nvSpPr>
-          <p:cNvPr id="5" name="Rectangle 4">
-            <a:extLst>
-              <a:ext uri="{FF2B5EF4-FFF2-40B4-BE49-F238E27FC236}">
-                <a16:creationId xmlns:a16="http://schemas.microsoft.com/office/drawing/2014/main" id="{6D567340-4CC0-4153-A86C-71482F4A9CCC}"/>
-              </a:ext>
-            </a:extLst>
-          </p:cNvPr>
-          <p:cNvSpPr/>
-          <p:nvPr/>
-        </p:nvSpPr>
-        <p:spPr>
-          <a:xfrm>
-            <a:off x="2125897" y="4465936"/>
-            <a:ext cx="6367449" cy="923330"/>
-          </a:xfrm>
-          <a:prstGeom prst="rect">
-            <a:avLst/>
-          </a:prstGeom>
-          <a:noFill/>
-        </p:spPr>
-        <p:txBody>
-          <a:bodyPr wrap="none" lIns="91440" tIns="45720" rIns="91440" bIns="45720">
-            <a:spAutoFit/>
-          </a:bodyPr>
-          <a:lstStyle/>
-          <a:p>
-            <a:pPr algn="ctr"/>
-            <a:r>
-              <a:rPr lang="en-US" sz="5400" b="0" cap="none" spc="0" dirty="0">
-                <a:ln w="0"/>
-                <a:gradFill>
-                  <a:gsLst>
-                    <a:gs pos="0">
-                      <a:schemeClr val="accent5">
-                        <a:lumMod val="50000"/>
-                      </a:schemeClr>
-                    </a:gs>
-                    <a:gs pos="50000">
-                      <a:schemeClr val="accent5"/>
-                    </a:gs>
-                    <a:gs pos="100000">
-                      <a:schemeClr val="accent5">
-                        <a:lumMod val="60000"/>
-                        <a:lumOff val="40000"/>
-                      </a:schemeClr>
-                    </a:gs>
-                  </a:gsLst>
-                  <a:lin ang="5400000"/>
-                </a:gradFill>
-                <a:effectLst>
-                  <a:reflection blurRad="6350" stA="53000" endA="300" endPos="35500" dir="5400000" sy="-90000" algn="bl" rotWithShape="0"/>
-                </a:effectLst>
-              </a:rPr>
-              <a:t>Divide by zero error</a:t>
-            </a:r>
-          </a:p>
-        </p:txBody>
-      </p:sp>
-    </p:spTree>
-    <p:extLst>
-      <p:ext uri="{BB962C8B-B14F-4D97-AF65-F5344CB8AC3E}">
-        <p14:creationId xmlns:p14="http://schemas.microsoft.com/office/powerpoint/2010/main" val="2728228897"/>
-      </p:ext>
-    </p:extLst>
-  </p:cSld>
-  <p:clrMapOvr>
-    <a:masterClrMapping/>
-  </p:clrMapOvr>
-  <mc:AlternateContent xmlns:mc="http://schemas.openxmlformats.org/markup-compatibility/2006" xmlns:p14="http://schemas.microsoft.com/office/powerpoint/2010/main">
-    <mc:Choice Requires="p14">
-      <p:transition spd="med" p14:dur="700">
-        <p:fade/>
-      </p:transition>
-    </mc:Choice>
-    <mc:Fallback xmlns="">
-      <p:transition spd="med">
-        <p:fade/>
-      </p:transition>
-    </mc:Fallback>
-  </mc:AlternateContent>
-</p:sld>
-</file>
-
-<file path=ppt/slides/slide12.xml><?xml version="1.0" encoding="utf-8"?>
-<p:sld xmlns:a="http://schemas.openxmlformats.org/drawingml/2006/main" xmlns:r="http://schemas.openxmlformats.org/officeDocument/2006/relationships" xmlns:p="http://schemas.openxmlformats.org/presentationml/2006/main">
-  <p:cSld>
-    <p:spTree>
-      <p:nvGrpSpPr>
-        <p:cNvPr id="1" name=""/>
-        <p:cNvGrpSpPr/>
-        <p:nvPr/>
-      </p:nvGrpSpPr>
-      <p:grpSpPr>
-        <a:xfrm>
-          <a:off x="0" y="0"/>
-          <a:ext cx="0" cy="0"/>
-          <a:chOff x="0" y="0"/>
-          <a:chExt cx="0" cy="0"/>
-        </a:xfrm>
-      </p:grpSpPr>
-      <p:sp>
-        <p:nvSpPr>
-          <p:cNvPr id="2" name="Title 1">
-            <a:extLst>
-              <a:ext uri="{FF2B5EF4-FFF2-40B4-BE49-F238E27FC236}">
-                <a16:creationId xmlns:a16="http://schemas.microsoft.com/office/drawing/2014/main" id="{52477B5E-DEEA-4ABC-9744-A106E3E0544B}"/>
-              </a:ext>
-            </a:extLst>
-          </p:cNvPr>
-          <p:cNvSpPr>
-            <a:spLocks noGrp="1"/>
-          </p:cNvSpPr>
-          <p:nvPr>
-            <p:ph type="title"/>
-          </p:nvPr>
-        </p:nvSpPr>
-        <p:spPr/>
-        <p:txBody>
-          <a:bodyPr/>
-          <a:lstStyle/>
-          <a:p>
-            <a:r>
-              <a:rPr lang="en-US" dirty="0"/>
-              <a:t>Brain Exercise</a:t>
-            </a:r>
-          </a:p>
-        </p:txBody>
-      </p:sp>
-      <p:sp>
-        <p:nvSpPr>
-          <p:cNvPr id="3" name="Content Placeholder 2">
-            <a:extLst>
-              <a:ext uri="{FF2B5EF4-FFF2-40B4-BE49-F238E27FC236}">
-                <a16:creationId xmlns:a16="http://schemas.microsoft.com/office/drawing/2014/main" id="{7ACC1924-EE78-4BEA-9AB2-59A32CF1D768}"/>
-              </a:ext>
-            </a:extLst>
-          </p:cNvPr>
-          <p:cNvSpPr>
-            <a:spLocks noGrp="1"/>
-          </p:cNvSpPr>
-          <p:nvPr>
-            <p:ph idx="1"/>
-          </p:nvPr>
-        </p:nvSpPr>
-        <p:spPr>
-          <a:xfrm>
-            <a:off x="677334" y="2160589"/>
-            <a:ext cx="2239602" cy="3880773"/>
-          </a:xfrm>
-        </p:spPr>
-        <p:txBody>
-          <a:bodyPr/>
-          <a:lstStyle/>
-          <a:p>
-            <a:r>
-              <a:rPr lang="en-US" dirty="0"/>
-              <a:t>[6] = 2</a:t>
-            </a:r>
-          </a:p>
-          <a:p>
-            <a:r>
-              <a:rPr lang="en-US" dirty="0"/>
-              <a:t>[5] = D</a:t>
-            </a:r>
-          </a:p>
-          <a:p>
-            <a:r>
-              <a:rPr lang="en-US" dirty="0"/>
-              <a:t>[4] = 3</a:t>
-            </a:r>
-          </a:p>
-          <a:p>
-            <a:r>
-              <a:rPr lang="en-US" dirty="0"/>
-              <a:t>[3] = C</a:t>
-            </a:r>
-          </a:p>
-          <a:p>
-            <a:r>
-              <a:rPr lang="en-US" dirty="0"/>
-              <a:t>[2] = 6</a:t>
-            </a:r>
-          </a:p>
-          <a:p>
-            <a:r>
-              <a:rPr lang="en-US" dirty="0"/>
-              <a:t>[1] = A</a:t>
-            </a:r>
-          </a:p>
-          <a:p>
-            <a:r>
-              <a:rPr lang="en-US" dirty="0"/>
-              <a:t>[0] = 4</a:t>
-            </a:r>
-          </a:p>
-          <a:p>
-            <a:pPr marL="0" indent="0">
-              <a:buNone/>
-            </a:pPr>
-            <a:endParaRPr lang="en-US" dirty="0"/>
-          </a:p>
-        </p:txBody>
-      </p:sp>
-      <p:sp>
-        <p:nvSpPr>
-          <p:cNvPr id="4" name="Content Placeholder 2">
-            <a:extLst>
-              <a:ext uri="{FF2B5EF4-FFF2-40B4-BE49-F238E27FC236}">
-                <a16:creationId xmlns:a16="http://schemas.microsoft.com/office/drawing/2014/main" id="{1FAB321C-F31D-4571-8EF8-093D098B780D}"/>
-              </a:ext>
-            </a:extLst>
-          </p:cNvPr>
-          <p:cNvSpPr txBox="1">
-            <a:spLocks/>
-          </p:cNvSpPr>
-          <p:nvPr/>
-        </p:nvSpPr>
-        <p:spPr>
-          <a:xfrm>
-            <a:off x="4194726" y="2172337"/>
-            <a:ext cx="2507826" cy="3880773"/>
-          </a:xfrm>
-          <a:prstGeom prst="rect">
-            <a:avLst/>
-          </a:prstGeom>
-        </p:spPr>
-        <p:txBody>
-          <a:bodyPr vert="horz" lIns="91440" tIns="45720" rIns="91440" bIns="45720" rtlCol="0">
-            <a:normAutofit/>
-          </a:bodyPr>
-          <a:lstStyle>
-            <a:lvl1pPr marL="342900" indent="-342900" algn="l" defTabSz="457200" rtl="0" eaLnBrk="1" latinLnBrk="0" hangingPunct="1">
-              <a:spcBef>
-                <a:spcPts val="1000"/>
-              </a:spcBef>
-              <a:spcAft>
-                <a:spcPts val="0"/>
-              </a:spcAft>
-              <a:buClr>
-                <a:schemeClr val="accent1"/>
-              </a:buClr>
-              <a:buSzPct val="80000"/>
-              <a:buFont typeface="Wingdings 3" charset="2"/>
-              <a:buChar char=""/>
-              <a:defRPr sz="1800" kern="1200">
-                <a:solidFill>
-                  <a:schemeClr val="tx1">
-                    <a:lumMod val="75000"/>
-                    <a:lumOff val="25000"/>
-                  </a:schemeClr>
-                </a:solidFill>
-                <a:latin typeface="+mn-lt"/>
-                <a:ea typeface="+mn-ea"/>
-                <a:cs typeface="+mn-cs"/>
-              </a:defRPr>
-            </a:lvl1pPr>
-            <a:lvl2pPr marL="742950" indent="-285750" algn="l" defTabSz="457200" rtl="0" eaLnBrk="1" latinLnBrk="0" hangingPunct="1">
-              <a:spcBef>
-                <a:spcPts val="1000"/>
-              </a:spcBef>
-              <a:spcAft>
-                <a:spcPts val="0"/>
-              </a:spcAft>
-              <a:buClr>
-                <a:schemeClr val="accent1"/>
-              </a:buClr>
-              <a:buSzPct val="80000"/>
-              <a:buFont typeface="Wingdings 3" charset="2"/>
-              <a:buChar char=""/>
-              <a:defRPr sz="1600" kern="1200">
-                <a:solidFill>
-                  <a:schemeClr val="tx1">
-                    <a:lumMod val="75000"/>
-                    <a:lumOff val="25000"/>
-                  </a:schemeClr>
-                </a:solidFill>
-                <a:latin typeface="+mn-lt"/>
-                <a:ea typeface="+mn-ea"/>
-                <a:cs typeface="+mn-cs"/>
-              </a:defRPr>
-            </a:lvl2pPr>
-            <a:lvl3pPr marL="1143000" indent="-228600" algn="l" defTabSz="457200" rtl="0" eaLnBrk="1" latinLnBrk="0" hangingPunct="1">
-              <a:spcBef>
-                <a:spcPts val="1000"/>
-              </a:spcBef>
-              <a:spcAft>
-                <a:spcPts val="0"/>
-              </a:spcAft>
-              <a:buClr>
-                <a:schemeClr val="accent1"/>
-              </a:buClr>
-              <a:buSzPct val="80000"/>
-              <a:buFont typeface="Wingdings 3" charset="2"/>
-              <a:buChar char=""/>
-              <a:defRPr sz="1400" kern="1200">
-                <a:solidFill>
-                  <a:schemeClr val="tx1">
-                    <a:lumMod val="75000"/>
-                    <a:lumOff val="25000"/>
-                  </a:schemeClr>
-                </a:solidFill>
-                <a:latin typeface="+mn-lt"/>
-                <a:ea typeface="+mn-ea"/>
-                <a:cs typeface="+mn-cs"/>
-              </a:defRPr>
-            </a:lvl3pPr>
-            <a:lvl4pPr marL="1600200" indent="-228600" algn="l" defTabSz="457200" rtl="0" eaLnBrk="1" latinLnBrk="0" hangingPunct="1">
-              <a:spcBef>
-                <a:spcPts val="1000"/>
-              </a:spcBef>
-              <a:spcAft>
-                <a:spcPts val="0"/>
-              </a:spcAft>
-              <a:buClr>
-                <a:schemeClr val="accent1"/>
-              </a:buClr>
-              <a:buSzPct val="80000"/>
-              <a:buFont typeface="Wingdings 3" charset="2"/>
-              <a:buChar char=""/>
-              <a:defRPr sz="1200" kern="1200">
-                <a:solidFill>
-                  <a:schemeClr val="tx1">
-                    <a:lumMod val="75000"/>
-                    <a:lumOff val="25000"/>
-                  </a:schemeClr>
-                </a:solidFill>
-                <a:latin typeface="+mn-lt"/>
-                <a:ea typeface="+mn-ea"/>
-                <a:cs typeface="+mn-cs"/>
-              </a:defRPr>
-            </a:lvl4pPr>
-            <a:lvl5pPr marL="2057400" indent="-228600" algn="l" defTabSz="457200" rtl="0" eaLnBrk="1" latinLnBrk="0" hangingPunct="1">
-              <a:spcBef>
-                <a:spcPts val="1000"/>
-              </a:spcBef>
-              <a:spcAft>
-                <a:spcPts val="0"/>
-              </a:spcAft>
-              <a:buClr>
-                <a:schemeClr val="accent1"/>
-              </a:buClr>
-              <a:buSzPct val="80000"/>
-              <a:buFont typeface="Wingdings 3" charset="2"/>
-              <a:buChar char=""/>
-              <a:defRPr sz="1200" kern="1200">
-                <a:solidFill>
-                  <a:schemeClr val="tx1">
-                    <a:lumMod val="75000"/>
-                    <a:lumOff val="25000"/>
-                  </a:schemeClr>
-                </a:solidFill>
-                <a:latin typeface="+mn-lt"/>
-                <a:ea typeface="+mn-ea"/>
-                <a:cs typeface="+mn-cs"/>
-              </a:defRPr>
-            </a:lvl5pPr>
-            <a:lvl6pPr marL="2514600" indent="-228600" algn="l" defTabSz="457200" rtl="0" eaLnBrk="1" latinLnBrk="0" hangingPunct="1">
-              <a:spcBef>
-                <a:spcPts val="1000"/>
-              </a:spcBef>
-              <a:spcAft>
-                <a:spcPts val="0"/>
-              </a:spcAft>
-              <a:buClr>
-                <a:schemeClr val="accent1"/>
-              </a:buClr>
-              <a:buSzPct val="80000"/>
-              <a:buFont typeface="Wingdings 3" charset="2"/>
-              <a:buChar char=""/>
-              <a:defRPr sz="1200" kern="1200">
-                <a:solidFill>
-                  <a:schemeClr val="tx1">
-                    <a:lumMod val="75000"/>
-                    <a:lumOff val="25000"/>
-                  </a:schemeClr>
-                </a:solidFill>
-                <a:latin typeface="+mn-lt"/>
-                <a:ea typeface="+mn-ea"/>
-                <a:cs typeface="+mn-cs"/>
-              </a:defRPr>
-            </a:lvl6pPr>
-            <a:lvl7pPr marL="2971800" indent="-228600" algn="l" defTabSz="457200" rtl="0" eaLnBrk="1" latinLnBrk="0" hangingPunct="1">
-              <a:spcBef>
-                <a:spcPts val="1000"/>
-              </a:spcBef>
-              <a:spcAft>
-                <a:spcPts val="0"/>
-              </a:spcAft>
-              <a:buClr>
-                <a:schemeClr val="accent1"/>
-              </a:buClr>
-              <a:buSzPct val="80000"/>
-              <a:buFont typeface="Wingdings 3" charset="2"/>
-              <a:buChar char=""/>
-              <a:defRPr sz="1200" kern="1200">
-                <a:solidFill>
-                  <a:schemeClr val="tx1">
-                    <a:lumMod val="75000"/>
-                    <a:lumOff val="25000"/>
-                  </a:schemeClr>
-                </a:solidFill>
-                <a:latin typeface="+mn-lt"/>
-                <a:ea typeface="+mn-ea"/>
-                <a:cs typeface="+mn-cs"/>
-              </a:defRPr>
-            </a:lvl7pPr>
-            <a:lvl8pPr marL="3429000" indent="-228600" algn="l" defTabSz="457200" rtl="0" eaLnBrk="1" latinLnBrk="0" hangingPunct="1">
-              <a:spcBef>
-                <a:spcPts val="1000"/>
-              </a:spcBef>
-              <a:spcAft>
-                <a:spcPts val="0"/>
-              </a:spcAft>
-              <a:buClr>
-                <a:schemeClr val="accent1"/>
-              </a:buClr>
-              <a:buSzPct val="80000"/>
-              <a:buFont typeface="Wingdings 3" charset="2"/>
-              <a:buChar char=""/>
-              <a:defRPr sz="1200" kern="1200">
-                <a:solidFill>
-                  <a:schemeClr val="tx1">
-                    <a:lumMod val="75000"/>
-                    <a:lumOff val="25000"/>
-                  </a:schemeClr>
-                </a:solidFill>
-                <a:latin typeface="+mn-lt"/>
-                <a:ea typeface="+mn-ea"/>
-                <a:cs typeface="+mn-cs"/>
-              </a:defRPr>
-            </a:lvl8pPr>
-            <a:lvl9pPr marL="3886200" indent="-228600" algn="l" defTabSz="457200" rtl="0" eaLnBrk="1" latinLnBrk="0" hangingPunct="1">
-              <a:spcBef>
-                <a:spcPts val="1000"/>
-              </a:spcBef>
-              <a:spcAft>
-                <a:spcPts val="0"/>
-              </a:spcAft>
-              <a:buClr>
-                <a:schemeClr val="accent1"/>
-              </a:buClr>
-              <a:buSzPct val="80000"/>
-              <a:buFont typeface="Wingdings 3" charset="2"/>
-              <a:buChar char=""/>
-              <a:defRPr sz="1200" kern="1200">
-                <a:solidFill>
-                  <a:schemeClr val="tx1">
-                    <a:lumMod val="75000"/>
-                    <a:lumOff val="25000"/>
-                  </a:schemeClr>
-                </a:solidFill>
-                <a:latin typeface="+mn-lt"/>
-                <a:ea typeface="+mn-ea"/>
-                <a:cs typeface="+mn-cs"/>
-              </a:defRPr>
-            </a:lvl9pPr>
-          </a:lstStyle>
-          <a:p>
-            <a:r>
-              <a:rPr lang="en-US" dirty="0"/>
-              <a:t>0-9 – itself</a:t>
-            </a:r>
-          </a:p>
-          <a:p>
-            <a:r>
-              <a:rPr lang="en-US" dirty="0"/>
-              <a:t>A – Add</a:t>
-            </a:r>
-          </a:p>
-          <a:p>
-            <a:r>
-              <a:rPr lang="en-US" dirty="0"/>
-              <a:t>B – Subtract</a:t>
-            </a:r>
-          </a:p>
-          <a:p>
-            <a:r>
-              <a:rPr lang="en-US" dirty="0"/>
-              <a:t>C – Multiply</a:t>
-            </a:r>
-          </a:p>
-          <a:p>
-            <a:r>
-              <a:rPr lang="en-US" dirty="0"/>
-              <a:t>D - Divide</a:t>
-            </a:r>
-          </a:p>
-          <a:p>
-            <a:pPr marL="0" indent="0">
-              <a:buFont typeface="Wingdings 3" charset="2"/>
-              <a:buNone/>
-            </a:pPr>
-            <a:endParaRPr lang="en-US" dirty="0"/>
-          </a:p>
-        </p:txBody>
-      </p:sp>
-      <p:sp>
-        <p:nvSpPr>
-          <p:cNvPr id="6" name="TextBox 5">
-            <a:extLst>
-              <a:ext uri="{FF2B5EF4-FFF2-40B4-BE49-F238E27FC236}">
-                <a16:creationId xmlns:a16="http://schemas.microsoft.com/office/drawing/2014/main" id="{24A0F1E3-3BAB-459E-A939-75ADAEBFFF0B}"/>
-              </a:ext>
-            </a:extLst>
-          </p:cNvPr>
-          <p:cNvSpPr txBox="1"/>
-          <p:nvPr/>
-        </p:nvSpPr>
-        <p:spPr>
-          <a:xfrm>
-            <a:off x="1040523" y="1255281"/>
-            <a:ext cx="2993897" cy="369332"/>
-          </a:xfrm>
-          <a:prstGeom prst="rect">
-            <a:avLst/>
-          </a:prstGeom>
-          <a:noFill/>
-        </p:spPr>
-        <p:txBody>
-          <a:bodyPr wrap="none" rtlCol="0">
-            <a:spAutoFit/>
-          </a:bodyPr>
-          <a:lstStyle/>
-          <a:p>
-            <a:r>
-              <a:rPr lang="en-US" dirty="0">
-                <a:solidFill>
-                  <a:srgbClr val="0070C0"/>
-                </a:solidFill>
-              </a:rPr>
-              <a:t>You ordered the operations</a:t>
-            </a:r>
-          </a:p>
-        </p:txBody>
-      </p:sp>
-      <p:sp>
-        <p:nvSpPr>
-          <p:cNvPr id="7" name="TextBox 6">
-            <a:extLst>
-              <a:ext uri="{FF2B5EF4-FFF2-40B4-BE49-F238E27FC236}">
-                <a16:creationId xmlns:a16="http://schemas.microsoft.com/office/drawing/2014/main" id="{804E18B7-B5CC-4899-920B-8BD640D5EFBC}"/>
-              </a:ext>
-            </a:extLst>
-          </p:cNvPr>
-          <p:cNvSpPr txBox="1"/>
-          <p:nvPr/>
-        </p:nvSpPr>
-        <p:spPr>
-          <a:xfrm>
-            <a:off x="2537472" y="4188709"/>
-            <a:ext cx="5403210" cy="369332"/>
-          </a:xfrm>
-          <a:prstGeom prst="rect">
-            <a:avLst/>
-          </a:prstGeom>
-          <a:noFill/>
-        </p:spPr>
-        <p:txBody>
-          <a:bodyPr wrap="none" rtlCol="0">
-            <a:spAutoFit/>
-          </a:bodyPr>
-          <a:lstStyle/>
-          <a:p>
-            <a:r>
-              <a:rPr lang="en-US" dirty="0">
-                <a:solidFill>
-                  <a:srgbClr val="0070C0"/>
-                </a:solidFill>
-              </a:rPr>
-              <a:t>You mapped a sequence of operations to functions</a:t>
-            </a:r>
-          </a:p>
-        </p:txBody>
-      </p:sp>
-      <p:sp>
-        <p:nvSpPr>
-          <p:cNvPr id="8" name="Arrow: Down 7">
-            <a:extLst>
-              <a:ext uri="{FF2B5EF4-FFF2-40B4-BE49-F238E27FC236}">
-                <a16:creationId xmlns:a16="http://schemas.microsoft.com/office/drawing/2014/main" id="{002F6678-4573-4CA6-BE25-80AB933009A7}"/>
-              </a:ext>
-            </a:extLst>
-          </p:cNvPr>
-          <p:cNvSpPr/>
-          <p:nvPr/>
-        </p:nvSpPr>
-        <p:spPr>
-          <a:xfrm>
-            <a:off x="1121558" y="1605572"/>
-            <a:ext cx="265807" cy="617834"/>
-          </a:xfrm>
-          <a:prstGeom prst="downArrow">
-            <a:avLst/>
-          </a:prstGeom>
-        </p:spPr>
-        <p:style>
-          <a:lnRef idx="2">
-            <a:schemeClr val="accent1">
-              <a:shade val="50000"/>
-            </a:schemeClr>
-          </a:lnRef>
-          <a:fillRef idx="1">
-            <a:schemeClr val="accent1"/>
-          </a:fillRef>
-          <a:effectRef idx="0">
-            <a:schemeClr val="accent1"/>
-          </a:effectRef>
-          <a:fontRef idx="minor">
-            <a:schemeClr val="lt1"/>
-          </a:fontRef>
-        </p:style>
-        <p:txBody>
-          <a:bodyPr rtlCol="0" anchor="ctr"/>
-          <a:lstStyle/>
-          <a:p>
-            <a:pPr algn="ctr"/>
-            <a:endParaRPr lang="en-US"/>
-          </a:p>
-        </p:txBody>
-      </p:sp>
-      <p:sp>
-        <p:nvSpPr>
-          <p:cNvPr id="9" name="Arrow: Down 8">
-            <a:extLst>
-              <a:ext uri="{FF2B5EF4-FFF2-40B4-BE49-F238E27FC236}">
-                <a16:creationId xmlns:a16="http://schemas.microsoft.com/office/drawing/2014/main" id="{3AFCFB2F-D8A0-4723-B730-CB80A41C788E}"/>
-              </a:ext>
-            </a:extLst>
-          </p:cNvPr>
-          <p:cNvSpPr/>
-          <p:nvPr/>
-        </p:nvSpPr>
-        <p:spPr>
-          <a:xfrm rot="5400000">
-            <a:off x="2095650" y="4059734"/>
-            <a:ext cx="265807" cy="617834"/>
-          </a:xfrm>
-          <a:prstGeom prst="downArrow">
-            <a:avLst/>
-          </a:prstGeom>
-        </p:spPr>
-        <p:style>
-          <a:lnRef idx="2">
-            <a:schemeClr val="accent1">
-              <a:shade val="50000"/>
-            </a:schemeClr>
-          </a:lnRef>
-          <a:fillRef idx="1">
-            <a:schemeClr val="accent1"/>
-          </a:fillRef>
-          <a:effectRef idx="0">
-            <a:schemeClr val="accent1"/>
-          </a:effectRef>
-          <a:fontRef idx="minor">
-            <a:schemeClr val="lt1"/>
-          </a:fontRef>
-        </p:style>
-        <p:txBody>
-          <a:bodyPr rtlCol="0" anchor="ctr"/>
-          <a:lstStyle/>
-          <a:p>
-            <a:pPr algn="ctr"/>
-            <a:endParaRPr lang="en-US"/>
-          </a:p>
-        </p:txBody>
-      </p:sp>
-      <p:sp>
-        <p:nvSpPr>
-          <p:cNvPr id="10" name="TextBox 9">
-            <a:extLst>
-              <a:ext uri="{FF2B5EF4-FFF2-40B4-BE49-F238E27FC236}">
-                <a16:creationId xmlns:a16="http://schemas.microsoft.com/office/drawing/2014/main" id="{A5BCC61C-1AC1-4AFB-8556-459FC0ABEF02}"/>
-              </a:ext>
-            </a:extLst>
-          </p:cNvPr>
-          <p:cNvSpPr txBox="1"/>
-          <p:nvPr/>
-        </p:nvSpPr>
-        <p:spPr>
-          <a:xfrm>
-            <a:off x="987837" y="5884939"/>
-            <a:ext cx="6386748" cy="369332"/>
-          </a:xfrm>
-          <a:prstGeom prst="rect">
-            <a:avLst/>
-          </a:prstGeom>
-          <a:noFill/>
-        </p:spPr>
-        <p:txBody>
-          <a:bodyPr wrap="none" rtlCol="0">
-            <a:spAutoFit/>
-          </a:bodyPr>
-          <a:lstStyle/>
-          <a:p>
-            <a:r>
-              <a:rPr lang="en-US" dirty="0">
-                <a:solidFill>
-                  <a:srgbClr val="0070C0"/>
-                </a:solidFill>
-              </a:rPr>
-              <a:t>The simplest of data structures was used to do so – An array</a:t>
-            </a:r>
-          </a:p>
-        </p:txBody>
-      </p:sp>
-      <p:sp>
-        <p:nvSpPr>
-          <p:cNvPr id="11" name="Arrow: Down 10">
-            <a:extLst>
-              <a:ext uri="{FF2B5EF4-FFF2-40B4-BE49-F238E27FC236}">
-                <a16:creationId xmlns:a16="http://schemas.microsoft.com/office/drawing/2014/main" id="{6093255E-DA08-4146-947A-1330CB3CB728}"/>
-              </a:ext>
-            </a:extLst>
-          </p:cNvPr>
-          <p:cNvSpPr/>
-          <p:nvPr/>
-        </p:nvSpPr>
-        <p:spPr>
-          <a:xfrm rot="10800000">
-            <a:off x="1121558" y="5152011"/>
-            <a:ext cx="265807" cy="617834"/>
-          </a:xfrm>
-          <a:prstGeom prst="downArrow">
-            <a:avLst/>
-          </a:prstGeom>
-        </p:spPr>
-        <p:style>
-          <a:lnRef idx="2">
-            <a:schemeClr val="accent1">
-              <a:shade val="50000"/>
-            </a:schemeClr>
-          </a:lnRef>
-          <a:fillRef idx="1">
-            <a:schemeClr val="accent1"/>
-          </a:fillRef>
-          <a:effectRef idx="0">
-            <a:schemeClr val="accent1"/>
-          </a:effectRef>
-          <a:fontRef idx="minor">
-            <a:schemeClr val="lt1"/>
-          </a:fontRef>
-        </p:style>
-        <p:txBody>
-          <a:bodyPr rtlCol="0" anchor="ctr"/>
-          <a:lstStyle/>
-          <a:p>
-            <a:pPr algn="ctr"/>
-            <a:endParaRPr lang="en-US"/>
-          </a:p>
-        </p:txBody>
-      </p:sp>
-      <p:cxnSp>
-        <p:nvCxnSpPr>
-          <p:cNvPr id="13" name="Connector: Elbow 12">
-            <a:extLst>
-              <a:ext uri="{FF2B5EF4-FFF2-40B4-BE49-F238E27FC236}">
-                <a16:creationId xmlns:a16="http://schemas.microsoft.com/office/drawing/2014/main" id="{572C08E7-DA8B-475D-B4B0-73E687126C73}"/>
-              </a:ext>
-            </a:extLst>
-          </p:cNvPr>
-          <p:cNvCxnSpPr>
-            <a:cxnSpLocks/>
-          </p:cNvCxnSpPr>
-          <p:nvPr/>
-        </p:nvCxnSpPr>
-        <p:spPr>
-          <a:xfrm rot="10800000">
-            <a:off x="1919636" y="3535416"/>
-            <a:ext cx="601223" cy="290356"/>
-          </a:xfrm>
-          <a:prstGeom prst="bentConnector3">
-            <a:avLst>
-              <a:gd name="adj1" fmla="val -151038"/>
-            </a:avLst>
-          </a:prstGeom>
-          <a:ln>
-            <a:tailEnd type="triangle"/>
-          </a:ln>
-        </p:spPr>
-        <p:style>
-          <a:lnRef idx="1">
-            <a:schemeClr val="accent1"/>
-          </a:lnRef>
-          <a:fillRef idx="0">
-            <a:schemeClr val="accent1"/>
-          </a:fillRef>
-          <a:effectRef idx="0">
-            <a:schemeClr val="accent1"/>
-          </a:effectRef>
-          <a:fontRef idx="minor">
-            <a:schemeClr val="tx1"/>
-          </a:fontRef>
-        </p:style>
-      </p:cxnSp>
-      <p:sp>
-        <p:nvSpPr>
-          <p:cNvPr id="28" name="TextBox 27">
-            <a:extLst>
-              <a:ext uri="{FF2B5EF4-FFF2-40B4-BE49-F238E27FC236}">
-                <a16:creationId xmlns:a16="http://schemas.microsoft.com/office/drawing/2014/main" id="{740EB945-3BF8-4DE1-B932-64E3B0933F58}"/>
-              </a:ext>
-            </a:extLst>
-          </p:cNvPr>
-          <p:cNvSpPr txBox="1"/>
-          <p:nvPr/>
-        </p:nvSpPr>
-        <p:spPr>
-          <a:xfrm>
-            <a:off x="1971376" y="2576081"/>
-            <a:ext cx="1551318" cy="923330"/>
-          </a:xfrm>
-          <a:prstGeom prst="rect">
-            <a:avLst/>
-          </a:prstGeom>
-          <a:noFill/>
-        </p:spPr>
-        <p:txBody>
-          <a:bodyPr wrap="square" rtlCol="0">
-            <a:spAutoFit/>
-          </a:bodyPr>
-          <a:lstStyle/>
-          <a:p>
-            <a:r>
-              <a:rPr lang="en-US" dirty="0">
-                <a:solidFill>
-                  <a:srgbClr val="0070C0"/>
-                </a:solidFill>
-              </a:rPr>
-              <a:t>Stored state</a:t>
-            </a:r>
-          </a:p>
-          <a:p>
-            <a:r>
-              <a:rPr lang="en-US" dirty="0">
-                <a:solidFill>
-                  <a:srgbClr val="0070C0"/>
-                </a:solidFill>
-              </a:rPr>
-              <a:t>Between</a:t>
-            </a:r>
-          </a:p>
-          <a:p>
-            <a:r>
-              <a:rPr lang="en-US" dirty="0">
-                <a:solidFill>
-                  <a:srgbClr val="0070C0"/>
-                </a:solidFill>
-              </a:rPr>
-              <a:t>operations</a:t>
-            </a:r>
-          </a:p>
-        </p:txBody>
-      </p:sp>
-    </p:spTree>
-    <p:extLst>
-      <p:ext uri="{BB962C8B-B14F-4D97-AF65-F5344CB8AC3E}">
-        <p14:creationId xmlns:p14="http://schemas.microsoft.com/office/powerpoint/2010/main" val="2668804344"/>
-      </p:ext>
-    </p:extLst>
-  </p:cSld>
-  <p:clrMapOvr>
-    <a:masterClrMapping/>
-  </p:clrMapOvr>
-  <mc:AlternateContent xmlns:mc="http://schemas.openxmlformats.org/markup-compatibility/2006" xmlns:p14="http://schemas.microsoft.com/office/powerpoint/2010/main">
-    <mc:Choice Requires="p14">
-      <p:transition spd="med" p14:dur="700">
-        <p:fade/>
-      </p:transition>
-    </mc:Choice>
-    <mc:Fallback xmlns="">
-      <p:transition spd="med">
-        <p:fade/>
-      </p:transition>
-    </mc:Fallback>
-  </mc:AlternateContent>
-</p:sld>
-</file>
-
-<file path=ppt/slides/slide13.xml><?xml version="1.0" encoding="utf-8"?>
-<p:sld xmlns:a="http://schemas.openxmlformats.org/drawingml/2006/main" xmlns:r="http://schemas.openxmlformats.org/officeDocument/2006/relationships" xmlns:p="http://schemas.openxmlformats.org/presentationml/2006/main">
-  <p:cSld>
-    <p:spTree>
-      <p:nvGrpSpPr>
-        <p:cNvPr id="1" name=""/>
-        <p:cNvGrpSpPr/>
-        <p:nvPr/>
-      </p:nvGrpSpPr>
-      <p:grpSpPr>
-        <a:xfrm>
-          <a:off x="0" y="0"/>
-          <a:ext cx="0" cy="0"/>
-          <a:chOff x="0" y="0"/>
-          <a:chExt cx="0" cy="0"/>
-        </a:xfrm>
-      </p:grpSpPr>
-      <p:sp>
-        <p:nvSpPr>
-          <p:cNvPr id="2" name="Title 1">
-            <a:extLst>
-              <a:ext uri="{FF2B5EF4-FFF2-40B4-BE49-F238E27FC236}">
-                <a16:creationId xmlns:a16="http://schemas.microsoft.com/office/drawing/2014/main" id="{067C049B-FAC3-4933-BE73-60CD032A57AE}"/>
-              </a:ext>
-            </a:extLst>
-          </p:cNvPr>
-          <p:cNvSpPr>
-            <a:spLocks noGrp="1"/>
-          </p:cNvSpPr>
-          <p:nvPr>
-            <p:ph type="title"/>
-          </p:nvPr>
-        </p:nvSpPr>
-        <p:spPr/>
-        <p:txBody>
           <a:bodyPr>
             <a:normAutofit fontScale="90000"/>
           </a:bodyPr>
@@ -7748,7 +6780,7 @@
           <p:cNvPr id="6" name="Rectangle 3">
             <a:extLst>
               <a:ext uri="{FF2B5EF4-FFF2-40B4-BE49-F238E27FC236}">
-                <a16:creationId xmlns:a16="http://schemas.microsoft.com/office/drawing/2014/main" id="{13D81A2A-E648-4AEB-B27D-5D2F6B4996ED}"/>
+                <a16:creationId xmlns:a16="http://schemas.microsoft.com/office/drawing/2014/main" xmlns="" id="{13D81A2A-E648-4AEB-B27D-5D2F6B4996ED}"/>
               </a:ext>
             </a:extLst>
           </p:cNvPr>
@@ -7966,6 +6998,10 @@
             <a:endParaRPr lang="en-US" dirty="0"/>
           </a:p>
           <a:p>
+            <a:r>
+              <a:rPr lang="en-US" dirty="0"/>
+              <a:t/>
+            </a:r>
             <a:br>
               <a:rPr lang="en-US" dirty="0"/>
             </a:br>
@@ -7987,7 +7023,7 @@
           <p:cNvPr id="3076" name="Picture 4" descr="https://www.assoc-amazon.com/e/ir?t=martinfowlerc-20&amp;l=as2&amp;o=1&amp;a=0321601912">
             <a:extLst>
               <a:ext uri="{FF2B5EF4-FFF2-40B4-BE49-F238E27FC236}">
-                <a16:creationId xmlns:a16="http://schemas.microsoft.com/office/drawing/2014/main" id="{6CC3A9D4-30FA-452A-8C2C-899E7104ABB0}"/>
+                <a16:creationId xmlns:a16="http://schemas.microsoft.com/office/drawing/2014/main" xmlns="" id="{6CC3A9D4-30FA-452A-8C2C-899E7104ABB0}"/>
               </a:ext>
             </a:extLst>
           </p:cNvPr>
@@ -8034,7 +7070,7 @@
           <p:cNvPr id="4098" name="Picture 2" descr="http://en.es-static.us/upl/2009/06/Andromeda_Galaxy_with_h-alpha.jpeg">
             <a:extLst>
               <a:ext uri="{FF2B5EF4-FFF2-40B4-BE49-F238E27FC236}">
-                <a16:creationId xmlns:a16="http://schemas.microsoft.com/office/drawing/2014/main" id="{1A2679A9-292A-43DF-B7EF-99239A2BC51C}"/>
+                <a16:creationId xmlns:a16="http://schemas.microsoft.com/office/drawing/2014/main" xmlns="" id="{1A2679A9-292A-43DF-B7EF-99239A2BC51C}"/>
               </a:ext>
             </a:extLst>
           </p:cNvPr>
@@ -8081,7 +7117,7 @@
           <p:cNvPr id="3" name="TextBox 2">
             <a:extLst>
               <a:ext uri="{FF2B5EF4-FFF2-40B4-BE49-F238E27FC236}">
-                <a16:creationId xmlns:a16="http://schemas.microsoft.com/office/drawing/2014/main" id="{CB52D841-BFF2-4B6E-AB76-B2D340D7F2EE}"/>
+                <a16:creationId xmlns:a16="http://schemas.microsoft.com/office/drawing/2014/main" xmlns="" id="{CB52D841-BFF2-4B6E-AB76-B2D340D7F2EE}"/>
               </a:ext>
             </a:extLst>
           </p:cNvPr>
@@ -8124,7 +7160,7 @@
 </p:sld>
 </file>
 
-<file path=ppt/slides/slide14.xml><?xml version="1.0" encoding="utf-8"?>
+<file path=ppt/slides/slide12.xml><?xml version="1.0" encoding="utf-8"?>
 <p:sld xmlns:a="http://schemas.openxmlformats.org/drawingml/2006/main" xmlns:r="http://schemas.openxmlformats.org/officeDocument/2006/relationships" xmlns:p="http://schemas.openxmlformats.org/presentationml/2006/main">
   <p:cSld>
     <p:spTree>
@@ -8146,7 +7182,7 @@
           <p:cNvPr id="2" name="Title 1">
             <a:extLst>
               <a:ext uri="{FF2B5EF4-FFF2-40B4-BE49-F238E27FC236}">
-                <a16:creationId xmlns:a16="http://schemas.microsoft.com/office/drawing/2014/main" id="{067C049B-FAC3-4933-BE73-60CD032A57AE}"/>
+                <a16:creationId xmlns:a16="http://schemas.microsoft.com/office/drawing/2014/main" xmlns="" id="{067C049B-FAC3-4933-BE73-60CD032A57AE}"/>
               </a:ext>
             </a:extLst>
           </p:cNvPr>
@@ -8184,7 +7220,7 @@
           <p:cNvPr id="6" name="Rectangle 3">
             <a:extLst>
               <a:ext uri="{FF2B5EF4-FFF2-40B4-BE49-F238E27FC236}">
-                <a16:creationId xmlns:a16="http://schemas.microsoft.com/office/drawing/2014/main" id="{13D81A2A-E648-4AEB-B27D-5D2F6B4996ED}"/>
+                <a16:creationId xmlns:a16="http://schemas.microsoft.com/office/drawing/2014/main" xmlns="" id="{13D81A2A-E648-4AEB-B27D-5D2F6B4996ED}"/>
               </a:ext>
             </a:extLst>
           </p:cNvPr>
@@ -8389,7 +7425,7 @@
           <p:cNvPr id="3076" name="Picture 4" descr="https://www.assoc-amazon.com/e/ir?t=martinfowlerc-20&amp;l=as2&amp;o=1&amp;a=0321601912">
             <a:extLst>
               <a:ext uri="{FF2B5EF4-FFF2-40B4-BE49-F238E27FC236}">
-                <a16:creationId xmlns:a16="http://schemas.microsoft.com/office/drawing/2014/main" id="{6CC3A9D4-30FA-452A-8C2C-899E7104ABB0}"/>
+                <a16:creationId xmlns:a16="http://schemas.microsoft.com/office/drawing/2014/main" xmlns="" id="{6CC3A9D4-30FA-452A-8C2C-899E7104ABB0}"/>
               </a:ext>
             </a:extLst>
           </p:cNvPr>
@@ -8436,7 +7472,7 @@
           <p:cNvPr id="3" name="Table 2">
             <a:extLst>
               <a:ext uri="{FF2B5EF4-FFF2-40B4-BE49-F238E27FC236}">
-                <a16:creationId xmlns:a16="http://schemas.microsoft.com/office/drawing/2014/main" id="{00358FDD-55BF-4813-B142-941B60323A6F}"/>
+                <a16:creationId xmlns:a16="http://schemas.microsoft.com/office/drawing/2014/main" xmlns="" id="{00358FDD-55BF-4813-B142-941B60323A6F}"/>
               </a:ext>
             </a:extLst>
           </p:cNvPr>
@@ -8465,35 +7501,35 @@
                 <a:gridCol w="1201699">
                   <a:extLst>
                     <a:ext uri="{9D8B030D-6E8A-4147-A177-3AD203B41FA5}">
-                      <a16:colId xmlns:a16="http://schemas.microsoft.com/office/drawing/2014/main" val="3576199195"/>
+                      <a16:colId xmlns:a16="http://schemas.microsoft.com/office/drawing/2014/main" xmlns="" val="3576199195"/>
                     </a:ext>
                   </a:extLst>
                 </a:gridCol>
                 <a:gridCol w="1809559">
                   <a:extLst>
                     <a:ext uri="{9D8B030D-6E8A-4147-A177-3AD203B41FA5}">
-                      <a16:colId xmlns:a16="http://schemas.microsoft.com/office/drawing/2014/main" val="750809684"/>
+                      <a16:colId xmlns:a16="http://schemas.microsoft.com/office/drawing/2014/main" xmlns="" val="750809684"/>
                     </a:ext>
                   </a:extLst>
                 </a:gridCol>
                 <a:gridCol w="1159659">
                   <a:extLst>
                     <a:ext uri="{9D8B030D-6E8A-4147-A177-3AD203B41FA5}">
-                      <a16:colId xmlns:a16="http://schemas.microsoft.com/office/drawing/2014/main" val="2140438756"/>
+                      <a16:colId xmlns:a16="http://schemas.microsoft.com/office/drawing/2014/main" xmlns="" val="2140438756"/>
                     </a:ext>
                   </a:extLst>
                 </a:gridCol>
                 <a:gridCol w="2234727">
                   <a:extLst>
                     <a:ext uri="{9D8B030D-6E8A-4147-A177-3AD203B41FA5}">
-                      <a16:colId xmlns:a16="http://schemas.microsoft.com/office/drawing/2014/main" val="4100463193"/>
+                      <a16:colId xmlns:a16="http://schemas.microsoft.com/office/drawing/2014/main" xmlns="" val="4100463193"/>
                     </a:ext>
                   </a:extLst>
                 </a:gridCol>
                 <a:gridCol w="4569889">
                   <a:extLst>
                     <a:ext uri="{9D8B030D-6E8A-4147-A177-3AD203B41FA5}">
-                      <a16:colId xmlns:a16="http://schemas.microsoft.com/office/drawing/2014/main" val="2876443325"/>
+                      <a16:colId xmlns:a16="http://schemas.microsoft.com/office/drawing/2014/main" xmlns="" val="2876443325"/>
                     </a:ext>
                   </a:extLst>
                 </a:gridCol>
@@ -8567,7 +7603,7 @@
                 </a:tc>
                 <a:extLst>
                   <a:ext uri="{0D108BD9-81ED-4DB2-BD59-A6C34878D82A}">
-                    <a16:rowId xmlns:a16="http://schemas.microsoft.com/office/drawing/2014/main" val="1160207813"/>
+                    <a16:rowId xmlns:a16="http://schemas.microsoft.com/office/drawing/2014/main" xmlns="" val="1160207813"/>
                   </a:ext>
                 </a:extLst>
               </a:tr>
@@ -8640,7 +7676,7 @@
                 </a:tc>
                 <a:extLst>
                   <a:ext uri="{0D108BD9-81ED-4DB2-BD59-A6C34878D82A}">
-                    <a16:rowId xmlns:a16="http://schemas.microsoft.com/office/drawing/2014/main" val="2225661150"/>
+                    <a16:rowId xmlns:a16="http://schemas.microsoft.com/office/drawing/2014/main" xmlns="" val="2225661150"/>
                   </a:ext>
                 </a:extLst>
               </a:tr>
@@ -8713,7 +7749,7 @@
                 </a:tc>
                 <a:extLst>
                   <a:ext uri="{0D108BD9-81ED-4DB2-BD59-A6C34878D82A}">
-                    <a16:rowId xmlns:a16="http://schemas.microsoft.com/office/drawing/2014/main" val="2278161170"/>
+                    <a16:rowId xmlns:a16="http://schemas.microsoft.com/office/drawing/2014/main" xmlns="" val="2278161170"/>
                   </a:ext>
                 </a:extLst>
               </a:tr>
@@ -8803,7 +7839,7 @@
                 </a:tc>
                 <a:extLst>
                   <a:ext uri="{0D108BD9-81ED-4DB2-BD59-A6C34878D82A}">
-                    <a16:rowId xmlns:a16="http://schemas.microsoft.com/office/drawing/2014/main" val="1078845561"/>
+                    <a16:rowId xmlns:a16="http://schemas.microsoft.com/office/drawing/2014/main" xmlns="" val="1078845561"/>
                   </a:ext>
                 </a:extLst>
               </a:tr>
@@ -8893,7 +7929,7 @@
                 </a:tc>
                 <a:extLst>
                   <a:ext uri="{0D108BD9-81ED-4DB2-BD59-A6C34878D82A}">
-                    <a16:rowId xmlns:a16="http://schemas.microsoft.com/office/drawing/2014/main" val="1292894045"/>
+                    <a16:rowId xmlns:a16="http://schemas.microsoft.com/office/drawing/2014/main" xmlns="" val="1292894045"/>
                   </a:ext>
                 </a:extLst>
               </a:tr>
@@ -8983,7 +8019,7 @@
                 </a:tc>
                 <a:extLst>
                   <a:ext uri="{0D108BD9-81ED-4DB2-BD59-A6C34878D82A}">
-                    <a16:rowId xmlns:a16="http://schemas.microsoft.com/office/drawing/2014/main" val="2519423620"/>
+                    <a16:rowId xmlns:a16="http://schemas.microsoft.com/office/drawing/2014/main" xmlns="" val="2519423620"/>
                   </a:ext>
                 </a:extLst>
               </a:tr>
@@ -9056,7 +8092,7 @@
                 </a:tc>
                 <a:extLst>
                   <a:ext uri="{0D108BD9-81ED-4DB2-BD59-A6C34878D82A}">
-                    <a16:rowId xmlns:a16="http://schemas.microsoft.com/office/drawing/2014/main" val="241626870"/>
+                    <a16:rowId xmlns:a16="http://schemas.microsoft.com/office/drawing/2014/main" xmlns="" val="241626870"/>
                   </a:ext>
                 </a:extLst>
               </a:tr>
@@ -9129,7 +8165,7 @@
                 </a:tc>
                 <a:extLst>
                   <a:ext uri="{0D108BD9-81ED-4DB2-BD59-A6C34878D82A}">
-                    <a16:rowId xmlns:a16="http://schemas.microsoft.com/office/drawing/2014/main" val="3760086779"/>
+                    <a16:rowId xmlns:a16="http://schemas.microsoft.com/office/drawing/2014/main" xmlns="" val="3760086779"/>
                   </a:ext>
                 </a:extLst>
               </a:tr>
@@ -9202,7 +8238,7 @@
                 </a:tc>
                 <a:extLst>
                   <a:ext uri="{0D108BD9-81ED-4DB2-BD59-A6C34878D82A}">
-                    <a16:rowId xmlns:a16="http://schemas.microsoft.com/office/drawing/2014/main" val="1615010448"/>
+                    <a16:rowId xmlns:a16="http://schemas.microsoft.com/office/drawing/2014/main" xmlns="" val="1615010448"/>
                   </a:ext>
                 </a:extLst>
               </a:tr>
@@ -9275,7 +8311,7 @@
                 </a:tc>
                 <a:extLst>
                   <a:ext uri="{0D108BD9-81ED-4DB2-BD59-A6C34878D82A}">
-                    <a16:rowId xmlns:a16="http://schemas.microsoft.com/office/drawing/2014/main" val="3901525710"/>
+                    <a16:rowId xmlns:a16="http://schemas.microsoft.com/office/drawing/2014/main" xmlns="" val="3901525710"/>
                   </a:ext>
                 </a:extLst>
               </a:tr>
@@ -9288,7 +8324,7 @@
           <p:cNvPr id="5" name="Rectangle 4">
             <a:extLst>
               <a:ext uri="{FF2B5EF4-FFF2-40B4-BE49-F238E27FC236}">
-                <a16:creationId xmlns:a16="http://schemas.microsoft.com/office/drawing/2014/main" id="{E26DB26F-E5D8-42F2-A3BF-5824F77AF2A0}"/>
+                <a16:creationId xmlns:a16="http://schemas.microsoft.com/office/drawing/2014/main" xmlns="" id="{E26DB26F-E5D8-42F2-A3BF-5824F77AF2A0}"/>
               </a:ext>
             </a:extLst>
           </p:cNvPr>
@@ -9335,7 +8371,7 @@
           <p:cNvPr id="8" name="Rectangle 7">
             <a:extLst>
               <a:ext uri="{FF2B5EF4-FFF2-40B4-BE49-F238E27FC236}">
-                <a16:creationId xmlns:a16="http://schemas.microsoft.com/office/drawing/2014/main" id="{4C3FFE9C-4B40-4C06-904C-4B4C0E2247B9}"/>
+                <a16:creationId xmlns:a16="http://schemas.microsoft.com/office/drawing/2014/main" xmlns="" id="{4C3FFE9C-4B40-4C06-904C-4B4C0E2247B9}"/>
               </a:ext>
             </a:extLst>
           </p:cNvPr>
@@ -9382,7 +8418,7 @@
           <p:cNvPr id="9" name="Rectangle 8">
             <a:extLst>
               <a:ext uri="{FF2B5EF4-FFF2-40B4-BE49-F238E27FC236}">
-                <a16:creationId xmlns:a16="http://schemas.microsoft.com/office/drawing/2014/main" id="{21F34496-7F35-4BEB-BF61-7BF4556C6AF6}"/>
+                <a16:creationId xmlns:a16="http://schemas.microsoft.com/office/drawing/2014/main" xmlns="" id="{21F34496-7F35-4BEB-BF61-7BF4556C6AF6}"/>
               </a:ext>
             </a:extLst>
           </p:cNvPr>
@@ -9429,7 +8465,7 @@
           <p:cNvPr id="7" name="TextBox 6">
             <a:extLst>
               <a:ext uri="{FF2B5EF4-FFF2-40B4-BE49-F238E27FC236}">
-                <a16:creationId xmlns:a16="http://schemas.microsoft.com/office/drawing/2014/main" id="{6D5D4B00-B3E1-45B6-B6FD-BD84106A1DEE}"/>
+                <a16:creationId xmlns:a16="http://schemas.microsoft.com/office/drawing/2014/main" xmlns="" id="{6D5D4B00-B3E1-45B6-B6FD-BD84106A1DEE}"/>
               </a:ext>
             </a:extLst>
           </p:cNvPr>
@@ -9472,7 +8508,7 @@
 </p:sld>
 </file>
 
-<file path=ppt/slides/slide15.xml><?xml version="1.0" encoding="utf-8"?>
+<file path=ppt/slides/slide13.xml><?xml version="1.0" encoding="utf-8"?>
 <p:sld xmlns:a="http://schemas.openxmlformats.org/drawingml/2006/main" xmlns:r="http://schemas.openxmlformats.org/officeDocument/2006/relationships" xmlns:p="http://schemas.openxmlformats.org/presentationml/2006/main">
   <p:cSld>
     <p:spTree>
@@ -9494,7 +8530,7 @@
           <p:cNvPr id="2" name="Title 1">
             <a:extLst>
               <a:ext uri="{FF2B5EF4-FFF2-40B4-BE49-F238E27FC236}">
-                <a16:creationId xmlns:a16="http://schemas.microsoft.com/office/drawing/2014/main" id="{52477B5E-DEEA-4ABC-9744-A106E3E0544B}"/>
+                <a16:creationId xmlns:a16="http://schemas.microsoft.com/office/drawing/2014/main" xmlns="" id="{52477B5E-DEEA-4ABC-9744-A106E3E0544B}"/>
               </a:ext>
             </a:extLst>
           </p:cNvPr>
@@ -9529,7 +8565,7 @@
           <p:cNvPr id="3" name="Content Placeholder 2">
             <a:extLst>
               <a:ext uri="{FF2B5EF4-FFF2-40B4-BE49-F238E27FC236}">
-                <a16:creationId xmlns:a16="http://schemas.microsoft.com/office/drawing/2014/main" id="{7ACC1924-EE78-4BEA-9AB2-59A32CF1D768}"/>
+                <a16:creationId xmlns:a16="http://schemas.microsoft.com/office/drawing/2014/main" xmlns="" id="{7ACC1924-EE78-4BEA-9AB2-59A32CF1D768}"/>
               </a:ext>
             </a:extLst>
           </p:cNvPr>
@@ -9639,7 +8675,7 @@
           <p:cNvPr id="4" name="Content Placeholder 2">
             <a:extLst>
               <a:ext uri="{FF2B5EF4-FFF2-40B4-BE49-F238E27FC236}">
-                <a16:creationId xmlns:a16="http://schemas.microsoft.com/office/drawing/2014/main" id="{1FAB321C-F31D-4571-8EF8-093D098B780D}"/>
+                <a16:creationId xmlns:a16="http://schemas.microsoft.com/office/drawing/2014/main" xmlns="" id="{1FAB321C-F31D-4571-8EF8-093D098B780D}"/>
               </a:ext>
             </a:extLst>
           </p:cNvPr>
@@ -9932,7 +8968,7 @@
           <p:cNvPr id="5" name="Rectangle 4">
             <a:extLst>
               <a:ext uri="{FF2B5EF4-FFF2-40B4-BE49-F238E27FC236}">
-                <a16:creationId xmlns:a16="http://schemas.microsoft.com/office/drawing/2014/main" id="{6D567340-4CC0-4153-A86C-71482F4A9CCC}"/>
+                <a16:creationId xmlns:a16="http://schemas.microsoft.com/office/drawing/2014/main" xmlns="" id="{6D567340-4CC0-4153-A86C-71482F4A9CCC}"/>
               </a:ext>
             </a:extLst>
           </p:cNvPr>
@@ -9992,7 +9028,7 @@
           <p:cNvPr id="14" name="Content Placeholder 2">
             <a:extLst>
               <a:ext uri="{FF2B5EF4-FFF2-40B4-BE49-F238E27FC236}">
-                <a16:creationId xmlns:a16="http://schemas.microsoft.com/office/drawing/2014/main" id="{A69A1641-B08A-432A-895C-2F94374100B5}"/>
+                <a16:creationId xmlns:a16="http://schemas.microsoft.com/office/drawing/2014/main" xmlns="" id="{A69A1641-B08A-432A-895C-2F94374100B5}"/>
               </a:ext>
             </a:extLst>
           </p:cNvPr>
@@ -10295,7 +9331,7 @@
 </p:sld>
 </file>
 
-<file path=ppt/slides/slide16.xml><?xml version="1.0" encoding="utf-8"?>
+<file path=ppt/slides/slide14.xml><?xml version="1.0" encoding="utf-8"?>
 <p:sld xmlns:a="http://schemas.openxmlformats.org/drawingml/2006/main" xmlns:r="http://schemas.openxmlformats.org/officeDocument/2006/relationships" xmlns:p="http://schemas.openxmlformats.org/presentationml/2006/main">
   <p:cSld>
     <p:spTree>
@@ -10317,7 +9353,7 @@
           <p:cNvPr id="2" name="Title 1">
             <a:extLst>
               <a:ext uri="{FF2B5EF4-FFF2-40B4-BE49-F238E27FC236}">
-                <a16:creationId xmlns:a16="http://schemas.microsoft.com/office/drawing/2014/main" id="{373BBE46-BE27-489C-B084-D4EE0BC8B138}"/>
+                <a16:creationId xmlns:a16="http://schemas.microsoft.com/office/drawing/2014/main" xmlns="" id="{373BBE46-BE27-489C-B084-D4EE0BC8B138}"/>
               </a:ext>
             </a:extLst>
           </p:cNvPr>
@@ -10345,7 +9381,7 @@
           <p:cNvPr id="1028" name="Picture 4" descr="Check Register Sample">
             <a:extLst>
               <a:ext uri="{FF2B5EF4-FFF2-40B4-BE49-F238E27FC236}">
-                <a16:creationId xmlns:a16="http://schemas.microsoft.com/office/drawing/2014/main" id="{6F3F3B96-9043-4F46-8FFF-1DC36FC802A8}"/>
+                <a16:creationId xmlns:a16="http://schemas.microsoft.com/office/drawing/2014/main" xmlns="" id="{6F3F3B96-9043-4F46-8FFF-1DC36FC802A8}"/>
               </a:ext>
             </a:extLst>
           </p:cNvPr>
@@ -10392,7 +9428,7 @@
           <p:cNvPr id="7" name="Content Placeholder 2">
             <a:extLst>
               <a:ext uri="{FF2B5EF4-FFF2-40B4-BE49-F238E27FC236}">
-                <a16:creationId xmlns:a16="http://schemas.microsoft.com/office/drawing/2014/main" id="{25DB31CD-1F61-479F-8FCC-384C9C2128E5}"/>
+                <a16:creationId xmlns:a16="http://schemas.microsoft.com/office/drawing/2014/main" xmlns="" id="{25DB31CD-1F61-479F-8FCC-384C9C2128E5}"/>
               </a:ext>
             </a:extLst>
           </p:cNvPr>
@@ -10454,7 +9490,7 @@
 </p:sld>
 </file>
 
-<file path=ppt/slides/slide17.xml><?xml version="1.0" encoding="utf-8"?>
+<file path=ppt/slides/slide15.xml><?xml version="1.0" encoding="utf-8"?>
 <p:sld xmlns:a="http://schemas.openxmlformats.org/drawingml/2006/main" xmlns:r="http://schemas.openxmlformats.org/officeDocument/2006/relationships" xmlns:p="http://schemas.openxmlformats.org/presentationml/2006/main">
   <p:cSld>
     <p:spTree>
@@ -10476,7 +9512,7 @@
           <p:cNvPr id="2" name="Title 1">
             <a:extLst>
               <a:ext uri="{FF2B5EF4-FFF2-40B4-BE49-F238E27FC236}">
-                <a16:creationId xmlns:a16="http://schemas.microsoft.com/office/drawing/2014/main" id="{E46FE544-9959-4FF7-91AD-0F3064F1EB34}"/>
+                <a16:creationId xmlns:a16="http://schemas.microsoft.com/office/drawing/2014/main" xmlns="" id="{E46FE544-9959-4FF7-91AD-0F3064F1EB34}"/>
               </a:ext>
             </a:extLst>
           </p:cNvPr>
@@ -10504,7 +9540,7 @@
           <p:cNvPr id="3" name="Content Placeholder 2">
             <a:extLst>
               <a:ext uri="{FF2B5EF4-FFF2-40B4-BE49-F238E27FC236}">
-                <a16:creationId xmlns:a16="http://schemas.microsoft.com/office/drawing/2014/main" id="{ABD52977-2FAF-455C-8BF8-99111388611E}"/>
+                <a16:creationId xmlns:a16="http://schemas.microsoft.com/office/drawing/2014/main" xmlns="" id="{ABD52977-2FAF-455C-8BF8-99111388611E}"/>
               </a:ext>
             </a:extLst>
           </p:cNvPr>
@@ -10540,7 +9576,7 @@
 </p:sld>
 </file>
 
-<file path=ppt/slides/slide18.xml><?xml version="1.0" encoding="utf-8"?>
+<file path=ppt/slides/slide16.xml><?xml version="1.0" encoding="utf-8"?>
 <p:sld xmlns:a="http://schemas.openxmlformats.org/drawingml/2006/main" xmlns:r="http://schemas.openxmlformats.org/officeDocument/2006/relationships" xmlns:p="http://schemas.openxmlformats.org/presentationml/2006/main">
   <p:cSld>
     <p:spTree>
@@ -10562,7 +9598,7 @@
           <p:cNvPr id="2" name="Title 1">
             <a:extLst>
               <a:ext uri="{FF2B5EF4-FFF2-40B4-BE49-F238E27FC236}">
-                <a16:creationId xmlns:a16="http://schemas.microsoft.com/office/drawing/2014/main" id="{5676491C-22A7-4984-BA13-28C8282EBBC6}"/>
+                <a16:creationId xmlns:a16="http://schemas.microsoft.com/office/drawing/2014/main" xmlns="" id="{5676491C-22A7-4984-BA13-28C8282EBBC6}"/>
               </a:ext>
             </a:extLst>
           </p:cNvPr>
@@ -10595,7 +9631,7 @@
           <p:cNvPr id="4" name="AutoShape 2" descr="https://danielwestheide.com/talks/flatmap2013/slides/images/cqrs_based_architecture.svg">
             <a:extLst>
               <a:ext uri="{FF2B5EF4-FFF2-40B4-BE49-F238E27FC236}">
-                <a16:creationId xmlns:a16="http://schemas.microsoft.com/office/drawing/2014/main" id="{4910F820-933B-41EA-9C3E-D47D96BB2264}"/>
+                <a16:creationId xmlns:a16="http://schemas.microsoft.com/office/drawing/2014/main" xmlns="" id="{4910F820-933B-41EA-9C3E-D47D96BB2264}"/>
               </a:ext>
             </a:extLst>
           </p:cNvPr>
@@ -10640,7 +9676,7 @@
           <p:cNvPr id="7" name="Graphic 6">
             <a:extLst>
               <a:ext uri="{FF2B5EF4-FFF2-40B4-BE49-F238E27FC236}">
-                <a16:creationId xmlns:a16="http://schemas.microsoft.com/office/drawing/2014/main" id="{256E6A98-F8E1-46AE-BEED-A30537D4481C}"/>
+                <a16:creationId xmlns:a16="http://schemas.microsoft.com/office/drawing/2014/main" xmlns="" id="{256E6A98-F8E1-46AE-BEED-A30537D4481C}"/>
               </a:ext>
             </a:extLst>
           </p:cNvPr>
@@ -10653,7 +9689,7 @@
           <a:blip r:embed="rId2">
             <a:extLst>
               <a:ext uri="{96DAC541-7B7A-43D3-8B79-37D633B846F1}">
-                <asvg:svgBlip xmlns:asvg="http://schemas.microsoft.com/office/drawing/2016/SVG/main" r:embed="rId3"/>
+                <asvg:svgBlip xmlns:asvg="http://schemas.microsoft.com/office/drawing/2016/SVG/main" xmlns="" r:embed="rId3"/>
               </a:ext>
             </a:extLst>
           </a:blip>
@@ -10684,7 +9720,7 @@
 </p:sld>
 </file>
 
-<file path=ppt/slides/slide19.xml><?xml version="1.0" encoding="utf-8"?>
+<file path=ppt/slides/slide17.xml><?xml version="1.0" encoding="utf-8"?>
 <p:sld xmlns:a="http://schemas.openxmlformats.org/drawingml/2006/main" xmlns:r="http://schemas.openxmlformats.org/officeDocument/2006/relationships" xmlns:p="http://schemas.openxmlformats.org/presentationml/2006/main">
   <p:cSld>
     <p:spTree>
@@ -10706,7 +9742,7 @@
           <p:cNvPr id="2" name="Title 1">
             <a:extLst>
               <a:ext uri="{FF2B5EF4-FFF2-40B4-BE49-F238E27FC236}">
-                <a16:creationId xmlns:a16="http://schemas.microsoft.com/office/drawing/2014/main" id="{067C049B-FAC3-4933-BE73-60CD032A57AE}"/>
+                <a16:creationId xmlns:a16="http://schemas.microsoft.com/office/drawing/2014/main" xmlns="" id="{067C049B-FAC3-4933-BE73-60CD032A57AE}"/>
               </a:ext>
             </a:extLst>
           </p:cNvPr>
@@ -10746,7 +9782,7 @@
           <p:cNvPr id="3" name="Content Placeholder 2">
             <a:extLst>
               <a:ext uri="{FF2B5EF4-FFF2-40B4-BE49-F238E27FC236}">
-                <a16:creationId xmlns:a16="http://schemas.microsoft.com/office/drawing/2014/main" id="{BAD33AA8-78A8-4975-96F0-5EAAFC48E4AF}"/>
+                <a16:creationId xmlns:a16="http://schemas.microsoft.com/office/drawing/2014/main" xmlns="" id="{BAD33AA8-78A8-4975-96F0-5EAAFC48E4AF}"/>
               </a:ext>
             </a:extLst>
           </p:cNvPr>
@@ -10796,7 +9832,7 @@
           <p:cNvPr id="6" name="Rectangle 3">
             <a:extLst>
               <a:ext uri="{FF2B5EF4-FFF2-40B4-BE49-F238E27FC236}">
-                <a16:creationId xmlns:a16="http://schemas.microsoft.com/office/drawing/2014/main" id="{13D81A2A-E648-4AEB-B27D-5D2F6B4996ED}"/>
+                <a16:creationId xmlns:a16="http://schemas.microsoft.com/office/drawing/2014/main" xmlns="" id="{13D81A2A-E648-4AEB-B27D-5D2F6B4996ED}"/>
               </a:ext>
             </a:extLst>
           </p:cNvPr>
@@ -11222,7 +10258,7 @@
           <p:cNvPr id="3076" name="Picture 4" descr="https://www.assoc-amazon.com/e/ir?t=martinfowlerc-20&amp;l=as2&amp;o=1&amp;a=0321601912">
             <a:extLst>
               <a:ext uri="{FF2B5EF4-FFF2-40B4-BE49-F238E27FC236}">
-                <a16:creationId xmlns:a16="http://schemas.microsoft.com/office/drawing/2014/main" id="{6CC3A9D4-30FA-452A-8C2C-899E7104ABB0}"/>
+                <a16:creationId xmlns:a16="http://schemas.microsoft.com/office/drawing/2014/main" xmlns="" id="{6CC3A9D4-30FA-452A-8C2C-899E7104ABB0}"/>
               </a:ext>
             </a:extLst>
           </p:cNvPr>
@@ -11277,6 +10313,775 @@
 </p:sld>
 </file>
 
+<file path=ppt/slides/slide18.xml><?xml version="1.0" encoding="utf-8"?>
+<p:sld xmlns:a="http://schemas.openxmlformats.org/drawingml/2006/main" xmlns:r="http://schemas.openxmlformats.org/officeDocument/2006/relationships" xmlns:p="http://schemas.openxmlformats.org/presentationml/2006/main">
+  <p:cSld>
+    <p:spTree>
+      <p:nvGrpSpPr>
+        <p:cNvPr id="1" name=""/>
+        <p:cNvGrpSpPr/>
+        <p:nvPr/>
+      </p:nvGrpSpPr>
+      <p:grpSpPr>
+        <a:xfrm>
+          <a:off x="0" y="0"/>
+          <a:ext cx="0" cy="0"/>
+          <a:chOff x="0" y="0"/>
+          <a:chExt cx="0" cy="0"/>
+        </a:xfrm>
+      </p:grpSpPr>
+      <p:sp>
+        <p:nvSpPr>
+          <p:cNvPr id="2" name="Title 1">
+            <a:extLst>
+              <a:ext uri="{FF2B5EF4-FFF2-40B4-BE49-F238E27FC236}">
+                <a16:creationId xmlns:a16="http://schemas.microsoft.com/office/drawing/2014/main" xmlns="" id="{067C049B-FAC3-4933-BE73-60CD032A57AE}"/>
+              </a:ext>
+            </a:extLst>
+          </p:cNvPr>
+          <p:cNvSpPr>
+            <a:spLocks noGrp="1"/>
+          </p:cNvSpPr>
+          <p:nvPr>
+            <p:ph type="title"/>
+          </p:nvPr>
+        </p:nvSpPr>
+        <p:spPr/>
+        <p:txBody>
+          <a:bodyPr>
+            <a:normAutofit fontScale="90000"/>
+          </a:bodyPr>
+          <a:lstStyle/>
+          <a:p>
+            <a:r>
+              <a:rPr lang="en-US" dirty="0"/>
+              <a:t>CQRS – Command Query Responsibility Segregation</a:t>
+            </a:r>
+            <a:br>
+              <a:rPr lang="en-US" dirty="0"/>
+            </a:br>
+            <a:r>
+              <a:rPr lang="en-US" sz="1600" dirty="0"/>
+              <a:t>https://docs.microsoft.com/en-us/azure/architecture/patterns/cqrs</a:t>
+            </a:r>
+            <a:endParaRPr lang="en-US" sz="1600" b="1" dirty="0"/>
+          </a:p>
+        </p:txBody>
+      </p:sp>
+      <p:sp>
+        <p:nvSpPr>
+          <p:cNvPr id="6" name="Rectangle 3">
+            <a:extLst>
+              <a:ext uri="{FF2B5EF4-FFF2-40B4-BE49-F238E27FC236}">
+                <a16:creationId xmlns:a16="http://schemas.microsoft.com/office/drawing/2014/main" xmlns="" id="{13D81A2A-E648-4AEB-B27D-5D2F6B4996ED}"/>
+              </a:ext>
+            </a:extLst>
+          </p:cNvPr>
+          <p:cNvSpPr>
+            <a:spLocks noChangeArrowheads="1"/>
+          </p:cNvSpPr>
+          <p:nvPr/>
+        </p:nvSpPr>
+        <p:spPr bwMode="auto">
+          <a:xfrm>
+            <a:off x="391311" y="2546223"/>
+            <a:ext cx="9168713" cy="1384995"/>
+          </a:xfrm>
+          <a:prstGeom prst="rect">
+            <a:avLst/>
+          </a:prstGeom>
+          <a:solidFill>
+            <a:srgbClr val="FFFFFF"/>
+          </a:solidFill>
+          <a:ln>
+            <a:noFill/>
+          </a:ln>
+          <a:effectLst/>
+          <a:extLst>
+            <a:ext uri="{91240B29-F687-4F45-9708-019B960494DF}">
+              <a14:hiddenLine xmlns:a14="http://schemas.microsoft.com/office/drawing/2010/main" w="9525">
+                <a:solidFill>
+                  <a:schemeClr val="tx1"/>
+                </a:solidFill>
+                <a:miter lim="800000"/>
+                <a:headEnd/>
+                <a:tailEnd/>
+              </a14:hiddenLine>
+            </a:ext>
+            <a:ext uri="{AF507438-7753-43E0-B8FC-AC1667EBCBE1}">
+              <a14:hiddenEffects xmlns:a14="http://schemas.microsoft.com/office/drawing/2010/main">
+                <a:effectLst>
+                  <a:outerShdw dist="35921" dir="2700000" algn="ctr" rotWithShape="0">
+                    <a:schemeClr val="bg2"/>
+                  </a:outerShdw>
+                </a:effectLst>
+              </a14:hiddenEffects>
+            </a:ext>
+          </a:extLst>
+        </p:spPr>
+        <p:txBody>
+          <a:bodyPr vert="horz" wrap="square" lIns="0" tIns="0" rIns="0" bIns="0" numCol="1" anchor="ctr" anchorCtr="0" compatLnSpc="1">
+            <a:prstTxWarp prst="textNoShape">
+              <a:avLst/>
+            </a:prstTxWarp>
+            <a:spAutoFit/>
+          </a:bodyPr>
+          <a:lstStyle>
+            <a:lvl1pPr eaLnBrk="0" fontAlgn="base" hangingPunct="0">
+              <a:spcBef>
+                <a:spcPct val="0"/>
+              </a:spcBef>
+              <a:spcAft>
+                <a:spcPct val="0"/>
+              </a:spcAft>
+              <a:defRPr>
+                <a:solidFill>
+                  <a:schemeClr val="tx1"/>
+                </a:solidFill>
+                <a:latin typeface="Arial" panose="020B0604020202020204" pitchFamily="34" charset="0"/>
+              </a:defRPr>
+            </a:lvl1pPr>
+            <a:lvl2pPr eaLnBrk="0" fontAlgn="base" hangingPunct="0">
+              <a:spcBef>
+                <a:spcPct val="0"/>
+              </a:spcBef>
+              <a:spcAft>
+                <a:spcPct val="0"/>
+              </a:spcAft>
+              <a:defRPr>
+                <a:solidFill>
+                  <a:schemeClr val="tx1"/>
+                </a:solidFill>
+                <a:latin typeface="Arial" panose="020B0604020202020204" pitchFamily="34" charset="0"/>
+              </a:defRPr>
+            </a:lvl2pPr>
+            <a:lvl3pPr eaLnBrk="0" fontAlgn="base" hangingPunct="0">
+              <a:spcBef>
+                <a:spcPct val="0"/>
+              </a:spcBef>
+              <a:spcAft>
+                <a:spcPct val="0"/>
+              </a:spcAft>
+              <a:defRPr>
+                <a:solidFill>
+                  <a:schemeClr val="tx1"/>
+                </a:solidFill>
+                <a:latin typeface="Arial" panose="020B0604020202020204" pitchFamily="34" charset="0"/>
+              </a:defRPr>
+            </a:lvl3pPr>
+            <a:lvl4pPr eaLnBrk="0" fontAlgn="base" hangingPunct="0">
+              <a:spcBef>
+                <a:spcPct val="0"/>
+              </a:spcBef>
+              <a:spcAft>
+                <a:spcPct val="0"/>
+              </a:spcAft>
+              <a:defRPr>
+                <a:solidFill>
+                  <a:schemeClr val="tx1"/>
+                </a:solidFill>
+                <a:latin typeface="Arial" panose="020B0604020202020204" pitchFamily="34" charset="0"/>
+              </a:defRPr>
+            </a:lvl4pPr>
+            <a:lvl5pPr eaLnBrk="0" fontAlgn="base" hangingPunct="0">
+              <a:spcBef>
+                <a:spcPct val="0"/>
+              </a:spcBef>
+              <a:spcAft>
+                <a:spcPct val="0"/>
+              </a:spcAft>
+              <a:defRPr>
+                <a:solidFill>
+                  <a:schemeClr val="tx1"/>
+                </a:solidFill>
+                <a:latin typeface="Arial" panose="020B0604020202020204" pitchFamily="34" charset="0"/>
+              </a:defRPr>
+            </a:lvl5pPr>
+            <a:lvl6pPr eaLnBrk="0" fontAlgn="base" hangingPunct="0">
+              <a:spcBef>
+                <a:spcPct val="0"/>
+              </a:spcBef>
+              <a:spcAft>
+                <a:spcPct val="0"/>
+              </a:spcAft>
+              <a:defRPr>
+                <a:solidFill>
+                  <a:schemeClr val="tx1"/>
+                </a:solidFill>
+                <a:latin typeface="Arial" panose="020B0604020202020204" pitchFamily="34" charset="0"/>
+              </a:defRPr>
+            </a:lvl6pPr>
+            <a:lvl7pPr eaLnBrk="0" fontAlgn="base" hangingPunct="0">
+              <a:spcBef>
+                <a:spcPct val="0"/>
+              </a:spcBef>
+              <a:spcAft>
+                <a:spcPct val="0"/>
+              </a:spcAft>
+              <a:defRPr>
+                <a:solidFill>
+                  <a:schemeClr val="tx1"/>
+                </a:solidFill>
+                <a:latin typeface="Arial" panose="020B0604020202020204" pitchFamily="34" charset="0"/>
+              </a:defRPr>
+            </a:lvl7pPr>
+            <a:lvl8pPr eaLnBrk="0" fontAlgn="base" hangingPunct="0">
+              <a:spcBef>
+                <a:spcPct val="0"/>
+              </a:spcBef>
+              <a:spcAft>
+                <a:spcPct val="0"/>
+              </a:spcAft>
+              <a:defRPr>
+                <a:solidFill>
+                  <a:schemeClr val="tx1"/>
+                </a:solidFill>
+                <a:latin typeface="Arial" panose="020B0604020202020204" pitchFamily="34" charset="0"/>
+              </a:defRPr>
+            </a:lvl8pPr>
+            <a:lvl9pPr eaLnBrk="0" fontAlgn="base" hangingPunct="0">
+              <a:spcBef>
+                <a:spcPct val="0"/>
+              </a:spcBef>
+              <a:spcAft>
+                <a:spcPct val="0"/>
+              </a:spcAft>
+              <a:defRPr>
+                <a:solidFill>
+                  <a:schemeClr val="tx1"/>
+                </a:solidFill>
+                <a:latin typeface="Arial" panose="020B0604020202020204" pitchFamily="34" charset="0"/>
+              </a:defRPr>
+            </a:lvl9pPr>
+          </a:lstStyle>
+          <a:p>
+            <a:pPr lvl="0" defTabSz="914400"/>
+            <a:r>
+              <a:rPr lang="en-US" dirty="0"/>
+              <a:t>Command and Query Responsibility Segregation (CQRS) is a pattern that segregates the operations that read data (queries) from the operations that update data (commands) by using separate interfaces. This means that the data models used for querying and updates are different. The models and data can then be isolated although that's not an absolute requirement.</a:t>
+            </a:r>
+            <a:endParaRPr kumimoji="0" lang="en-US" altLang="en-US" b="0" i="0" u="none" strike="noStrike" cap="none" normalizeH="0" baseline="0" dirty="0">
+              <a:ln>
+                <a:noFill/>
+              </a:ln>
+              <a:solidFill>
+                <a:srgbClr val="303633"/>
+              </a:solidFill>
+              <a:effectLst/>
+              <a:latin typeface="Open Sans"/>
+            </a:endParaRPr>
+          </a:p>
+        </p:txBody>
+      </p:sp>
+      <p:pic>
+        <p:nvPicPr>
+          <p:cNvPr id="3076" name="Picture 4" descr="https://www.assoc-amazon.com/e/ir?t=martinfowlerc-20&amp;l=as2&amp;o=1&amp;a=0321601912">
+            <a:extLst>
+              <a:ext uri="{FF2B5EF4-FFF2-40B4-BE49-F238E27FC236}">
+                <a16:creationId xmlns:a16="http://schemas.microsoft.com/office/drawing/2014/main" xmlns="" id="{6CC3A9D4-30FA-452A-8C2C-899E7104ABB0}"/>
+              </a:ext>
+            </a:extLst>
+          </p:cNvPr>
+          <p:cNvPicPr>
+            <a:picLocks noChangeAspect="1" noChangeArrowheads="1"/>
+          </p:cNvPicPr>
+          <p:nvPr/>
+        </p:nvPicPr>
+        <p:blipFill>
+          <a:blip r:embed="rId2">
+            <a:extLst>
+              <a:ext uri="{28A0092B-C50C-407E-A947-70E740481C1C}">
+                <a14:useLocalDpi xmlns:a14="http://schemas.microsoft.com/office/drawing/2010/main" val="0"/>
+              </a:ext>
+            </a:extLst>
+          </a:blip>
+          <a:srcRect/>
+          <a:stretch>
+            <a:fillRect/>
+          </a:stretch>
+        </p:blipFill>
+        <p:spPr bwMode="auto">
+          <a:xfrm>
+            <a:off x="8477851" y="1554162"/>
+            <a:ext cx="45719" cy="45719"/>
+          </a:xfrm>
+          <a:prstGeom prst="rect">
+            <a:avLst/>
+          </a:prstGeom>
+          <a:noFill/>
+          <a:extLst>
+            <a:ext uri="{909E8E84-426E-40DD-AFC4-6F175D3DCCD1}">
+              <a14:hiddenFill xmlns:a14="http://schemas.microsoft.com/office/drawing/2010/main">
+                <a:solidFill>
+                  <a:srgbClr val="FFFFFF"/>
+                </a:solidFill>
+              </a14:hiddenFill>
+            </a:ext>
+          </a:extLst>
+        </p:spPr>
+      </p:pic>
+      <p:sp>
+        <p:nvSpPr>
+          <p:cNvPr id="8" name="Content Placeholder 2">
+            <a:extLst>
+              <a:ext uri="{FF2B5EF4-FFF2-40B4-BE49-F238E27FC236}">
+                <a16:creationId xmlns:a16="http://schemas.microsoft.com/office/drawing/2014/main" xmlns="" id="{14F1E97E-ACAC-481A-876F-42F1AA3EF2C2}"/>
+              </a:ext>
+            </a:extLst>
+          </p:cNvPr>
+          <p:cNvSpPr>
+            <a:spLocks noGrp="1"/>
+          </p:cNvSpPr>
+          <p:nvPr>
+            <p:ph idx="1"/>
+          </p:nvPr>
+        </p:nvSpPr>
+        <p:spPr>
+          <a:xfrm>
+            <a:off x="677333" y="4418523"/>
+            <a:ext cx="8596668" cy="1770629"/>
+          </a:xfrm>
+        </p:spPr>
+        <p:txBody>
+          <a:bodyPr/>
+          <a:lstStyle/>
+          <a:p>
+            <a:r>
+              <a:rPr lang="en-US" dirty="0"/>
+              <a:t>Making two objects when there used to be only one</a:t>
+            </a:r>
+          </a:p>
+        </p:txBody>
+      </p:sp>
+    </p:spTree>
+    <p:extLst>
+      <p:ext uri="{BB962C8B-B14F-4D97-AF65-F5344CB8AC3E}">
+        <p14:creationId xmlns:p14="http://schemas.microsoft.com/office/powerpoint/2010/main" val="2364215190"/>
+      </p:ext>
+    </p:extLst>
+  </p:cSld>
+  <p:clrMapOvr>
+    <a:masterClrMapping/>
+  </p:clrMapOvr>
+</p:sld>
+</file>
+
+<file path=ppt/slides/slide19.xml><?xml version="1.0" encoding="utf-8"?>
+<p:sld xmlns:a="http://schemas.openxmlformats.org/drawingml/2006/main" xmlns:r="http://schemas.openxmlformats.org/officeDocument/2006/relationships" xmlns:p="http://schemas.openxmlformats.org/presentationml/2006/main">
+  <p:cSld>
+    <p:spTree>
+      <p:nvGrpSpPr>
+        <p:cNvPr id="1" name=""/>
+        <p:cNvGrpSpPr/>
+        <p:nvPr/>
+      </p:nvGrpSpPr>
+      <p:grpSpPr>
+        <a:xfrm>
+          <a:off x="0" y="0"/>
+          <a:ext cx="0" cy="0"/>
+          <a:chOff x="0" y="0"/>
+          <a:chExt cx="0" cy="0"/>
+        </a:xfrm>
+      </p:grpSpPr>
+      <p:sp>
+        <p:nvSpPr>
+          <p:cNvPr id="2" name="Title 1">
+            <a:extLst>
+              <a:ext uri="{FF2B5EF4-FFF2-40B4-BE49-F238E27FC236}">
+                <a16:creationId xmlns:a16="http://schemas.microsoft.com/office/drawing/2014/main" xmlns="" id="{067C049B-FAC3-4933-BE73-60CD032A57AE}"/>
+              </a:ext>
+            </a:extLst>
+          </p:cNvPr>
+          <p:cNvSpPr>
+            <a:spLocks noGrp="1"/>
+          </p:cNvSpPr>
+          <p:nvPr>
+            <p:ph type="title"/>
+          </p:nvPr>
+        </p:nvSpPr>
+        <p:spPr/>
+        <p:txBody>
+          <a:bodyPr>
+            <a:normAutofit/>
+          </a:bodyPr>
+          <a:lstStyle/>
+          <a:p>
+            <a:r>
+              <a:rPr lang="en-US" dirty="0"/>
+              <a:t>Materialized view</a:t>
+            </a:r>
+            <a:br>
+              <a:rPr lang="en-US" dirty="0"/>
+            </a:br>
+            <a:r>
+              <a:rPr lang="en-US" sz="1800" b="1" dirty="0"/>
+              <a:t>https://en.wikipedia.org/wiki/Materialized_view</a:t>
+            </a:r>
+          </a:p>
+        </p:txBody>
+      </p:sp>
+      <p:sp>
+        <p:nvSpPr>
+          <p:cNvPr id="6" name="Rectangle 3">
+            <a:extLst>
+              <a:ext uri="{FF2B5EF4-FFF2-40B4-BE49-F238E27FC236}">
+                <a16:creationId xmlns:a16="http://schemas.microsoft.com/office/drawing/2014/main" xmlns="" id="{13D81A2A-E648-4AEB-B27D-5D2F6B4996ED}"/>
+              </a:ext>
+            </a:extLst>
+          </p:cNvPr>
+          <p:cNvSpPr>
+            <a:spLocks noChangeArrowheads="1"/>
+          </p:cNvSpPr>
+          <p:nvPr/>
+        </p:nvSpPr>
+        <p:spPr bwMode="auto">
+          <a:xfrm>
+            <a:off x="391311" y="1992227"/>
+            <a:ext cx="9168713" cy="2492990"/>
+          </a:xfrm>
+          <a:prstGeom prst="rect">
+            <a:avLst/>
+          </a:prstGeom>
+          <a:solidFill>
+            <a:srgbClr val="FFFFFF"/>
+          </a:solidFill>
+          <a:ln>
+            <a:noFill/>
+          </a:ln>
+          <a:effectLst/>
+          <a:extLst>
+            <a:ext uri="{91240B29-F687-4F45-9708-019B960494DF}">
+              <a14:hiddenLine xmlns:a14="http://schemas.microsoft.com/office/drawing/2010/main" w="9525">
+                <a:solidFill>
+                  <a:schemeClr val="tx1"/>
+                </a:solidFill>
+                <a:miter lim="800000"/>
+                <a:headEnd/>
+                <a:tailEnd/>
+              </a14:hiddenLine>
+            </a:ext>
+            <a:ext uri="{AF507438-7753-43E0-B8FC-AC1667EBCBE1}">
+              <a14:hiddenEffects xmlns:a14="http://schemas.microsoft.com/office/drawing/2010/main">
+                <a:effectLst>
+                  <a:outerShdw dist="35921" dir="2700000" algn="ctr" rotWithShape="0">
+                    <a:schemeClr val="bg2"/>
+                  </a:outerShdw>
+                </a:effectLst>
+              </a14:hiddenEffects>
+            </a:ext>
+          </a:extLst>
+        </p:spPr>
+        <p:txBody>
+          <a:bodyPr vert="horz" wrap="square" lIns="0" tIns="0" rIns="0" bIns="0" numCol="1" anchor="ctr" anchorCtr="0" compatLnSpc="1">
+            <a:prstTxWarp prst="textNoShape">
+              <a:avLst/>
+            </a:prstTxWarp>
+            <a:spAutoFit/>
+          </a:bodyPr>
+          <a:lstStyle>
+            <a:lvl1pPr eaLnBrk="0" fontAlgn="base" hangingPunct="0">
+              <a:spcBef>
+                <a:spcPct val="0"/>
+              </a:spcBef>
+              <a:spcAft>
+                <a:spcPct val="0"/>
+              </a:spcAft>
+              <a:defRPr>
+                <a:solidFill>
+                  <a:schemeClr val="tx1"/>
+                </a:solidFill>
+                <a:latin typeface="Arial" panose="020B0604020202020204" pitchFamily="34" charset="0"/>
+              </a:defRPr>
+            </a:lvl1pPr>
+            <a:lvl2pPr eaLnBrk="0" fontAlgn="base" hangingPunct="0">
+              <a:spcBef>
+                <a:spcPct val="0"/>
+              </a:spcBef>
+              <a:spcAft>
+                <a:spcPct val="0"/>
+              </a:spcAft>
+              <a:defRPr>
+                <a:solidFill>
+                  <a:schemeClr val="tx1"/>
+                </a:solidFill>
+                <a:latin typeface="Arial" panose="020B0604020202020204" pitchFamily="34" charset="0"/>
+              </a:defRPr>
+            </a:lvl2pPr>
+            <a:lvl3pPr eaLnBrk="0" fontAlgn="base" hangingPunct="0">
+              <a:spcBef>
+                <a:spcPct val="0"/>
+              </a:spcBef>
+              <a:spcAft>
+                <a:spcPct val="0"/>
+              </a:spcAft>
+              <a:defRPr>
+                <a:solidFill>
+                  <a:schemeClr val="tx1"/>
+                </a:solidFill>
+                <a:latin typeface="Arial" panose="020B0604020202020204" pitchFamily="34" charset="0"/>
+              </a:defRPr>
+            </a:lvl3pPr>
+            <a:lvl4pPr eaLnBrk="0" fontAlgn="base" hangingPunct="0">
+              <a:spcBef>
+                <a:spcPct val="0"/>
+              </a:spcBef>
+              <a:spcAft>
+                <a:spcPct val="0"/>
+              </a:spcAft>
+              <a:defRPr>
+                <a:solidFill>
+                  <a:schemeClr val="tx1"/>
+                </a:solidFill>
+                <a:latin typeface="Arial" panose="020B0604020202020204" pitchFamily="34" charset="0"/>
+              </a:defRPr>
+            </a:lvl4pPr>
+            <a:lvl5pPr eaLnBrk="0" fontAlgn="base" hangingPunct="0">
+              <a:spcBef>
+                <a:spcPct val="0"/>
+              </a:spcBef>
+              <a:spcAft>
+                <a:spcPct val="0"/>
+              </a:spcAft>
+              <a:defRPr>
+                <a:solidFill>
+                  <a:schemeClr val="tx1"/>
+                </a:solidFill>
+                <a:latin typeface="Arial" panose="020B0604020202020204" pitchFamily="34" charset="0"/>
+              </a:defRPr>
+            </a:lvl5pPr>
+            <a:lvl6pPr eaLnBrk="0" fontAlgn="base" hangingPunct="0">
+              <a:spcBef>
+                <a:spcPct val="0"/>
+              </a:spcBef>
+              <a:spcAft>
+                <a:spcPct val="0"/>
+              </a:spcAft>
+              <a:defRPr>
+                <a:solidFill>
+                  <a:schemeClr val="tx1"/>
+                </a:solidFill>
+                <a:latin typeface="Arial" panose="020B0604020202020204" pitchFamily="34" charset="0"/>
+              </a:defRPr>
+            </a:lvl6pPr>
+            <a:lvl7pPr eaLnBrk="0" fontAlgn="base" hangingPunct="0">
+              <a:spcBef>
+                <a:spcPct val="0"/>
+              </a:spcBef>
+              <a:spcAft>
+                <a:spcPct val="0"/>
+              </a:spcAft>
+              <a:defRPr>
+                <a:solidFill>
+                  <a:schemeClr val="tx1"/>
+                </a:solidFill>
+                <a:latin typeface="Arial" panose="020B0604020202020204" pitchFamily="34" charset="0"/>
+              </a:defRPr>
+            </a:lvl7pPr>
+            <a:lvl8pPr eaLnBrk="0" fontAlgn="base" hangingPunct="0">
+              <a:spcBef>
+                <a:spcPct val="0"/>
+              </a:spcBef>
+              <a:spcAft>
+                <a:spcPct val="0"/>
+              </a:spcAft>
+              <a:defRPr>
+                <a:solidFill>
+                  <a:schemeClr val="tx1"/>
+                </a:solidFill>
+                <a:latin typeface="Arial" panose="020B0604020202020204" pitchFamily="34" charset="0"/>
+              </a:defRPr>
+            </a:lvl8pPr>
+            <a:lvl9pPr eaLnBrk="0" fontAlgn="base" hangingPunct="0">
+              <a:spcBef>
+                <a:spcPct val="0"/>
+              </a:spcBef>
+              <a:spcAft>
+                <a:spcPct val="0"/>
+              </a:spcAft>
+              <a:defRPr>
+                <a:solidFill>
+                  <a:schemeClr val="tx1"/>
+                </a:solidFill>
+                <a:latin typeface="Arial" panose="020B0604020202020204" pitchFamily="34" charset="0"/>
+              </a:defRPr>
+            </a:lvl9pPr>
+          </a:lstStyle>
+          <a:p>
+            <a:r>
+              <a:rPr lang="en-US" dirty="0"/>
+              <a:t>In </a:t>
+            </a:r>
+            <a:r>
+              <a:rPr lang="en-US" dirty="0">
+                <a:hlinkClick r:id="rId2" tooltip="Computing"/>
+              </a:rPr>
+              <a:t>computing</a:t>
+            </a:r>
+            <a:r>
+              <a:rPr lang="en-US" dirty="0"/>
+              <a:t>, a </a:t>
+            </a:r>
+            <a:r>
+              <a:rPr lang="en-US" b="1" dirty="0"/>
+              <a:t>materialized view</a:t>
+            </a:r>
+            <a:r>
+              <a:rPr lang="en-US" dirty="0"/>
+              <a:t> is a </a:t>
+            </a:r>
+            <a:r>
+              <a:rPr lang="en-US" dirty="0">
+                <a:hlinkClick r:id="rId3" tooltip="Database"/>
+              </a:rPr>
+              <a:t>database</a:t>
+            </a:r>
+            <a:r>
+              <a:rPr lang="en-US" dirty="0"/>
+              <a:t> object that contains the results of a </a:t>
+            </a:r>
+            <a:r>
+              <a:rPr lang="en-US" dirty="0">
+                <a:hlinkClick r:id="rId4" tooltip="Query (databases)"/>
+              </a:rPr>
+              <a:t>query</a:t>
+            </a:r>
+            <a:r>
+              <a:rPr lang="en-US" dirty="0"/>
+              <a:t>. For example, it may be a local copy of data located remotely, or may be a subset of the rows and/or columns of a table or </a:t>
+            </a:r>
+            <a:r>
+              <a:rPr lang="en-US" dirty="0">
+                <a:hlinkClick r:id="rId5" tooltip="Join (SQL)"/>
+              </a:rPr>
+              <a:t>join</a:t>
+            </a:r>
+            <a:r>
+              <a:rPr lang="en-US" dirty="0"/>
+              <a:t> result, or may be a summary using an </a:t>
+            </a:r>
+            <a:r>
+              <a:rPr lang="en-US" dirty="0">
+                <a:hlinkClick r:id="rId6" tooltip="Aggregate function"/>
+              </a:rPr>
+              <a:t>aggregate function</a:t>
+            </a:r>
+            <a:r>
+              <a:rPr lang="en-US" dirty="0"/>
+              <a:t>.</a:t>
+            </a:r>
+          </a:p>
+          <a:p>
+            <a:endParaRPr lang="en-US" dirty="0"/>
+          </a:p>
+          <a:p>
+            <a:pPr marL="285750" indent="-285750">
+              <a:buFont typeface="Arial" panose="020B0604020202020204" pitchFamily="34" charset="0"/>
+              <a:buChar char="•"/>
+            </a:pPr>
+            <a:r>
+              <a:rPr lang="en-US" dirty="0"/>
+              <a:t>Could be Indexed View in SQL Server</a:t>
+            </a:r>
+          </a:p>
+          <a:p>
+            <a:pPr marL="285750" indent="-285750">
+              <a:buFont typeface="Arial" panose="020B0604020202020204" pitchFamily="34" charset="0"/>
+              <a:buChar char="•"/>
+            </a:pPr>
+            <a:r>
+              <a:rPr lang="en-US" dirty="0"/>
+              <a:t>Precalculated view – might also be in document </a:t>
+            </a:r>
+            <a:r>
+              <a:rPr lang="en-US" dirty="0" err="1"/>
+              <a:t>db</a:t>
+            </a:r>
+            <a:r>
+              <a:rPr lang="en-US" dirty="0"/>
+              <a:t> or other storage mechanism</a:t>
+            </a:r>
+          </a:p>
+          <a:p>
+            <a:r>
+              <a:rPr lang="en-US" dirty="0"/>
+              <a:t/>
+            </a:r>
+            <a:br>
+              <a:rPr lang="en-US" dirty="0"/>
+            </a:br>
+            <a:endParaRPr kumimoji="0" lang="en-US" altLang="en-US" b="0" i="0" u="none" strike="noStrike" cap="none" normalizeH="0" baseline="0" dirty="0">
+              <a:ln>
+                <a:noFill/>
+              </a:ln>
+              <a:solidFill>
+                <a:srgbClr val="303633"/>
+              </a:solidFill>
+              <a:effectLst/>
+              <a:latin typeface="Open Sans"/>
+            </a:endParaRPr>
+          </a:p>
+        </p:txBody>
+      </p:sp>
+      <p:pic>
+        <p:nvPicPr>
+          <p:cNvPr id="3076" name="Picture 4" descr="https://www.assoc-amazon.com/e/ir?t=martinfowlerc-20&amp;l=as2&amp;o=1&amp;a=0321601912">
+            <a:extLst>
+              <a:ext uri="{FF2B5EF4-FFF2-40B4-BE49-F238E27FC236}">
+                <a16:creationId xmlns:a16="http://schemas.microsoft.com/office/drawing/2014/main" xmlns="" id="{6CC3A9D4-30FA-452A-8C2C-899E7104ABB0}"/>
+              </a:ext>
+            </a:extLst>
+          </p:cNvPr>
+          <p:cNvPicPr>
+            <a:picLocks noChangeAspect="1" noChangeArrowheads="1"/>
+          </p:cNvPicPr>
+          <p:nvPr/>
+        </p:nvPicPr>
+        <p:blipFill>
+          <a:blip r:embed="rId7">
+            <a:extLst>
+              <a:ext uri="{28A0092B-C50C-407E-A947-70E740481C1C}">
+                <a14:useLocalDpi xmlns:a14="http://schemas.microsoft.com/office/drawing/2010/main" val="0"/>
+              </a:ext>
+            </a:extLst>
+          </a:blip>
+          <a:srcRect/>
+          <a:stretch>
+            <a:fillRect/>
+          </a:stretch>
+        </p:blipFill>
+        <p:spPr bwMode="auto">
+          <a:xfrm>
+            <a:off x="8477851" y="1554162"/>
+            <a:ext cx="45719" cy="45719"/>
+          </a:xfrm>
+          <a:prstGeom prst="rect">
+            <a:avLst/>
+          </a:prstGeom>
+          <a:noFill/>
+          <a:extLst>
+            <a:ext uri="{909E8E84-426E-40DD-AFC4-6F175D3DCCD1}">
+              <a14:hiddenFill xmlns:a14="http://schemas.microsoft.com/office/drawing/2010/main">
+                <a:solidFill>
+                  <a:srgbClr val="FFFFFF"/>
+                </a:solidFill>
+              </a14:hiddenFill>
+            </a:ext>
+          </a:extLst>
+        </p:spPr>
+      </p:pic>
+    </p:spTree>
+    <p:extLst>
+      <p:ext uri="{BB962C8B-B14F-4D97-AF65-F5344CB8AC3E}">
+        <p14:creationId xmlns:p14="http://schemas.microsoft.com/office/powerpoint/2010/main" val="4269518702"/>
+      </p:ext>
+    </p:extLst>
+  </p:cSld>
+  <p:clrMapOvr>
+    <a:masterClrMapping/>
+  </p:clrMapOvr>
+</p:sld>
+</file>
+
 <file path=ppt/slides/slide2.xml><?xml version="1.0" encoding="utf-8"?>
 <p:sld xmlns:a="http://schemas.openxmlformats.org/drawingml/2006/main" xmlns:r="http://schemas.openxmlformats.org/officeDocument/2006/relationships" xmlns:p="http://schemas.openxmlformats.org/presentationml/2006/main">
   <p:cSld>
@@ -11299,7 +11104,7 @@
           <p:cNvPr id="2" name="Picture 1">
             <a:extLst>
               <a:ext uri="{FF2B5EF4-FFF2-40B4-BE49-F238E27FC236}">
-                <a16:creationId xmlns:a16="http://schemas.microsoft.com/office/drawing/2014/main" id="{C66EBD96-6FE2-4EE5-84B5-8D239D8B0221}"/>
+                <a16:creationId xmlns:a16="http://schemas.microsoft.com/office/drawing/2014/main" xmlns="" id="{C66EBD96-6FE2-4EE5-84B5-8D239D8B0221}"/>
               </a:ext>
             </a:extLst>
           </p:cNvPr>
@@ -11359,7 +11164,7 @@
           <p:cNvPr id="2" name="Title 1">
             <a:extLst>
               <a:ext uri="{FF2B5EF4-FFF2-40B4-BE49-F238E27FC236}">
-                <a16:creationId xmlns:a16="http://schemas.microsoft.com/office/drawing/2014/main" id="{067C049B-FAC3-4933-BE73-60CD032A57AE}"/>
+                <a16:creationId xmlns:a16="http://schemas.microsoft.com/office/drawing/2014/main" xmlns="" id="{067C049B-FAC3-4933-BE73-60CD032A57AE}"/>
               </a:ext>
             </a:extLst>
           </p:cNvPr>
@@ -11373,22 +11178,24 @@
         <p:spPr/>
         <p:txBody>
           <a:bodyPr>
-            <a:normAutofit fontScale="90000"/>
+            <a:normAutofit/>
           </a:bodyPr>
           <a:lstStyle/>
           <a:p>
             <a:r>
               <a:rPr lang="en-US" dirty="0"/>
-              <a:t>CQRS – Command Query Responsibility Segregation</a:t>
+              <a:t>Eventual Consistency</a:t>
             </a:r>
             <a:br>
               <a:rPr lang="en-US" dirty="0"/>
             </a:br>
             <a:r>
-              <a:rPr lang="en-US" sz="1600" dirty="0"/>
-              <a:t>https://docs.microsoft.com/en-us/azure/architecture/patterns/cqrs</a:t>
-            </a:r>
-            <a:endParaRPr lang="en-US" sz="1600" b="1" dirty="0"/>
+              <a:rPr lang="en-US" sz="1800" dirty="0">
+                <a:hlinkClick r:id="rId2"/>
+              </a:rPr>
+              <a:t>https://en.wikipedia.org/wiki/Eventual_consistency</a:t>
+            </a:r>
+            <a:endParaRPr lang="en-US" sz="1800" b="1" dirty="0"/>
           </a:p>
         </p:txBody>
       </p:sp>
@@ -11397,7 +11204,7 @@
           <p:cNvPr id="6" name="Rectangle 3">
             <a:extLst>
               <a:ext uri="{FF2B5EF4-FFF2-40B4-BE49-F238E27FC236}">
-                <a16:creationId xmlns:a16="http://schemas.microsoft.com/office/drawing/2014/main" id="{13D81A2A-E648-4AEB-B27D-5D2F6B4996ED}"/>
+                <a16:creationId xmlns:a16="http://schemas.microsoft.com/office/drawing/2014/main" xmlns="" id="{13D81A2A-E648-4AEB-B27D-5D2F6B4996ED}"/>
               </a:ext>
             </a:extLst>
           </p:cNvPr>
@@ -11408,8 +11215,8 @@
         </p:nvSpPr>
         <p:spPr bwMode="auto">
           <a:xfrm>
-            <a:off x="391311" y="2546223"/>
-            <a:ext cx="9168713" cy="1384995"/>
+            <a:off x="551949" y="2068900"/>
+            <a:ext cx="9168713" cy="2215991"/>
           </a:xfrm>
           <a:prstGeom prst="rect">
             <a:avLst/>
@@ -11579,11 +11386,76 @@
             </a:lvl9pPr>
           </a:lstStyle>
           <a:p>
-            <a:pPr lvl="0" defTabSz="914400"/>
-            <a:r>
-              <a:rPr lang="en-US" dirty="0"/>
-              <a:t>Command and Query Responsibility Segregation (CQRS) is a pattern that segregates the operations that read data (queries) from the operations that update data (commands) by using separate interfaces. This means that the data models used for querying and updates are different. The models and data can then be isolated although that's not an absolute requirement.</a:t>
-            </a:r>
+            <a:r>
+              <a:rPr lang="en-US" b="1" dirty="0"/>
+              <a:t>Eventual consistency</a:t>
+            </a:r>
+            <a:r>
+              <a:rPr lang="en-US" dirty="0"/>
+              <a:t> is a </a:t>
+            </a:r>
+            <a:r>
+              <a:rPr lang="en-US" dirty="0">
+                <a:hlinkClick r:id="rId3" tooltip="Consistency model"/>
+              </a:rPr>
+              <a:t>consistency model</a:t>
+            </a:r>
+            <a:r>
+              <a:rPr lang="en-US" dirty="0"/>
+              <a:t> used in </a:t>
+            </a:r>
+            <a:r>
+              <a:rPr lang="en-US" dirty="0">
+                <a:hlinkClick r:id="rId4" tooltip="Distributed computing"/>
+              </a:rPr>
+              <a:t>distributed computing</a:t>
+            </a:r>
+            <a:r>
+              <a:rPr lang="en-US" dirty="0"/>
+              <a:t> to achieve </a:t>
+            </a:r>
+            <a:r>
+              <a:rPr lang="en-US" dirty="0">
+                <a:hlinkClick r:id="rId5" tooltip="High availability"/>
+              </a:rPr>
+              <a:t>high availability</a:t>
+            </a:r>
+            <a:r>
+              <a:rPr lang="en-US" dirty="0"/>
+              <a:t> that informally guarantees that, if no new updates are made to a given data item, eventually all accesses to that item will return the last updated value.</a:t>
+            </a:r>
+          </a:p>
+          <a:p>
+            <a:endParaRPr lang="en-US" dirty="0"/>
+          </a:p>
+          <a:p>
+            <a:pPr marL="285750" indent="-285750">
+              <a:buFont typeface="Arial" panose="020B0604020202020204" pitchFamily="34" charset="0"/>
+              <a:buChar char="•"/>
+            </a:pPr>
+            <a:r>
+              <a:rPr lang="en-US" dirty="0"/>
+              <a:t>Tend to see this in event driven architectures</a:t>
+            </a:r>
+          </a:p>
+          <a:p>
+            <a:pPr marL="285750" indent="-285750">
+              <a:buFont typeface="Arial" panose="020B0604020202020204" pitchFamily="34" charset="0"/>
+              <a:buChar char="•"/>
+            </a:pPr>
+            <a:r>
+              <a:rPr lang="en-US" dirty="0"/>
+              <a:t>Events are read when available to update read data structures</a:t>
+            </a:r>
+          </a:p>
+          <a:p>
+            <a:r>
+              <a:rPr lang="en-US" dirty="0"/>
+              <a:t/>
+            </a:r>
+            <a:br>
+              <a:rPr lang="en-US" dirty="0"/>
+            </a:br>
             <a:endParaRPr kumimoji="0" lang="en-US" altLang="en-US" b="0" i="0" u="none" strike="noStrike" cap="none" normalizeH="0" baseline="0" dirty="0">
               <a:ln>
                 <a:noFill/>
@@ -11602,7 +11474,394 @@
           <p:cNvPr id="3076" name="Picture 4" descr="https://www.assoc-amazon.com/e/ir?t=martinfowlerc-20&amp;l=as2&amp;o=1&amp;a=0321601912">
             <a:extLst>
               <a:ext uri="{FF2B5EF4-FFF2-40B4-BE49-F238E27FC236}">
-                <a16:creationId xmlns:a16="http://schemas.microsoft.com/office/drawing/2014/main" id="{6CC3A9D4-30FA-452A-8C2C-899E7104ABB0}"/>
+                <a16:creationId xmlns:a16="http://schemas.microsoft.com/office/drawing/2014/main" xmlns="" id="{6CC3A9D4-30FA-452A-8C2C-899E7104ABB0}"/>
+              </a:ext>
+            </a:extLst>
+          </p:cNvPr>
+          <p:cNvPicPr>
+            <a:picLocks noChangeAspect="1" noChangeArrowheads="1"/>
+          </p:cNvPicPr>
+          <p:nvPr/>
+        </p:nvPicPr>
+        <p:blipFill>
+          <a:blip r:embed="rId6">
+            <a:extLst>
+              <a:ext uri="{28A0092B-C50C-407E-A947-70E740481C1C}">
+                <a14:useLocalDpi xmlns:a14="http://schemas.microsoft.com/office/drawing/2010/main" val="0"/>
+              </a:ext>
+            </a:extLst>
+          </a:blip>
+          <a:srcRect/>
+          <a:stretch>
+            <a:fillRect/>
+          </a:stretch>
+        </p:blipFill>
+        <p:spPr bwMode="auto">
+          <a:xfrm>
+            <a:off x="8477851" y="1554162"/>
+            <a:ext cx="45719" cy="45719"/>
+          </a:xfrm>
+          <a:prstGeom prst="rect">
+            <a:avLst/>
+          </a:prstGeom>
+          <a:noFill/>
+          <a:extLst>
+            <a:ext uri="{909E8E84-426E-40DD-AFC4-6F175D3DCCD1}">
+              <a14:hiddenFill xmlns:a14="http://schemas.microsoft.com/office/drawing/2010/main">
+                <a:solidFill>
+                  <a:srgbClr val="FFFFFF"/>
+                </a:solidFill>
+              </a14:hiddenFill>
+            </a:ext>
+          </a:extLst>
+        </p:spPr>
+      </p:pic>
+    </p:spTree>
+    <p:extLst>
+      <p:ext uri="{BB962C8B-B14F-4D97-AF65-F5344CB8AC3E}">
+        <p14:creationId xmlns:p14="http://schemas.microsoft.com/office/powerpoint/2010/main" val="4184179292"/>
+      </p:ext>
+    </p:extLst>
+  </p:cSld>
+  <p:clrMapOvr>
+    <a:masterClrMapping/>
+  </p:clrMapOvr>
+</p:sld>
+</file>
+
+<file path=ppt/slides/slide21.xml><?xml version="1.0" encoding="utf-8"?>
+<p:sld xmlns:a="http://schemas.openxmlformats.org/drawingml/2006/main" xmlns:r="http://schemas.openxmlformats.org/officeDocument/2006/relationships" xmlns:p="http://schemas.openxmlformats.org/presentationml/2006/main">
+  <p:cSld>
+    <p:spTree>
+      <p:nvGrpSpPr>
+        <p:cNvPr id="1" name=""/>
+        <p:cNvGrpSpPr/>
+        <p:nvPr/>
+      </p:nvGrpSpPr>
+      <p:grpSpPr>
+        <a:xfrm>
+          <a:off x="0" y="0"/>
+          <a:ext cx="0" cy="0"/>
+          <a:chOff x="0" y="0"/>
+          <a:chExt cx="0" cy="0"/>
+        </a:xfrm>
+      </p:grpSpPr>
+      <p:sp>
+        <p:nvSpPr>
+          <p:cNvPr id="2" name="Title 1">
+            <a:extLst>
+              <a:ext uri="{FF2B5EF4-FFF2-40B4-BE49-F238E27FC236}">
+                <a16:creationId xmlns:a16="http://schemas.microsoft.com/office/drawing/2014/main" xmlns="" id="{067C049B-FAC3-4933-BE73-60CD032A57AE}"/>
+              </a:ext>
+            </a:extLst>
+          </p:cNvPr>
+          <p:cNvSpPr>
+            <a:spLocks noGrp="1"/>
+          </p:cNvSpPr>
+          <p:nvPr>
+            <p:ph type="title"/>
+          </p:nvPr>
+        </p:nvSpPr>
+        <p:spPr/>
+        <p:txBody>
+          <a:bodyPr>
+            <a:normAutofit/>
+          </a:bodyPr>
+          <a:lstStyle/>
+          <a:p>
+            <a:r>
+              <a:rPr lang="en-US" dirty="0"/>
+              <a:t>Domain Aggregate</a:t>
+            </a:r>
+            <a:br>
+              <a:rPr lang="en-US" dirty="0"/>
+            </a:br>
+            <a:r>
+              <a:rPr lang="en-US" sz="1800" b="1" dirty="0"/>
+              <a:t>https://medium.com/capital-one-tech/event-sourcing-with-aggregates-in-rust-4022af41cf67</a:t>
+            </a:r>
+          </a:p>
+        </p:txBody>
+      </p:sp>
+      <p:sp>
+        <p:nvSpPr>
+          <p:cNvPr id="6" name="Rectangle 3">
+            <a:extLst>
+              <a:ext uri="{FF2B5EF4-FFF2-40B4-BE49-F238E27FC236}">
+                <a16:creationId xmlns:a16="http://schemas.microsoft.com/office/drawing/2014/main" xmlns="" id="{13D81A2A-E648-4AEB-B27D-5D2F6B4996ED}"/>
+              </a:ext>
+            </a:extLst>
+          </p:cNvPr>
+          <p:cNvSpPr>
+            <a:spLocks noChangeArrowheads="1"/>
+          </p:cNvSpPr>
+          <p:nvPr/>
+        </p:nvSpPr>
+        <p:spPr bwMode="auto">
+          <a:xfrm>
+            <a:off x="551949" y="1930401"/>
+            <a:ext cx="9168713" cy="2492990"/>
+          </a:xfrm>
+          <a:prstGeom prst="rect">
+            <a:avLst/>
+          </a:prstGeom>
+          <a:solidFill>
+            <a:srgbClr val="FFFFFF"/>
+          </a:solidFill>
+          <a:ln>
+            <a:noFill/>
+          </a:ln>
+          <a:effectLst/>
+          <a:extLst>
+            <a:ext uri="{91240B29-F687-4F45-9708-019B960494DF}">
+              <a14:hiddenLine xmlns:a14="http://schemas.microsoft.com/office/drawing/2010/main" w="9525">
+                <a:solidFill>
+                  <a:schemeClr val="tx1"/>
+                </a:solidFill>
+                <a:miter lim="800000"/>
+                <a:headEnd/>
+                <a:tailEnd/>
+              </a14:hiddenLine>
+            </a:ext>
+            <a:ext uri="{AF507438-7753-43E0-B8FC-AC1667EBCBE1}">
+              <a14:hiddenEffects xmlns:a14="http://schemas.microsoft.com/office/drawing/2010/main">
+                <a:effectLst>
+                  <a:outerShdw dist="35921" dir="2700000" algn="ctr" rotWithShape="0">
+                    <a:schemeClr val="bg2"/>
+                  </a:outerShdw>
+                </a:effectLst>
+              </a14:hiddenEffects>
+            </a:ext>
+          </a:extLst>
+        </p:spPr>
+        <p:txBody>
+          <a:bodyPr vert="horz" wrap="square" lIns="0" tIns="0" rIns="0" bIns="0" numCol="1" anchor="ctr" anchorCtr="0" compatLnSpc="1">
+            <a:prstTxWarp prst="textNoShape">
+              <a:avLst/>
+            </a:prstTxWarp>
+            <a:spAutoFit/>
+          </a:bodyPr>
+          <a:lstStyle>
+            <a:lvl1pPr eaLnBrk="0" fontAlgn="base" hangingPunct="0">
+              <a:spcBef>
+                <a:spcPct val="0"/>
+              </a:spcBef>
+              <a:spcAft>
+                <a:spcPct val="0"/>
+              </a:spcAft>
+              <a:defRPr>
+                <a:solidFill>
+                  <a:schemeClr val="tx1"/>
+                </a:solidFill>
+                <a:latin typeface="Arial" panose="020B0604020202020204" pitchFamily="34" charset="0"/>
+              </a:defRPr>
+            </a:lvl1pPr>
+            <a:lvl2pPr eaLnBrk="0" fontAlgn="base" hangingPunct="0">
+              <a:spcBef>
+                <a:spcPct val="0"/>
+              </a:spcBef>
+              <a:spcAft>
+                <a:spcPct val="0"/>
+              </a:spcAft>
+              <a:defRPr>
+                <a:solidFill>
+                  <a:schemeClr val="tx1"/>
+                </a:solidFill>
+                <a:latin typeface="Arial" panose="020B0604020202020204" pitchFamily="34" charset="0"/>
+              </a:defRPr>
+            </a:lvl2pPr>
+            <a:lvl3pPr eaLnBrk="0" fontAlgn="base" hangingPunct="0">
+              <a:spcBef>
+                <a:spcPct val="0"/>
+              </a:spcBef>
+              <a:spcAft>
+                <a:spcPct val="0"/>
+              </a:spcAft>
+              <a:defRPr>
+                <a:solidFill>
+                  <a:schemeClr val="tx1"/>
+                </a:solidFill>
+                <a:latin typeface="Arial" panose="020B0604020202020204" pitchFamily="34" charset="0"/>
+              </a:defRPr>
+            </a:lvl3pPr>
+            <a:lvl4pPr eaLnBrk="0" fontAlgn="base" hangingPunct="0">
+              <a:spcBef>
+                <a:spcPct val="0"/>
+              </a:spcBef>
+              <a:spcAft>
+                <a:spcPct val="0"/>
+              </a:spcAft>
+              <a:defRPr>
+                <a:solidFill>
+                  <a:schemeClr val="tx1"/>
+                </a:solidFill>
+                <a:latin typeface="Arial" panose="020B0604020202020204" pitchFamily="34" charset="0"/>
+              </a:defRPr>
+            </a:lvl4pPr>
+            <a:lvl5pPr eaLnBrk="0" fontAlgn="base" hangingPunct="0">
+              <a:spcBef>
+                <a:spcPct val="0"/>
+              </a:spcBef>
+              <a:spcAft>
+                <a:spcPct val="0"/>
+              </a:spcAft>
+              <a:defRPr>
+                <a:solidFill>
+                  <a:schemeClr val="tx1"/>
+                </a:solidFill>
+                <a:latin typeface="Arial" panose="020B0604020202020204" pitchFamily="34" charset="0"/>
+              </a:defRPr>
+            </a:lvl5pPr>
+            <a:lvl6pPr eaLnBrk="0" fontAlgn="base" hangingPunct="0">
+              <a:spcBef>
+                <a:spcPct val="0"/>
+              </a:spcBef>
+              <a:spcAft>
+                <a:spcPct val="0"/>
+              </a:spcAft>
+              <a:defRPr>
+                <a:solidFill>
+                  <a:schemeClr val="tx1"/>
+                </a:solidFill>
+                <a:latin typeface="Arial" panose="020B0604020202020204" pitchFamily="34" charset="0"/>
+              </a:defRPr>
+            </a:lvl6pPr>
+            <a:lvl7pPr eaLnBrk="0" fontAlgn="base" hangingPunct="0">
+              <a:spcBef>
+                <a:spcPct val="0"/>
+              </a:spcBef>
+              <a:spcAft>
+                <a:spcPct val="0"/>
+              </a:spcAft>
+              <a:defRPr>
+                <a:solidFill>
+                  <a:schemeClr val="tx1"/>
+                </a:solidFill>
+                <a:latin typeface="Arial" panose="020B0604020202020204" pitchFamily="34" charset="0"/>
+              </a:defRPr>
+            </a:lvl7pPr>
+            <a:lvl8pPr eaLnBrk="0" fontAlgn="base" hangingPunct="0">
+              <a:spcBef>
+                <a:spcPct val="0"/>
+              </a:spcBef>
+              <a:spcAft>
+                <a:spcPct val="0"/>
+              </a:spcAft>
+              <a:defRPr>
+                <a:solidFill>
+                  <a:schemeClr val="tx1"/>
+                </a:solidFill>
+                <a:latin typeface="Arial" panose="020B0604020202020204" pitchFamily="34" charset="0"/>
+              </a:defRPr>
+            </a:lvl8pPr>
+            <a:lvl9pPr eaLnBrk="0" fontAlgn="base" hangingPunct="0">
+              <a:spcBef>
+                <a:spcPct val="0"/>
+              </a:spcBef>
+              <a:spcAft>
+                <a:spcPct val="0"/>
+              </a:spcAft>
+              <a:defRPr>
+                <a:solidFill>
+                  <a:schemeClr val="tx1"/>
+                </a:solidFill>
+                <a:latin typeface="Arial" panose="020B0604020202020204" pitchFamily="34" charset="0"/>
+              </a:defRPr>
+            </a:lvl9pPr>
+          </a:lstStyle>
+          <a:p>
+            <a:r>
+              <a:rPr lang="en-US" dirty="0"/>
+              <a:t>The </a:t>
+            </a:r>
+            <a:r>
+              <a:rPr lang="en-US" i="1" dirty="0"/>
+              <a:t>aggregate</a:t>
+            </a:r>
+            <a:r>
+              <a:rPr lang="en-US" dirty="0"/>
+              <a:t> is a domain-driven-design (DDD) concept that fits well within event sourcing. To put it as briefly as possible: you apply a </a:t>
+            </a:r>
+            <a:r>
+              <a:rPr lang="en-US" b="1" i="1" dirty="0"/>
+              <a:t>command</a:t>
+            </a:r>
+            <a:r>
+              <a:rPr lang="en-US" i="1" dirty="0"/>
+              <a:t> </a:t>
+            </a:r>
+            <a:r>
+              <a:rPr lang="en-US" dirty="0"/>
+              <a:t>to an </a:t>
+            </a:r>
+            <a:r>
+              <a:rPr lang="en-US" b="1" i="1" dirty="0"/>
+              <a:t>aggregate</a:t>
+            </a:r>
+            <a:r>
+              <a:rPr lang="en-US" dirty="0"/>
+              <a:t> which then produces one or more </a:t>
+            </a:r>
+            <a:r>
+              <a:rPr lang="en-US" b="1" i="1" dirty="0"/>
+              <a:t>events</a:t>
+            </a:r>
+            <a:r>
+              <a:rPr lang="en-US" dirty="0"/>
+              <a:t>. An aggregate can populate (re-hydrate) its state by sequential application of an event stream.</a:t>
+            </a:r>
+            <a:br>
+              <a:rPr lang="en-US" dirty="0"/>
+            </a:br>
+            <a:endParaRPr lang="en-US" dirty="0"/>
+          </a:p>
+          <a:p>
+            <a:pPr marL="285750" indent="-285750">
+              <a:buFont typeface="Arial" panose="020B0604020202020204" pitchFamily="34" charset="0"/>
+              <a:buChar char="•"/>
+            </a:pPr>
+            <a:r>
+              <a:rPr lang="en-US" dirty="0"/>
+              <a:t>Enforces its current state</a:t>
+            </a:r>
+          </a:p>
+          <a:p>
+            <a:pPr marL="285750" indent="-285750">
+              <a:buFont typeface="Arial" panose="020B0604020202020204" pitchFamily="34" charset="0"/>
+              <a:buChar char="•"/>
+            </a:pPr>
+            <a:r>
+              <a:rPr lang="en-US" dirty="0"/>
+              <a:t>Prevents new events from being created unless domain is true</a:t>
+            </a:r>
+          </a:p>
+          <a:p>
+            <a:r>
+              <a:rPr lang="en-US" dirty="0"/>
+              <a:t/>
+            </a:r>
+            <a:br>
+              <a:rPr lang="en-US" dirty="0"/>
+            </a:br>
+            <a:endParaRPr kumimoji="0" lang="en-US" altLang="en-US" b="0" i="0" u="none" strike="noStrike" cap="none" normalizeH="0" baseline="0" dirty="0">
+              <a:ln>
+                <a:noFill/>
+              </a:ln>
+              <a:solidFill>
+                <a:srgbClr val="303633"/>
+              </a:solidFill>
+              <a:effectLst/>
+              <a:latin typeface="Open Sans"/>
+            </a:endParaRPr>
+          </a:p>
+        </p:txBody>
+      </p:sp>
+      <p:pic>
+        <p:nvPicPr>
+          <p:cNvPr id="3076" name="Picture 4" descr="https://www.assoc-amazon.com/e/ir?t=martinfowlerc-20&amp;l=as2&amp;o=1&amp;a=0321601912">
+            <a:extLst>
+              <a:ext uri="{FF2B5EF4-FFF2-40B4-BE49-F238E27FC236}">
+                <a16:creationId xmlns:a16="http://schemas.microsoft.com/office/drawing/2014/main" xmlns="" id="{6CC3A9D4-30FA-452A-8C2C-899E7104ABB0}"/>
               </a:ext>
             </a:extLst>
           </p:cNvPr>
@@ -11644,455 +11903,10 @@
           </a:extLst>
         </p:spPr>
       </p:pic>
-      <p:sp>
-        <p:nvSpPr>
-          <p:cNvPr id="8" name="Content Placeholder 2">
-            <a:extLst>
-              <a:ext uri="{FF2B5EF4-FFF2-40B4-BE49-F238E27FC236}">
-                <a16:creationId xmlns:a16="http://schemas.microsoft.com/office/drawing/2014/main" id="{14F1E97E-ACAC-481A-876F-42F1AA3EF2C2}"/>
-              </a:ext>
-            </a:extLst>
-          </p:cNvPr>
-          <p:cNvSpPr>
-            <a:spLocks noGrp="1"/>
-          </p:cNvSpPr>
-          <p:nvPr>
-            <p:ph idx="1"/>
-          </p:nvPr>
-        </p:nvSpPr>
-        <p:spPr>
-          <a:xfrm>
-            <a:off x="677333" y="4418523"/>
-            <a:ext cx="8596668" cy="1770629"/>
-          </a:xfrm>
-        </p:spPr>
-        <p:txBody>
-          <a:bodyPr/>
-          <a:lstStyle/>
-          <a:p>
-            <a:r>
-              <a:rPr lang="en-US" dirty="0"/>
-              <a:t>Making two objects when there used to be only one</a:t>
-            </a:r>
-          </a:p>
-        </p:txBody>
-      </p:sp>
     </p:spTree>
     <p:extLst>
       <p:ext uri="{BB962C8B-B14F-4D97-AF65-F5344CB8AC3E}">
-        <p14:creationId xmlns:p14="http://schemas.microsoft.com/office/powerpoint/2010/main" val="2364215190"/>
-      </p:ext>
-    </p:extLst>
-  </p:cSld>
-  <p:clrMapOvr>
-    <a:masterClrMapping/>
-  </p:clrMapOvr>
-</p:sld>
-</file>
-
-<file path=ppt/slides/slide21.xml><?xml version="1.0" encoding="utf-8"?>
-<p:sld xmlns:a="http://schemas.openxmlformats.org/drawingml/2006/main" xmlns:r="http://schemas.openxmlformats.org/officeDocument/2006/relationships" xmlns:p="http://schemas.openxmlformats.org/presentationml/2006/main">
-  <p:cSld>
-    <p:spTree>
-      <p:nvGrpSpPr>
-        <p:cNvPr id="1" name=""/>
-        <p:cNvGrpSpPr/>
-        <p:nvPr/>
-      </p:nvGrpSpPr>
-      <p:grpSpPr>
-        <a:xfrm>
-          <a:off x="0" y="0"/>
-          <a:ext cx="0" cy="0"/>
-          <a:chOff x="0" y="0"/>
-          <a:chExt cx="0" cy="0"/>
-        </a:xfrm>
-      </p:grpSpPr>
-      <p:sp>
-        <p:nvSpPr>
-          <p:cNvPr id="2" name="Title 1">
-            <a:extLst>
-              <a:ext uri="{FF2B5EF4-FFF2-40B4-BE49-F238E27FC236}">
-                <a16:creationId xmlns:a16="http://schemas.microsoft.com/office/drawing/2014/main" id="{067C049B-FAC3-4933-BE73-60CD032A57AE}"/>
-              </a:ext>
-            </a:extLst>
-          </p:cNvPr>
-          <p:cNvSpPr>
-            <a:spLocks noGrp="1"/>
-          </p:cNvSpPr>
-          <p:nvPr>
-            <p:ph type="title"/>
-          </p:nvPr>
-        </p:nvSpPr>
-        <p:spPr/>
-        <p:txBody>
-          <a:bodyPr>
-            <a:normAutofit/>
-          </a:bodyPr>
-          <a:lstStyle/>
-          <a:p>
-            <a:r>
-              <a:rPr lang="en-US" dirty="0"/>
-              <a:t>Materialized view</a:t>
-            </a:r>
-            <a:br>
-              <a:rPr lang="en-US" dirty="0"/>
-            </a:br>
-            <a:r>
-              <a:rPr lang="en-US" sz="1800" b="1" dirty="0"/>
-              <a:t>https://en.wikipedia.org/wiki/Materialized_view</a:t>
-            </a:r>
-          </a:p>
-        </p:txBody>
-      </p:sp>
-      <p:sp>
-        <p:nvSpPr>
-          <p:cNvPr id="6" name="Rectangle 3">
-            <a:extLst>
-              <a:ext uri="{FF2B5EF4-FFF2-40B4-BE49-F238E27FC236}">
-                <a16:creationId xmlns:a16="http://schemas.microsoft.com/office/drawing/2014/main" id="{13D81A2A-E648-4AEB-B27D-5D2F6B4996ED}"/>
-              </a:ext>
-            </a:extLst>
-          </p:cNvPr>
-          <p:cNvSpPr>
-            <a:spLocks noChangeArrowheads="1"/>
-          </p:cNvSpPr>
-          <p:nvPr/>
-        </p:nvSpPr>
-        <p:spPr bwMode="auto">
-          <a:xfrm>
-            <a:off x="391311" y="1992227"/>
-            <a:ext cx="9168713" cy="2492990"/>
-          </a:xfrm>
-          <a:prstGeom prst="rect">
-            <a:avLst/>
-          </a:prstGeom>
-          <a:solidFill>
-            <a:srgbClr val="FFFFFF"/>
-          </a:solidFill>
-          <a:ln>
-            <a:noFill/>
-          </a:ln>
-          <a:effectLst/>
-          <a:extLst>
-            <a:ext uri="{91240B29-F687-4F45-9708-019B960494DF}">
-              <a14:hiddenLine xmlns:a14="http://schemas.microsoft.com/office/drawing/2010/main" w="9525">
-                <a:solidFill>
-                  <a:schemeClr val="tx1"/>
-                </a:solidFill>
-                <a:miter lim="800000"/>
-                <a:headEnd/>
-                <a:tailEnd/>
-              </a14:hiddenLine>
-            </a:ext>
-            <a:ext uri="{AF507438-7753-43E0-B8FC-AC1667EBCBE1}">
-              <a14:hiddenEffects xmlns:a14="http://schemas.microsoft.com/office/drawing/2010/main">
-                <a:effectLst>
-                  <a:outerShdw dist="35921" dir="2700000" algn="ctr" rotWithShape="0">
-                    <a:schemeClr val="bg2"/>
-                  </a:outerShdw>
-                </a:effectLst>
-              </a14:hiddenEffects>
-            </a:ext>
-          </a:extLst>
-        </p:spPr>
-        <p:txBody>
-          <a:bodyPr vert="horz" wrap="square" lIns="0" tIns="0" rIns="0" bIns="0" numCol="1" anchor="ctr" anchorCtr="0" compatLnSpc="1">
-            <a:prstTxWarp prst="textNoShape">
-              <a:avLst/>
-            </a:prstTxWarp>
-            <a:spAutoFit/>
-          </a:bodyPr>
-          <a:lstStyle>
-            <a:lvl1pPr eaLnBrk="0" fontAlgn="base" hangingPunct="0">
-              <a:spcBef>
-                <a:spcPct val="0"/>
-              </a:spcBef>
-              <a:spcAft>
-                <a:spcPct val="0"/>
-              </a:spcAft>
-              <a:defRPr>
-                <a:solidFill>
-                  <a:schemeClr val="tx1"/>
-                </a:solidFill>
-                <a:latin typeface="Arial" panose="020B0604020202020204" pitchFamily="34" charset="0"/>
-              </a:defRPr>
-            </a:lvl1pPr>
-            <a:lvl2pPr eaLnBrk="0" fontAlgn="base" hangingPunct="0">
-              <a:spcBef>
-                <a:spcPct val="0"/>
-              </a:spcBef>
-              <a:spcAft>
-                <a:spcPct val="0"/>
-              </a:spcAft>
-              <a:defRPr>
-                <a:solidFill>
-                  <a:schemeClr val="tx1"/>
-                </a:solidFill>
-                <a:latin typeface="Arial" panose="020B0604020202020204" pitchFamily="34" charset="0"/>
-              </a:defRPr>
-            </a:lvl2pPr>
-            <a:lvl3pPr eaLnBrk="0" fontAlgn="base" hangingPunct="0">
-              <a:spcBef>
-                <a:spcPct val="0"/>
-              </a:spcBef>
-              <a:spcAft>
-                <a:spcPct val="0"/>
-              </a:spcAft>
-              <a:defRPr>
-                <a:solidFill>
-                  <a:schemeClr val="tx1"/>
-                </a:solidFill>
-                <a:latin typeface="Arial" panose="020B0604020202020204" pitchFamily="34" charset="0"/>
-              </a:defRPr>
-            </a:lvl3pPr>
-            <a:lvl4pPr eaLnBrk="0" fontAlgn="base" hangingPunct="0">
-              <a:spcBef>
-                <a:spcPct val="0"/>
-              </a:spcBef>
-              <a:spcAft>
-                <a:spcPct val="0"/>
-              </a:spcAft>
-              <a:defRPr>
-                <a:solidFill>
-                  <a:schemeClr val="tx1"/>
-                </a:solidFill>
-                <a:latin typeface="Arial" panose="020B0604020202020204" pitchFamily="34" charset="0"/>
-              </a:defRPr>
-            </a:lvl4pPr>
-            <a:lvl5pPr eaLnBrk="0" fontAlgn="base" hangingPunct="0">
-              <a:spcBef>
-                <a:spcPct val="0"/>
-              </a:spcBef>
-              <a:spcAft>
-                <a:spcPct val="0"/>
-              </a:spcAft>
-              <a:defRPr>
-                <a:solidFill>
-                  <a:schemeClr val="tx1"/>
-                </a:solidFill>
-                <a:latin typeface="Arial" panose="020B0604020202020204" pitchFamily="34" charset="0"/>
-              </a:defRPr>
-            </a:lvl5pPr>
-            <a:lvl6pPr eaLnBrk="0" fontAlgn="base" hangingPunct="0">
-              <a:spcBef>
-                <a:spcPct val="0"/>
-              </a:spcBef>
-              <a:spcAft>
-                <a:spcPct val="0"/>
-              </a:spcAft>
-              <a:defRPr>
-                <a:solidFill>
-                  <a:schemeClr val="tx1"/>
-                </a:solidFill>
-                <a:latin typeface="Arial" panose="020B0604020202020204" pitchFamily="34" charset="0"/>
-              </a:defRPr>
-            </a:lvl6pPr>
-            <a:lvl7pPr eaLnBrk="0" fontAlgn="base" hangingPunct="0">
-              <a:spcBef>
-                <a:spcPct val="0"/>
-              </a:spcBef>
-              <a:spcAft>
-                <a:spcPct val="0"/>
-              </a:spcAft>
-              <a:defRPr>
-                <a:solidFill>
-                  <a:schemeClr val="tx1"/>
-                </a:solidFill>
-                <a:latin typeface="Arial" panose="020B0604020202020204" pitchFamily="34" charset="0"/>
-              </a:defRPr>
-            </a:lvl7pPr>
-            <a:lvl8pPr eaLnBrk="0" fontAlgn="base" hangingPunct="0">
-              <a:spcBef>
-                <a:spcPct val="0"/>
-              </a:spcBef>
-              <a:spcAft>
-                <a:spcPct val="0"/>
-              </a:spcAft>
-              <a:defRPr>
-                <a:solidFill>
-                  <a:schemeClr val="tx1"/>
-                </a:solidFill>
-                <a:latin typeface="Arial" panose="020B0604020202020204" pitchFamily="34" charset="0"/>
-              </a:defRPr>
-            </a:lvl8pPr>
-            <a:lvl9pPr eaLnBrk="0" fontAlgn="base" hangingPunct="0">
-              <a:spcBef>
-                <a:spcPct val="0"/>
-              </a:spcBef>
-              <a:spcAft>
-                <a:spcPct val="0"/>
-              </a:spcAft>
-              <a:defRPr>
-                <a:solidFill>
-                  <a:schemeClr val="tx1"/>
-                </a:solidFill>
-                <a:latin typeface="Arial" panose="020B0604020202020204" pitchFamily="34" charset="0"/>
-              </a:defRPr>
-            </a:lvl9pPr>
-          </a:lstStyle>
-          <a:p>
-            <a:r>
-              <a:rPr lang="en-US" dirty="0"/>
-              <a:t>In </a:t>
-            </a:r>
-            <a:r>
-              <a:rPr lang="en-US" dirty="0">
-                <a:hlinkClick r:id="rId2" tooltip="Computing"/>
-              </a:rPr>
-              <a:t>computing</a:t>
-            </a:r>
-            <a:r>
-              <a:rPr lang="en-US" dirty="0"/>
-              <a:t>, a </a:t>
-            </a:r>
-            <a:r>
-              <a:rPr lang="en-US" b="1" dirty="0"/>
-              <a:t>materialized view</a:t>
-            </a:r>
-            <a:r>
-              <a:rPr lang="en-US" dirty="0"/>
-              <a:t> is a </a:t>
-            </a:r>
-            <a:r>
-              <a:rPr lang="en-US" dirty="0">
-                <a:hlinkClick r:id="rId3" tooltip="Database"/>
-              </a:rPr>
-              <a:t>database</a:t>
-            </a:r>
-            <a:r>
-              <a:rPr lang="en-US" dirty="0"/>
-              <a:t> object that contains the results of a </a:t>
-            </a:r>
-            <a:r>
-              <a:rPr lang="en-US" dirty="0">
-                <a:hlinkClick r:id="rId4" tooltip="Query (databases)"/>
-              </a:rPr>
-              <a:t>query</a:t>
-            </a:r>
-            <a:r>
-              <a:rPr lang="en-US" dirty="0"/>
-              <a:t>. For example, it may be a local copy of data located remotely, or may be a subset of the rows and/or columns of a table or </a:t>
-            </a:r>
-            <a:r>
-              <a:rPr lang="en-US" dirty="0">
-                <a:hlinkClick r:id="rId5" tooltip="Join (SQL)"/>
-              </a:rPr>
-              <a:t>join</a:t>
-            </a:r>
-            <a:r>
-              <a:rPr lang="en-US" dirty="0"/>
-              <a:t> result, or may be a summary using an </a:t>
-            </a:r>
-            <a:r>
-              <a:rPr lang="en-US" dirty="0">
-                <a:hlinkClick r:id="rId6" tooltip="Aggregate function"/>
-              </a:rPr>
-              <a:t>aggregate function</a:t>
-            </a:r>
-            <a:r>
-              <a:rPr lang="en-US" dirty="0"/>
-              <a:t>.</a:t>
-            </a:r>
-          </a:p>
-          <a:p>
-            <a:endParaRPr lang="en-US" dirty="0"/>
-          </a:p>
-          <a:p>
-            <a:pPr marL="285750" indent="-285750">
-              <a:buFont typeface="Arial" panose="020B0604020202020204" pitchFamily="34" charset="0"/>
-              <a:buChar char="•"/>
-            </a:pPr>
-            <a:r>
-              <a:rPr lang="en-US" dirty="0"/>
-              <a:t>Could be Indexed View in SQL Server</a:t>
-            </a:r>
-          </a:p>
-          <a:p>
-            <a:pPr marL="285750" indent="-285750">
-              <a:buFont typeface="Arial" panose="020B0604020202020204" pitchFamily="34" charset="0"/>
-              <a:buChar char="•"/>
-            </a:pPr>
-            <a:r>
-              <a:rPr lang="en-US" dirty="0"/>
-              <a:t>Precalculated view – might also be in document </a:t>
-            </a:r>
-            <a:r>
-              <a:rPr lang="en-US" dirty="0" err="1"/>
-              <a:t>db</a:t>
-            </a:r>
-            <a:r>
-              <a:rPr lang="en-US" dirty="0"/>
-              <a:t> or other storage mechanism</a:t>
-            </a:r>
-          </a:p>
-          <a:p>
-            <a:br>
-              <a:rPr lang="en-US" dirty="0"/>
-            </a:br>
-            <a:endParaRPr kumimoji="0" lang="en-US" altLang="en-US" b="0" i="0" u="none" strike="noStrike" cap="none" normalizeH="0" baseline="0" dirty="0">
-              <a:ln>
-                <a:noFill/>
-              </a:ln>
-              <a:solidFill>
-                <a:srgbClr val="303633"/>
-              </a:solidFill>
-              <a:effectLst/>
-              <a:latin typeface="Open Sans"/>
-            </a:endParaRPr>
-          </a:p>
-        </p:txBody>
-      </p:sp>
-      <p:pic>
-        <p:nvPicPr>
-          <p:cNvPr id="3076" name="Picture 4" descr="https://www.assoc-amazon.com/e/ir?t=martinfowlerc-20&amp;l=as2&amp;o=1&amp;a=0321601912">
-            <a:extLst>
-              <a:ext uri="{FF2B5EF4-FFF2-40B4-BE49-F238E27FC236}">
-                <a16:creationId xmlns:a16="http://schemas.microsoft.com/office/drawing/2014/main" id="{6CC3A9D4-30FA-452A-8C2C-899E7104ABB0}"/>
-              </a:ext>
-            </a:extLst>
-          </p:cNvPr>
-          <p:cNvPicPr>
-            <a:picLocks noChangeAspect="1" noChangeArrowheads="1"/>
-          </p:cNvPicPr>
-          <p:nvPr/>
-        </p:nvPicPr>
-        <p:blipFill>
-          <a:blip r:embed="rId7">
-            <a:extLst>
-              <a:ext uri="{28A0092B-C50C-407E-A947-70E740481C1C}">
-                <a14:useLocalDpi xmlns:a14="http://schemas.microsoft.com/office/drawing/2010/main" val="0"/>
-              </a:ext>
-            </a:extLst>
-          </a:blip>
-          <a:srcRect/>
-          <a:stretch>
-            <a:fillRect/>
-          </a:stretch>
-        </p:blipFill>
-        <p:spPr bwMode="auto">
-          <a:xfrm>
-            <a:off x="8477851" y="1554162"/>
-            <a:ext cx="45719" cy="45719"/>
-          </a:xfrm>
-          <a:prstGeom prst="rect">
-            <a:avLst/>
-          </a:prstGeom>
-          <a:noFill/>
-          <a:extLst>
-            <a:ext uri="{909E8E84-426E-40DD-AFC4-6F175D3DCCD1}">
-              <a14:hiddenFill xmlns:a14="http://schemas.microsoft.com/office/drawing/2010/main">
-                <a:solidFill>
-                  <a:srgbClr val="FFFFFF"/>
-                </a:solidFill>
-              </a14:hiddenFill>
-            </a:ext>
-          </a:extLst>
-        </p:spPr>
-      </p:pic>
-    </p:spTree>
-    <p:extLst>
-      <p:ext uri="{BB962C8B-B14F-4D97-AF65-F5344CB8AC3E}">
-        <p14:creationId xmlns:p14="http://schemas.microsoft.com/office/powerpoint/2010/main" val="4269518702"/>
+        <p14:creationId xmlns:p14="http://schemas.microsoft.com/office/powerpoint/2010/main" val="2837430824"/>
       </p:ext>
     </p:extLst>
   </p:cSld>
@@ -12124,7 +11938,7 @@
           <p:cNvPr id="2" name="Title 1">
             <a:extLst>
               <a:ext uri="{FF2B5EF4-FFF2-40B4-BE49-F238E27FC236}">
-                <a16:creationId xmlns:a16="http://schemas.microsoft.com/office/drawing/2014/main" id="{067C049B-FAC3-4933-BE73-60CD032A57AE}"/>
+                <a16:creationId xmlns:a16="http://schemas.microsoft.com/office/drawing/2014/main" xmlns="" id="{606BA718-54E3-40EE-A625-27F52D97351B}"/>
               </a:ext>
             </a:extLst>
           </p:cNvPr>
@@ -12137,6 +11951,39 @@
         </p:nvSpPr>
         <p:spPr/>
         <p:txBody>
+          <a:bodyPr/>
+          <a:lstStyle/>
+          <a:p>
+            <a:r>
+              <a:rPr lang="en-US" dirty="0"/>
+              <a:t>The good and the bad</a:t>
+            </a:r>
+          </a:p>
+        </p:txBody>
+      </p:sp>
+      <p:sp>
+        <p:nvSpPr>
+          <p:cNvPr id="3" name="Content Placeholder 2">
+            <a:extLst>
+              <a:ext uri="{FF2B5EF4-FFF2-40B4-BE49-F238E27FC236}">
+                <a16:creationId xmlns:a16="http://schemas.microsoft.com/office/drawing/2014/main" xmlns="" id="{1394D080-E9CE-4591-A7DE-B3C05CD55EDA}"/>
+              </a:ext>
+            </a:extLst>
+          </p:cNvPr>
+          <p:cNvSpPr>
+            <a:spLocks noGrp="1"/>
+          </p:cNvSpPr>
+          <p:nvPr>
+            <p:ph idx="1"/>
+          </p:nvPr>
+        </p:nvSpPr>
+        <p:spPr>
+          <a:xfrm>
+            <a:off x="677334" y="1556951"/>
+            <a:ext cx="8596668" cy="5041557"/>
+          </a:xfrm>
+        </p:spPr>
+        <p:txBody>
           <a:bodyPr>
             <a:normAutofit/>
           </a:bodyPr>
@@ -12144,338 +11991,86 @@
           <a:p>
             <a:r>
               <a:rPr lang="en-US" dirty="0"/>
-              <a:t>Eventual Consistency</a:t>
-            </a:r>
-            <a:br>
-              <a:rPr lang="en-US" dirty="0"/>
-            </a:br>
-            <a:r>
-              <a:rPr lang="en-US" sz="1800" dirty="0">
-                <a:hlinkClick r:id="rId2"/>
-              </a:rPr>
-              <a:t>https://en.wikipedia.org/wiki/Eventual_consistency</a:t>
-            </a:r>
-            <a:endParaRPr lang="en-US" sz="1800" b="1" dirty="0"/>
-          </a:p>
-        </p:txBody>
-      </p:sp>
-      <p:sp>
-        <p:nvSpPr>
-          <p:cNvPr id="6" name="Rectangle 3">
-            <a:extLst>
-              <a:ext uri="{FF2B5EF4-FFF2-40B4-BE49-F238E27FC236}">
-                <a16:creationId xmlns:a16="http://schemas.microsoft.com/office/drawing/2014/main" id="{13D81A2A-E648-4AEB-B27D-5D2F6B4996ED}"/>
-              </a:ext>
-            </a:extLst>
-          </p:cNvPr>
-          <p:cNvSpPr>
-            <a:spLocks noChangeArrowheads="1"/>
-          </p:cNvSpPr>
-          <p:nvPr/>
-        </p:nvSpPr>
-        <p:spPr bwMode="auto">
-          <a:xfrm>
-            <a:off x="551949" y="2068900"/>
-            <a:ext cx="9168713" cy="2215991"/>
-          </a:xfrm>
-          <a:prstGeom prst="rect">
-            <a:avLst/>
-          </a:prstGeom>
-          <a:solidFill>
-            <a:srgbClr val="FFFFFF"/>
-          </a:solidFill>
-          <a:ln>
-            <a:noFill/>
-          </a:ln>
-          <a:effectLst/>
-          <a:extLst>
-            <a:ext uri="{91240B29-F687-4F45-9708-019B960494DF}">
-              <a14:hiddenLine xmlns:a14="http://schemas.microsoft.com/office/drawing/2010/main" w="9525">
-                <a:solidFill>
-                  <a:schemeClr val="tx1"/>
-                </a:solidFill>
-                <a:miter lim="800000"/>
-                <a:headEnd/>
-                <a:tailEnd/>
-              </a14:hiddenLine>
-            </a:ext>
-            <a:ext uri="{AF507438-7753-43E0-B8FC-AC1667EBCBE1}">
-              <a14:hiddenEffects xmlns:a14="http://schemas.microsoft.com/office/drawing/2010/main">
-                <a:effectLst>
-                  <a:outerShdw dist="35921" dir="2700000" algn="ctr" rotWithShape="0">
-                    <a:schemeClr val="bg2"/>
-                  </a:outerShdw>
-                </a:effectLst>
-              </a14:hiddenEffects>
-            </a:ext>
-          </a:extLst>
-        </p:spPr>
-        <p:txBody>
-          <a:bodyPr vert="horz" wrap="square" lIns="0" tIns="0" rIns="0" bIns="0" numCol="1" anchor="ctr" anchorCtr="0" compatLnSpc="1">
-            <a:prstTxWarp prst="textNoShape">
-              <a:avLst/>
-            </a:prstTxWarp>
-            <a:spAutoFit/>
-          </a:bodyPr>
-          <a:lstStyle>
-            <a:lvl1pPr eaLnBrk="0" fontAlgn="base" hangingPunct="0">
-              <a:spcBef>
-                <a:spcPct val="0"/>
-              </a:spcBef>
-              <a:spcAft>
-                <a:spcPct val="0"/>
-              </a:spcAft>
-              <a:defRPr>
-                <a:solidFill>
-                  <a:schemeClr val="tx1"/>
-                </a:solidFill>
-                <a:latin typeface="Arial" panose="020B0604020202020204" pitchFamily="34" charset="0"/>
-              </a:defRPr>
-            </a:lvl1pPr>
-            <a:lvl2pPr eaLnBrk="0" fontAlgn="base" hangingPunct="0">
-              <a:spcBef>
-                <a:spcPct val="0"/>
-              </a:spcBef>
-              <a:spcAft>
-                <a:spcPct val="0"/>
-              </a:spcAft>
-              <a:defRPr>
-                <a:solidFill>
-                  <a:schemeClr val="tx1"/>
-                </a:solidFill>
-                <a:latin typeface="Arial" panose="020B0604020202020204" pitchFamily="34" charset="0"/>
-              </a:defRPr>
-            </a:lvl2pPr>
-            <a:lvl3pPr eaLnBrk="0" fontAlgn="base" hangingPunct="0">
-              <a:spcBef>
-                <a:spcPct val="0"/>
-              </a:spcBef>
-              <a:spcAft>
-                <a:spcPct val="0"/>
-              </a:spcAft>
-              <a:defRPr>
-                <a:solidFill>
-                  <a:schemeClr val="tx1"/>
-                </a:solidFill>
-                <a:latin typeface="Arial" panose="020B0604020202020204" pitchFamily="34" charset="0"/>
-              </a:defRPr>
-            </a:lvl3pPr>
-            <a:lvl4pPr eaLnBrk="0" fontAlgn="base" hangingPunct="0">
-              <a:spcBef>
-                <a:spcPct val="0"/>
-              </a:spcBef>
-              <a:spcAft>
-                <a:spcPct val="0"/>
-              </a:spcAft>
-              <a:defRPr>
-                <a:solidFill>
-                  <a:schemeClr val="tx1"/>
-                </a:solidFill>
-                <a:latin typeface="Arial" panose="020B0604020202020204" pitchFamily="34" charset="0"/>
-              </a:defRPr>
-            </a:lvl4pPr>
-            <a:lvl5pPr eaLnBrk="0" fontAlgn="base" hangingPunct="0">
-              <a:spcBef>
-                <a:spcPct val="0"/>
-              </a:spcBef>
-              <a:spcAft>
-                <a:spcPct val="0"/>
-              </a:spcAft>
-              <a:defRPr>
-                <a:solidFill>
-                  <a:schemeClr val="tx1"/>
-                </a:solidFill>
-                <a:latin typeface="Arial" panose="020B0604020202020204" pitchFamily="34" charset="0"/>
-              </a:defRPr>
-            </a:lvl5pPr>
-            <a:lvl6pPr eaLnBrk="0" fontAlgn="base" hangingPunct="0">
-              <a:spcBef>
-                <a:spcPct val="0"/>
-              </a:spcBef>
-              <a:spcAft>
-                <a:spcPct val="0"/>
-              </a:spcAft>
-              <a:defRPr>
-                <a:solidFill>
-                  <a:schemeClr val="tx1"/>
-                </a:solidFill>
-                <a:latin typeface="Arial" panose="020B0604020202020204" pitchFamily="34" charset="0"/>
-              </a:defRPr>
-            </a:lvl6pPr>
-            <a:lvl7pPr eaLnBrk="0" fontAlgn="base" hangingPunct="0">
-              <a:spcBef>
-                <a:spcPct val="0"/>
-              </a:spcBef>
-              <a:spcAft>
-                <a:spcPct val="0"/>
-              </a:spcAft>
-              <a:defRPr>
-                <a:solidFill>
-                  <a:schemeClr val="tx1"/>
-                </a:solidFill>
-                <a:latin typeface="Arial" panose="020B0604020202020204" pitchFamily="34" charset="0"/>
-              </a:defRPr>
-            </a:lvl7pPr>
-            <a:lvl8pPr eaLnBrk="0" fontAlgn="base" hangingPunct="0">
-              <a:spcBef>
-                <a:spcPct val="0"/>
-              </a:spcBef>
-              <a:spcAft>
-                <a:spcPct val="0"/>
-              </a:spcAft>
-              <a:defRPr>
-                <a:solidFill>
-                  <a:schemeClr val="tx1"/>
-                </a:solidFill>
-                <a:latin typeface="Arial" panose="020B0604020202020204" pitchFamily="34" charset="0"/>
-              </a:defRPr>
-            </a:lvl8pPr>
-            <a:lvl9pPr eaLnBrk="0" fontAlgn="base" hangingPunct="0">
-              <a:spcBef>
-                <a:spcPct val="0"/>
-              </a:spcBef>
-              <a:spcAft>
-                <a:spcPct val="0"/>
-              </a:spcAft>
-              <a:defRPr>
-                <a:solidFill>
-                  <a:schemeClr val="tx1"/>
-                </a:solidFill>
-                <a:latin typeface="Arial" panose="020B0604020202020204" pitchFamily="34" charset="0"/>
-              </a:defRPr>
-            </a:lvl9pPr>
-          </a:lstStyle>
-          <a:p>
-            <a:r>
-              <a:rPr lang="en-US" b="1" dirty="0"/>
-              <a:t>Eventual consistency</a:t>
-            </a:r>
-            <a:r>
-              <a:rPr lang="en-US" dirty="0"/>
-              <a:t> is a </a:t>
-            </a:r>
-            <a:r>
-              <a:rPr lang="en-US" dirty="0">
-                <a:hlinkClick r:id="rId3" tooltip="Consistency model"/>
-              </a:rPr>
-              <a:t>consistency model</a:t>
-            </a:r>
-            <a:r>
-              <a:rPr lang="en-US" dirty="0"/>
-              <a:t> used in </a:t>
-            </a:r>
-            <a:r>
-              <a:rPr lang="en-US" dirty="0">
-                <a:hlinkClick r:id="rId4" tooltip="Distributed computing"/>
-              </a:rPr>
-              <a:t>distributed computing</a:t>
-            </a:r>
-            <a:r>
-              <a:rPr lang="en-US" dirty="0"/>
-              <a:t> to achieve </a:t>
-            </a:r>
-            <a:r>
-              <a:rPr lang="en-US" dirty="0">
-                <a:hlinkClick r:id="rId5" tooltip="High availability"/>
-              </a:rPr>
-              <a:t>high availability</a:t>
-            </a:r>
-            <a:r>
-              <a:rPr lang="en-US" dirty="0"/>
-              <a:t> that informally guarantees that, if no new updates are made to a given data item, eventually all accesses to that item will return the last updated value.</a:t>
-            </a:r>
-          </a:p>
-          <a:p>
+              <a:t>Scales well</a:t>
+            </a:r>
+          </a:p>
+          <a:p>
+            <a:r>
+              <a:rPr lang="en-US" dirty="0"/>
+              <a:t>Events can be looked at in different ways to create new views of the world</a:t>
+            </a:r>
+          </a:p>
+          <a:p>
+            <a:r>
+              <a:rPr lang="en-US" dirty="0"/>
+              <a:t>Easy to debug what happened in the system</a:t>
+            </a:r>
+          </a:p>
+          <a:p>
+            <a:r>
+              <a:rPr lang="en-US" dirty="0"/>
+              <a:t>Natural fit with streaming business intelligence platforms like </a:t>
+            </a:r>
+            <a:r>
+              <a:rPr lang="en-US" dirty="0" err="1"/>
+              <a:t>kafka</a:t>
+            </a:r>
+            <a:r>
+              <a:rPr lang="en-US" dirty="0"/>
+              <a:t> and spark</a:t>
+            </a:r>
+          </a:p>
+          <a:p>
+            <a:r>
+              <a:rPr lang="en-US" dirty="0"/>
+              <a:t>Automatically get an audit log of all things that occur in the system</a:t>
+            </a:r>
+          </a:p>
+          <a:p>
+            <a:pPr marL="0" indent="0">
+              <a:buNone/>
+            </a:pPr>
             <a:endParaRPr lang="en-US" dirty="0"/>
           </a:p>
           <a:p>
-            <a:pPr marL="285750" indent="-285750">
-              <a:buFont typeface="Arial" panose="020B0604020202020204" pitchFamily="34" charset="0"/>
-              <a:buChar char="•"/>
-            </a:pPr>
-            <a:r>
-              <a:rPr lang="en-US" dirty="0"/>
-              <a:t>Tend to see this in event driven architectures</a:t>
-            </a:r>
-          </a:p>
-          <a:p>
-            <a:pPr marL="285750" indent="-285750">
-              <a:buFont typeface="Arial" panose="020B0604020202020204" pitchFamily="34" charset="0"/>
-              <a:buChar char="•"/>
-            </a:pPr>
-            <a:r>
-              <a:rPr lang="en-US" dirty="0"/>
-              <a:t>Events are read when available to update read data structures</a:t>
-            </a:r>
-          </a:p>
-          <a:p>
-            <a:br>
-              <a:rPr lang="en-US" dirty="0"/>
-            </a:br>
-            <a:endParaRPr kumimoji="0" lang="en-US" altLang="en-US" b="0" i="0" u="none" strike="noStrike" cap="none" normalizeH="0" baseline="0" dirty="0">
-              <a:ln>
-                <a:noFill/>
-              </a:ln>
-              <a:solidFill>
-                <a:srgbClr val="303633"/>
-              </a:solidFill>
-              <a:effectLst/>
-              <a:latin typeface="Open Sans"/>
-            </a:endParaRPr>
-          </a:p>
-        </p:txBody>
-      </p:sp>
-      <p:pic>
-        <p:nvPicPr>
-          <p:cNvPr id="3076" name="Picture 4" descr="https://www.assoc-amazon.com/e/ir?t=martinfowlerc-20&amp;l=as2&amp;o=1&amp;a=0321601912">
-            <a:extLst>
-              <a:ext uri="{FF2B5EF4-FFF2-40B4-BE49-F238E27FC236}">
-                <a16:creationId xmlns:a16="http://schemas.microsoft.com/office/drawing/2014/main" id="{6CC3A9D4-30FA-452A-8C2C-899E7104ABB0}"/>
-              </a:ext>
-            </a:extLst>
-          </p:cNvPr>
-          <p:cNvPicPr>
-            <a:picLocks noChangeAspect="1" noChangeArrowheads="1"/>
-          </p:cNvPicPr>
-          <p:nvPr/>
-        </p:nvPicPr>
-        <p:blipFill>
-          <a:blip r:embed="rId6">
-            <a:extLst>
-              <a:ext uri="{28A0092B-C50C-407E-A947-70E740481C1C}">
-                <a14:useLocalDpi xmlns:a14="http://schemas.microsoft.com/office/drawing/2010/main" val="0"/>
-              </a:ext>
-            </a:extLst>
-          </a:blip>
-          <a:srcRect/>
-          <a:stretch>
-            <a:fillRect/>
-          </a:stretch>
-        </p:blipFill>
-        <p:spPr bwMode="auto">
-          <a:xfrm>
-            <a:off x="8477851" y="1554162"/>
-            <a:ext cx="45719" cy="45719"/>
-          </a:xfrm>
-          <a:prstGeom prst="rect">
-            <a:avLst/>
-          </a:prstGeom>
-          <a:noFill/>
-          <a:extLst>
-            <a:ext uri="{909E8E84-426E-40DD-AFC4-6F175D3DCCD1}">
-              <a14:hiddenFill xmlns:a14="http://schemas.microsoft.com/office/drawing/2010/main">
-                <a:solidFill>
-                  <a:srgbClr val="FFFFFF"/>
-                </a:solidFill>
-              </a14:hiddenFill>
-            </a:ext>
-          </a:extLst>
-        </p:spPr>
-      </p:pic>
+            <a:r>
+              <a:rPr lang="en-US" dirty="0"/>
+              <a:t>Technically challenging</a:t>
+            </a:r>
+          </a:p>
+          <a:p>
+            <a:r>
+              <a:rPr lang="en-US" dirty="0"/>
+              <a:t>Steep learning curve</a:t>
+            </a:r>
+          </a:p>
+          <a:p>
+            <a:r>
+              <a:rPr lang="en-US" dirty="0"/>
+              <a:t>Versioning is hard</a:t>
+            </a:r>
+          </a:p>
+          <a:p>
+            <a:r>
+              <a:rPr lang="en-US" dirty="0"/>
+              <a:t>Deployment is hard</a:t>
+            </a:r>
+          </a:p>
+          <a:p>
+            <a:r>
+              <a:rPr lang="en-US" dirty="0"/>
+              <a:t>Event Sourcing frameworks usually make choices about making things general easy and not performant or easy for all cases</a:t>
+            </a:r>
+          </a:p>
+          <a:p>
+            <a:endParaRPr lang="en-US" dirty="0"/>
+          </a:p>
+        </p:txBody>
+      </p:sp>
     </p:spTree>
     <p:extLst>
       <p:ext uri="{BB962C8B-B14F-4D97-AF65-F5344CB8AC3E}">
-        <p14:creationId xmlns:p14="http://schemas.microsoft.com/office/powerpoint/2010/main" val="4184179292"/>
+        <p14:creationId xmlns:p14="http://schemas.microsoft.com/office/powerpoint/2010/main" val="3647960344"/>
       </p:ext>
     </p:extLst>
   </p:cSld>
@@ -12507,7 +12102,7 @@
           <p:cNvPr id="2" name="Title 1">
             <a:extLst>
               <a:ext uri="{FF2B5EF4-FFF2-40B4-BE49-F238E27FC236}">
-                <a16:creationId xmlns:a16="http://schemas.microsoft.com/office/drawing/2014/main" id="{067C049B-FAC3-4933-BE73-60CD032A57AE}"/>
+                <a16:creationId xmlns:a16="http://schemas.microsoft.com/office/drawing/2014/main" xmlns="" id="{3CA1F88C-AB08-4E33-83D7-77B7A8DA1478}"/>
               </a:ext>
             </a:extLst>
           </p:cNvPr>
@@ -12520,395 +12115,12 @@
         </p:nvSpPr>
         <p:spPr/>
         <p:txBody>
-          <a:bodyPr>
-            <a:normAutofit/>
-          </a:bodyPr>
-          <a:lstStyle/>
-          <a:p>
-            <a:r>
-              <a:rPr lang="en-US" dirty="0"/>
-              <a:t>Domain Aggregate</a:t>
-            </a:r>
-            <a:br>
-              <a:rPr lang="en-US" dirty="0"/>
-            </a:br>
-            <a:r>
-              <a:rPr lang="en-US" sz="1800" b="1" dirty="0"/>
-              <a:t>https://medium.com/capital-one-tech/event-sourcing-with-aggregates-in-rust-4022af41cf67</a:t>
-            </a:r>
-          </a:p>
-        </p:txBody>
-      </p:sp>
-      <p:sp>
-        <p:nvSpPr>
-          <p:cNvPr id="6" name="Rectangle 3">
-            <a:extLst>
-              <a:ext uri="{FF2B5EF4-FFF2-40B4-BE49-F238E27FC236}">
-                <a16:creationId xmlns:a16="http://schemas.microsoft.com/office/drawing/2014/main" id="{13D81A2A-E648-4AEB-B27D-5D2F6B4996ED}"/>
-              </a:ext>
-            </a:extLst>
-          </p:cNvPr>
-          <p:cNvSpPr>
-            <a:spLocks noChangeArrowheads="1"/>
-          </p:cNvSpPr>
-          <p:nvPr/>
-        </p:nvSpPr>
-        <p:spPr bwMode="auto">
-          <a:xfrm>
-            <a:off x="551949" y="1930401"/>
-            <a:ext cx="9168713" cy="2492990"/>
-          </a:xfrm>
-          <a:prstGeom prst="rect">
-            <a:avLst/>
-          </a:prstGeom>
-          <a:solidFill>
-            <a:srgbClr val="FFFFFF"/>
-          </a:solidFill>
-          <a:ln>
-            <a:noFill/>
-          </a:ln>
-          <a:effectLst/>
-          <a:extLst>
-            <a:ext uri="{91240B29-F687-4F45-9708-019B960494DF}">
-              <a14:hiddenLine xmlns:a14="http://schemas.microsoft.com/office/drawing/2010/main" w="9525">
-                <a:solidFill>
-                  <a:schemeClr val="tx1"/>
-                </a:solidFill>
-                <a:miter lim="800000"/>
-                <a:headEnd/>
-                <a:tailEnd/>
-              </a14:hiddenLine>
-            </a:ext>
-            <a:ext uri="{AF507438-7753-43E0-B8FC-AC1667EBCBE1}">
-              <a14:hiddenEffects xmlns:a14="http://schemas.microsoft.com/office/drawing/2010/main">
-                <a:effectLst>
-                  <a:outerShdw dist="35921" dir="2700000" algn="ctr" rotWithShape="0">
-                    <a:schemeClr val="bg2"/>
-                  </a:outerShdw>
-                </a:effectLst>
-              </a14:hiddenEffects>
-            </a:ext>
-          </a:extLst>
-        </p:spPr>
-        <p:txBody>
-          <a:bodyPr vert="horz" wrap="square" lIns="0" tIns="0" rIns="0" bIns="0" numCol="1" anchor="ctr" anchorCtr="0" compatLnSpc="1">
-            <a:prstTxWarp prst="textNoShape">
-              <a:avLst/>
-            </a:prstTxWarp>
-            <a:spAutoFit/>
-          </a:bodyPr>
-          <a:lstStyle>
-            <a:lvl1pPr eaLnBrk="0" fontAlgn="base" hangingPunct="0">
-              <a:spcBef>
-                <a:spcPct val="0"/>
-              </a:spcBef>
-              <a:spcAft>
-                <a:spcPct val="0"/>
-              </a:spcAft>
-              <a:defRPr>
-                <a:solidFill>
-                  <a:schemeClr val="tx1"/>
-                </a:solidFill>
-                <a:latin typeface="Arial" panose="020B0604020202020204" pitchFamily="34" charset="0"/>
-              </a:defRPr>
-            </a:lvl1pPr>
-            <a:lvl2pPr eaLnBrk="0" fontAlgn="base" hangingPunct="0">
-              <a:spcBef>
-                <a:spcPct val="0"/>
-              </a:spcBef>
-              <a:spcAft>
-                <a:spcPct val="0"/>
-              </a:spcAft>
-              <a:defRPr>
-                <a:solidFill>
-                  <a:schemeClr val="tx1"/>
-                </a:solidFill>
-                <a:latin typeface="Arial" panose="020B0604020202020204" pitchFamily="34" charset="0"/>
-              </a:defRPr>
-            </a:lvl2pPr>
-            <a:lvl3pPr eaLnBrk="0" fontAlgn="base" hangingPunct="0">
-              <a:spcBef>
-                <a:spcPct val="0"/>
-              </a:spcBef>
-              <a:spcAft>
-                <a:spcPct val="0"/>
-              </a:spcAft>
-              <a:defRPr>
-                <a:solidFill>
-                  <a:schemeClr val="tx1"/>
-                </a:solidFill>
-                <a:latin typeface="Arial" panose="020B0604020202020204" pitchFamily="34" charset="0"/>
-              </a:defRPr>
-            </a:lvl3pPr>
-            <a:lvl4pPr eaLnBrk="0" fontAlgn="base" hangingPunct="0">
-              <a:spcBef>
-                <a:spcPct val="0"/>
-              </a:spcBef>
-              <a:spcAft>
-                <a:spcPct val="0"/>
-              </a:spcAft>
-              <a:defRPr>
-                <a:solidFill>
-                  <a:schemeClr val="tx1"/>
-                </a:solidFill>
-                <a:latin typeface="Arial" panose="020B0604020202020204" pitchFamily="34" charset="0"/>
-              </a:defRPr>
-            </a:lvl4pPr>
-            <a:lvl5pPr eaLnBrk="0" fontAlgn="base" hangingPunct="0">
-              <a:spcBef>
-                <a:spcPct val="0"/>
-              </a:spcBef>
-              <a:spcAft>
-                <a:spcPct val="0"/>
-              </a:spcAft>
-              <a:defRPr>
-                <a:solidFill>
-                  <a:schemeClr val="tx1"/>
-                </a:solidFill>
-                <a:latin typeface="Arial" panose="020B0604020202020204" pitchFamily="34" charset="0"/>
-              </a:defRPr>
-            </a:lvl5pPr>
-            <a:lvl6pPr eaLnBrk="0" fontAlgn="base" hangingPunct="0">
-              <a:spcBef>
-                <a:spcPct val="0"/>
-              </a:spcBef>
-              <a:spcAft>
-                <a:spcPct val="0"/>
-              </a:spcAft>
-              <a:defRPr>
-                <a:solidFill>
-                  <a:schemeClr val="tx1"/>
-                </a:solidFill>
-                <a:latin typeface="Arial" panose="020B0604020202020204" pitchFamily="34" charset="0"/>
-              </a:defRPr>
-            </a:lvl6pPr>
-            <a:lvl7pPr eaLnBrk="0" fontAlgn="base" hangingPunct="0">
-              <a:spcBef>
-                <a:spcPct val="0"/>
-              </a:spcBef>
-              <a:spcAft>
-                <a:spcPct val="0"/>
-              </a:spcAft>
-              <a:defRPr>
-                <a:solidFill>
-                  <a:schemeClr val="tx1"/>
-                </a:solidFill>
-                <a:latin typeface="Arial" panose="020B0604020202020204" pitchFamily="34" charset="0"/>
-              </a:defRPr>
-            </a:lvl7pPr>
-            <a:lvl8pPr eaLnBrk="0" fontAlgn="base" hangingPunct="0">
-              <a:spcBef>
-                <a:spcPct val="0"/>
-              </a:spcBef>
-              <a:spcAft>
-                <a:spcPct val="0"/>
-              </a:spcAft>
-              <a:defRPr>
-                <a:solidFill>
-                  <a:schemeClr val="tx1"/>
-                </a:solidFill>
-                <a:latin typeface="Arial" panose="020B0604020202020204" pitchFamily="34" charset="0"/>
-              </a:defRPr>
-            </a:lvl8pPr>
-            <a:lvl9pPr eaLnBrk="0" fontAlgn="base" hangingPunct="0">
-              <a:spcBef>
-                <a:spcPct val="0"/>
-              </a:spcBef>
-              <a:spcAft>
-                <a:spcPct val="0"/>
-              </a:spcAft>
-              <a:defRPr>
-                <a:solidFill>
-                  <a:schemeClr val="tx1"/>
-                </a:solidFill>
-                <a:latin typeface="Arial" panose="020B0604020202020204" pitchFamily="34" charset="0"/>
-              </a:defRPr>
-            </a:lvl9pPr>
-          </a:lstStyle>
-          <a:p>
-            <a:r>
-              <a:rPr lang="en-US" dirty="0"/>
-              <a:t>The </a:t>
-            </a:r>
-            <a:r>
-              <a:rPr lang="en-US" i="1" dirty="0"/>
-              <a:t>aggregate</a:t>
-            </a:r>
-            <a:r>
-              <a:rPr lang="en-US" dirty="0"/>
-              <a:t> is a domain-driven-design (DDD) concept that fits well within event sourcing. To put it as briefly as possible: you apply a </a:t>
-            </a:r>
-            <a:r>
-              <a:rPr lang="en-US" b="1" i="1" dirty="0"/>
-              <a:t>command</a:t>
-            </a:r>
-            <a:r>
-              <a:rPr lang="en-US" i="1" dirty="0"/>
-              <a:t> </a:t>
-            </a:r>
-            <a:r>
-              <a:rPr lang="en-US" dirty="0"/>
-              <a:t>to an </a:t>
-            </a:r>
-            <a:r>
-              <a:rPr lang="en-US" b="1" i="1" dirty="0"/>
-              <a:t>aggregate</a:t>
-            </a:r>
-            <a:r>
-              <a:rPr lang="en-US" dirty="0"/>
-              <a:t> which then produces one or more </a:t>
-            </a:r>
-            <a:r>
-              <a:rPr lang="en-US" b="1" i="1" dirty="0"/>
-              <a:t>events</a:t>
-            </a:r>
-            <a:r>
-              <a:rPr lang="en-US" dirty="0"/>
-              <a:t>. An aggregate can populate (re-hydrate) its state by sequential application of an event stream.</a:t>
-            </a:r>
-            <a:br>
-              <a:rPr lang="en-US" dirty="0"/>
-            </a:br>
-            <a:endParaRPr lang="en-US" dirty="0"/>
-          </a:p>
-          <a:p>
-            <a:pPr marL="285750" indent="-285750">
-              <a:buFont typeface="Arial" panose="020B0604020202020204" pitchFamily="34" charset="0"/>
-              <a:buChar char="•"/>
-            </a:pPr>
-            <a:r>
-              <a:rPr lang="en-US" dirty="0"/>
-              <a:t>Enforces its current state</a:t>
-            </a:r>
-          </a:p>
-          <a:p>
-            <a:pPr marL="285750" indent="-285750">
-              <a:buFont typeface="Arial" panose="020B0604020202020204" pitchFamily="34" charset="0"/>
-              <a:buChar char="•"/>
-            </a:pPr>
-            <a:r>
-              <a:rPr lang="en-US" dirty="0"/>
-              <a:t>Prevents new events from being created unless domain is true</a:t>
-            </a:r>
-          </a:p>
-          <a:p>
-            <a:br>
-              <a:rPr lang="en-US" dirty="0"/>
-            </a:br>
-            <a:endParaRPr kumimoji="0" lang="en-US" altLang="en-US" b="0" i="0" u="none" strike="noStrike" cap="none" normalizeH="0" baseline="0" dirty="0">
-              <a:ln>
-                <a:noFill/>
-              </a:ln>
-              <a:solidFill>
-                <a:srgbClr val="303633"/>
-              </a:solidFill>
-              <a:effectLst/>
-              <a:latin typeface="Open Sans"/>
-            </a:endParaRPr>
-          </a:p>
-        </p:txBody>
-      </p:sp>
-      <p:pic>
-        <p:nvPicPr>
-          <p:cNvPr id="3076" name="Picture 4" descr="https://www.assoc-amazon.com/e/ir?t=martinfowlerc-20&amp;l=as2&amp;o=1&amp;a=0321601912">
-            <a:extLst>
-              <a:ext uri="{FF2B5EF4-FFF2-40B4-BE49-F238E27FC236}">
-                <a16:creationId xmlns:a16="http://schemas.microsoft.com/office/drawing/2014/main" id="{6CC3A9D4-30FA-452A-8C2C-899E7104ABB0}"/>
-              </a:ext>
-            </a:extLst>
-          </p:cNvPr>
-          <p:cNvPicPr>
-            <a:picLocks noChangeAspect="1" noChangeArrowheads="1"/>
-          </p:cNvPicPr>
-          <p:nvPr/>
-        </p:nvPicPr>
-        <p:blipFill>
-          <a:blip r:embed="rId2">
-            <a:extLst>
-              <a:ext uri="{28A0092B-C50C-407E-A947-70E740481C1C}">
-                <a14:useLocalDpi xmlns:a14="http://schemas.microsoft.com/office/drawing/2010/main" val="0"/>
-              </a:ext>
-            </a:extLst>
-          </a:blip>
-          <a:srcRect/>
-          <a:stretch>
-            <a:fillRect/>
-          </a:stretch>
-        </p:blipFill>
-        <p:spPr bwMode="auto">
-          <a:xfrm>
-            <a:off x="8477851" y="1554162"/>
-            <a:ext cx="45719" cy="45719"/>
-          </a:xfrm>
-          <a:prstGeom prst="rect">
-            <a:avLst/>
-          </a:prstGeom>
-          <a:noFill/>
-          <a:extLst>
-            <a:ext uri="{909E8E84-426E-40DD-AFC4-6F175D3DCCD1}">
-              <a14:hiddenFill xmlns:a14="http://schemas.microsoft.com/office/drawing/2010/main">
-                <a:solidFill>
-                  <a:srgbClr val="FFFFFF"/>
-                </a:solidFill>
-              </a14:hiddenFill>
-            </a:ext>
-          </a:extLst>
-        </p:spPr>
-      </p:pic>
-    </p:spTree>
-    <p:extLst>
-      <p:ext uri="{BB962C8B-B14F-4D97-AF65-F5344CB8AC3E}">
-        <p14:creationId xmlns:p14="http://schemas.microsoft.com/office/powerpoint/2010/main" val="2837430824"/>
-      </p:ext>
-    </p:extLst>
-  </p:cSld>
-  <p:clrMapOvr>
-    <a:masterClrMapping/>
-  </p:clrMapOvr>
-</p:sld>
-</file>
-
-<file path=ppt/slides/slide24.xml><?xml version="1.0" encoding="utf-8"?>
-<p:sld xmlns:a="http://schemas.openxmlformats.org/drawingml/2006/main" xmlns:r="http://schemas.openxmlformats.org/officeDocument/2006/relationships" xmlns:p="http://schemas.openxmlformats.org/presentationml/2006/main">
-  <p:cSld>
-    <p:spTree>
-      <p:nvGrpSpPr>
-        <p:cNvPr id="1" name=""/>
-        <p:cNvGrpSpPr/>
-        <p:nvPr/>
-      </p:nvGrpSpPr>
-      <p:grpSpPr>
-        <a:xfrm>
-          <a:off x="0" y="0"/>
-          <a:ext cx="0" cy="0"/>
-          <a:chOff x="0" y="0"/>
-          <a:chExt cx="0" cy="0"/>
-        </a:xfrm>
-      </p:grpSpPr>
-      <p:sp>
-        <p:nvSpPr>
-          <p:cNvPr id="2" name="Title 1">
-            <a:extLst>
-              <a:ext uri="{FF2B5EF4-FFF2-40B4-BE49-F238E27FC236}">
-                <a16:creationId xmlns:a16="http://schemas.microsoft.com/office/drawing/2014/main" id="{606BA718-54E3-40EE-A625-27F52D97351B}"/>
-              </a:ext>
-            </a:extLst>
-          </p:cNvPr>
-          <p:cNvSpPr>
-            <a:spLocks noGrp="1"/>
-          </p:cNvSpPr>
-          <p:nvPr>
-            <p:ph type="title"/>
-          </p:nvPr>
-        </p:nvSpPr>
-        <p:spPr/>
-        <p:txBody>
           <a:bodyPr/>
           <a:lstStyle/>
           <a:p>
             <a:r>
               <a:rPr lang="en-US" dirty="0"/>
-              <a:t>The good and the bad</a:t>
+              <a:t>Additional Resources</a:t>
             </a:r>
           </a:p>
         </p:txBody>
@@ -12918,171 +12130,7 @@
           <p:cNvPr id="3" name="Content Placeholder 2">
             <a:extLst>
               <a:ext uri="{FF2B5EF4-FFF2-40B4-BE49-F238E27FC236}">
-                <a16:creationId xmlns:a16="http://schemas.microsoft.com/office/drawing/2014/main" id="{1394D080-E9CE-4591-A7DE-B3C05CD55EDA}"/>
-              </a:ext>
-            </a:extLst>
-          </p:cNvPr>
-          <p:cNvSpPr>
-            <a:spLocks noGrp="1"/>
-          </p:cNvSpPr>
-          <p:nvPr>
-            <p:ph idx="1"/>
-          </p:nvPr>
-        </p:nvSpPr>
-        <p:spPr>
-          <a:xfrm>
-            <a:off x="677334" y="1556951"/>
-            <a:ext cx="8596668" cy="5041557"/>
-          </a:xfrm>
-        </p:spPr>
-        <p:txBody>
-          <a:bodyPr>
-            <a:normAutofit/>
-          </a:bodyPr>
-          <a:lstStyle/>
-          <a:p>
-            <a:r>
-              <a:rPr lang="en-US" dirty="0"/>
-              <a:t>Scales well</a:t>
-            </a:r>
-          </a:p>
-          <a:p>
-            <a:r>
-              <a:rPr lang="en-US" dirty="0"/>
-              <a:t>Events can be looked at in different ways to create new views of the world</a:t>
-            </a:r>
-          </a:p>
-          <a:p>
-            <a:r>
-              <a:rPr lang="en-US" dirty="0"/>
-              <a:t>Easy to debug what happened in the system</a:t>
-            </a:r>
-          </a:p>
-          <a:p>
-            <a:r>
-              <a:rPr lang="en-US" dirty="0"/>
-              <a:t>Natural fit with streaming business intelligence platforms like </a:t>
-            </a:r>
-            <a:r>
-              <a:rPr lang="en-US" dirty="0" err="1"/>
-              <a:t>kafka</a:t>
-            </a:r>
-            <a:r>
-              <a:rPr lang="en-US" dirty="0"/>
-              <a:t> and spark</a:t>
-            </a:r>
-          </a:p>
-          <a:p>
-            <a:r>
-              <a:rPr lang="en-US" dirty="0"/>
-              <a:t>Automatically get an audit log of all things that occur in the system</a:t>
-            </a:r>
-          </a:p>
-          <a:p>
-            <a:pPr marL="0" indent="0">
-              <a:buNone/>
-            </a:pPr>
-            <a:endParaRPr lang="en-US" dirty="0"/>
-          </a:p>
-          <a:p>
-            <a:r>
-              <a:rPr lang="en-US" dirty="0"/>
-              <a:t>Technically challenging</a:t>
-            </a:r>
-          </a:p>
-          <a:p>
-            <a:r>
-              <a:rPr lang="en-US" dirty="0"/>
-              <a:t>Steep learning curve</a:t>
-            </a:r>
-          </a:p>
-          <a:p>
-            <a:r>
-              <a:rPr lang="en-US" dirty="0"/>
-              <a:t>Versioning is hard</a:t>
-            </a:r>
-          </a:p>
-          <a:p>
-            <a:r>
-              <a:rPr lang="en-US" dirty="0"/>
-              <a:t>Deployment is hard</a:t>
-            </a:r>
-          </a:p>
-          <a:p>
-            <a:r>
-              <a:rPr lang="en-US" dirty="0"/>
-              <a:t>Event Sourcing frameworks usually make choices about making things general easy and not performant or easy for all cases</a:t>
-            </a:r>
-          </a:p>
-          <a:p>
-            <a:endParaRPr lang="en-US" dirty="0"/>
-          </a:p>
-        </p:txBody>
-      </p:sp>
-    </p:spTree>
-    <p:extLst>
-      <p:ext uri="{BB962C8B-B14F-4D97-AF65-F5344CB8AC3E}">
-        <p14:creationId xmlns:p14="http://schemas.microsoft.com/office/powerpoint/2010/main" val="3647960344"/>
-      </p:ext>
-    </p:extLst>
-  </p:cSld>
-  <p:clrMapOvr>
-    <a:masterClrMapping/>
-  </p:clrMapOvr>
-</p:sld>
-</file>
-
-<file path=ppt/slides/slide25.xml><?xml version="1.0" encoding="utf-8"?>
-<p:sld xmlns:a="http://schemas.openxmlformats.org/drawingml/2006/main" xmlns:r="http://schemas.openxmlformats.org/officeDocument/2006/relationships" xmlns:p="http://schemas.openxmlformats.org/presentationml/2006/main">
-  <p:cSld>
-    <p:spTree>
-      <p:nvGrpSpPr>
-        <p:cNvPr id="1" name=""/>
-        <p:cNvGrpSpPr/>
-        <p:nvPr/>
-      </p:nvGrpSpPr>
-      <p:grpSpPr>
-        <a:xfrm>
-          <a:off x="0" y="0"/>
-          <a:ext cx="0" cy="0"/>
-          <a:chOff x="0" y="0"/>
-          <a:chExt cx="0" cy="0"/>
-        </a:xfrm>
-      </p:grpSpPr>
-      <p:sp>
-        <p:nvSpPr>
-          <p:cNvPr id="2" name="Title 1">
-            <a:extLst>
-              <a:ext uri="{FF2B5EF4-FFF2-40B4-BE49-F238E27FC236}">
-                <a16:creationId xmlns:a16="http://schemas.microsoft.com/office/drawing/2014/main" id="{3CA1F88C-AB08-4E33-83D7-77B7A8DA1478}"/>
-              </a:ext>
-            </a:extLst>
-          </p:cNvPr>
-          <p:cNvSpPr>
-            <a:spLocks noGrp="1"/>
-          </p:cNvSpPr>
-          <p:nvPr>
-            <p:ph type="title"/>
-          </p:nvPr>
-        </p:nvSpPr>
-        <p:spPr/>
-        <p:txBody>
-          <a:bodyPr/>
-          <a:lstStyle/>
-          <a:p>
-            <a:r>
-              <a:rPr lang="en-US" dirty="0"/>
-              <a:t>Additional Resources</a:t>
-            </a:r>
-          </a:p>
-        </p:txBody>
-      </p:sp>
-      <p:sp>
-        <p:nvSpPr>
-          <p:cNvPr id="3" name="Content Placeholder 2">
-            <a:extLst>
-              <a:ext uri="{FF2B5EF4-FFF2-40B4-BE49-F238E27FC236}">
-                <a16:creationId xmlns:a16="http://schemas.microsoft.com/office/drawing/2014/main" id="{4AAEB791-793D-454A-BD4E-F920526357B7}"/>
+                <a16:creationId xmlns:a16="http://schemas.microsoft.com/office/drawing/2014/main" xmlns="" id="{4AAEB791-793D-454A-BD4E-F920526357B7}"/>
               </a:ext>
             </a:extLst>
           </p:cNvPr>
@@ -13254,8 +12302,12 @@
           </a:p>
           <a:p>
             <a:r>
-              <a:rPr lang="en-US" dirty="0"/>
-              <a:t>5 years with the awesome Product Development Team for </a:t>
+              <a:rPr lang="en-US" smtClean="0"/>
+              <a:t> </a:t>
+            </a:r>
+            <a:r>
+              <a:rPr lang="en-US" dirty="0"/>
+              <a:t>years with the awesome Product Development Team for </a:t>
             </a:r>
             <a:r>
               <a:rPr lang="en-US" dirty="0" err="1"/>
@@ -13321,7 +12373,7 @@
           <p:cNvPr id="2" name="Title 1">
             <a:extLst>
               <a:ext uri="{FF2B5EF4-FFF2-40B4-BE49-F238E27FC236}">
-                <a16:creationId xmlns:a16="http://schemas.microsoft.com/office/drawing/2014/main" id="{B85A6C88-200E-4275-8D80-9403EE55214F}"/>
+                <a16:creationId xmlns:a16="http://schemas.microsoft.com/office/drawing/2014/main" xmlns="" id="{B85A6C88-200E-4275-8D80-9403EE55214F}"/>
               </a:ext>
             </a:extLst>
           </p:cNvPr>
@@ -13349,7 +12401,7 @@
           <p:cNvPr id="3" name="Content Placeholder 2">
             <a:extLst>
               <a:ext uri="{FF2B5EF4-FFF2-40B4-BE49-F238E27FC236}">
-                <a16:creationId xmlns:a16="http://schemas.microsoft.com/office/drawing/2014/main" id="{597259C1-4C69-441A-9F8C-F8C2562187C7}"/>
+                <a16:creationId xmlns:a16="http://schemas.microsoft.com/office/drawing/2014/main" xmlns="" id="{597259C1-4C69-441A-9F8C-F8C2562187C7}"/>
               </a:ext>
             </a:extLst>
           </p:cNvPr>
@@ -13440,7 +12492,7 @@
           <p:cNvPr id="2" name="Title 1">
             <a:extLst>
               <a:ext uri="{FF2B5EF4-FFF2-40B4-BE49-F238E27FC236}">
-                <a16:creationId xmlns:a16="http://schemas.microsoft.com/office/drawing/2014/main" id="{47D22C1D-68E4-42D8-B67C-0882DA7E80CA}"/>
+                <a16:creationId xmlns:a16="http://schemas.microsoft.com/office/drawing/2014/main" xmlns="" id="{47D22C1D-68E4-42D8-B67C-0882DA7E80CA}"/>
               </a:ext>
             </a:extLst>
           </p:cNvPr>
@@ -13468,7 +12520,7 @@
           <p:cNvPr id="3" name="Content Placeholder 2">
             <a:extLst>
               <a:ext uri="{FF2B5EF4-FFF2-40B4-BE49-F238E27FC236}">
-                <a16:creationId xmlns:a16="http://schemas.microsoft.com/office/drawing/2014/main" id="{8055F724-054D-495C-9B9E-4A6861AB4202}"/>
+                <a16:creationId xmlns:a16="http://schemas.microsoft.com/office/drawing/2014/main" xmlns="" id="{8055F724-054D-495C-9B9E-4A6861AB4202}"/>
               </a:ext>
             </a:extLst>
           </p:cNvPr>
@@ -13571,7 +12623,7 @@
           <p:cNvPr id="2" name="Title 1">
             <a:extLst>
               <a:ext uri="{FF2B5EF4-FFF2-40B4-BE49-F238E27FC236}">
-                <a16:creationId xmlns:a16="http://schemas.microsoft.com/office/drawing/2014/main" id="{52477B5E-DEEA-4ABC-9744-A106E3E0544B}"/>
+                <a16:creationId xmlns:a16="http://schemas.microsoft.com/office/drawing/2014/main" xmlns="" id="{52477B5E-DEEA-4ABC-9744-A106E3E0544B}"/>
               </a:ext>
             </a:extLst>
           </p:cNvPr>
@@ -13599,7 +12651,7 @@
           <p:cNvPr id="3" name="Content Placeholder 2">
             <a:extLst>
               <a:ext uri="{FF2B5EF4-FFF2-40B4-BE49-F238E27FC236}">
-                <a16:creationId xmlns:a16="http://schemas.microsoft.com/office/drawing/2014/main" id="{7ACC1924-EE78-4BEA-9AB2-59A32CF1D768}"/>
+                <a16:creationId xmlns:a16="http://schemas.microsoft.com/office/drawing/2014/main" xmlns="" id="{7ACC1924-EE78-4BEA-9AB2-59A32CF1D768}"/>
               </a:ext>
             </a:extLst>
           </p:cNvPr>
@@ -13621,45 +12673,46 @@
           <a:lstStyle/>
           <a:p>
             <a:r>
-              <a:rPr lang="en-US" dirty="0"/>
+              <a:rPr lang="en-US" dirty="0" smtClean="0"/>
               <a:t>[6] = 2</a:t>
             </a:r>
           </a:p>
           <a:p>
             <a:r>
-              <a:rPr lang="en-US" dirty="0"/>
+              <a:rPr lang="en-US" dirty="0" smtClean="0"/>
               <a:t>[5] = D</a:t>
             </a:r>
           </a:p>
           <a:p>
             <a:r>
-              <a:rPr lang="en-US" dirty="0"/>
+              <a:rPr lang="en-US" dirty="0" smtClean="0"/>
               <a:t>[4] = 3</a:t>
             </a:r>
           </a:p>
           <a:p>
             <a:r>
-              <a:rPr lang="en-US" dirty="0"/>
+              <a:rPr lang="en-US" dirty="0" smtClean="0"/>
               <a:t>[3] = C</a:t>
             </a:r>
           </a:p>
           <a:p>
             <a:r>
-              <a:rPr lang="en-US" dirty="0"/>
+              <a:rPr lang="en-US" dirty="0" smtClean="0"/>
               <a:t>[2] = 6</a:t>
             </a:r>
           </a:p>
           <a:p>
             <a:r>
-              <a:rPr lang="en-US" dirty="0"/>
+              <a:rPr lang="en-US" dirty="0" smtClean="0"/>
               <a:t>[1] = A</a:t>
             </a:r>
           </a:p>
           <a:p>
             <a:r>
-              <a:rPr lang="en-US" dirty="0"/>
+              <a:rPr lang="en-US" dirty="0" smtClean="0"/>
               <a:t>[0] = 4</a:t>
             </a:r>
+            <a:endParaRPr lang="en-US" dirty="0"/>
           </a:p>
           <a:p>
             <a:pPr marL="0" indent="0">
@@ -13674,7 +12727,7 @@
           <p:cNvPr id="4" name="Content Placeholder 2">
             <a:extLst>
               <a:ext uri="{FF2B5EF4-FFF2-40B4-BE49-F238E27FC236}">
-                <a16:creationId xmlns:a16="http://schemas.microsoft.com/office/drawing/2014/main" id="{1FAB321C-F31D-4571-8EF8-093D098B780D}"/>
+                <a16:creationId xmlns:a16="http://schemas.microsoft.com/office/drawing/2014/main" xmlns="" id="{1FAB321C-F31D-4571-8EF8-093D098B780D}"/>
               </a:ext>
             </a:extLst>
           </p:cNvPr>
@@ -13962,6 +13015,107 @@
           </a:p>
         </p:txBody>
       </p:sp>
+      <p:sp>
+        <p:nvSpPr>
+          <p:cNvPr id="5" name="TextBox 4"/>
+          <p:cNvSpPr txBox="1"/>
+          <p:nvPr/>
+        </p:nvSpPr>
+        <p:spPr>
+          <a:xfrm>
+            <a:off x="677334" y="1491497"/>
+            <a:ext cx="1170513" cy="369332"/>
+          </a:xfrm>
+          <a:prstGeom prst="rect">
+            <a:avLst/>
+          </a:prstGeom>
+          <a:noFill/>
+        </p:spPr>
+        <p:txBody>
+          <a:bodyPr wrap="none" rtlCol="0">
+            <a:spAutoFit/>
+          </a:bodyPr>
+          <a:lstStyle/>
+          <a:p>
+            <a:r>
+              <a:rPr lang="en-US" smtClean="0"/>
+              <a:t>Sequence</a:t>
+            </a:r>
+            <a:endParaRPr lang="en-US"/>
+          </a:p>
+        </p:txBody>
+      </p:sp>
+      <p:sp>
+        <p:nvSpPr>
+          <p:cNvPr id="6" name="TextBox 5"/>
+          <p:cNvSpPr txBox="1"/>
+          <p:nvPr/>
+        </p:nvSpPr>
+        <p:spPr>
+          <a:xfrm>
+            <a:off x="4194726" y="1491497"/>
+            <a:ext cx="1306768" cy="369332"/>
+          </a:xfrm>
+          <a:prstGeom prst="rect">
+            <a:avLst/>
+          </a:prstGeom>
+          <a:noFill/>
+        </p:spPr>
+        <p:txBody>
+          <a:bodyPr wrap="none" rtlCol="0">
+            <a:spAutoFit/>
+          </a:bodyPr>
+          <a:lstStyle/>
+          <a:p>
+            <a:r>
+              <a:rPr lang="en-US" dirty="0" smtClean="0"/>
+              <a:t>Operations</a:t>
+            </a:r>
+            <a:endParaRPr lang="en-US" dirty="0"/>
+          </a:p>
+        </p:txBody>
+      </p:sp>
+      <p:pic>
+        <p:nvPicPr>
+          <p:cNvPr id="1026" name="Picture 2" descr="mage result for brain"/>
+          <p:cNvPicPr>
+            <a:picLocks noChangeAspect="1" noChangeArrowheads="1"/>
+          </p:cNvPicPr>
+          <p:nvPr/>
+        </p:nvPicPr>
+        <p:blipFill>
+          <a:blip r:embed="rId2">
+            <a:extLst>
+              <a:ext uri="{28A0092B-C50C-407E-A947-70E740481C1C}">
+                <a14:useLocalDpi xmlns:a14="http://schemas.microsoft.com/office/drawing/2010/main" val="0"/>
+              </a:ext>
+            </a:extLst>
+          </a:blip>
+          <a:srcRect/>
+          <a:stretch>
+            <a:fillRect/>
+          </a:stretch>
+        </p:blipFill>
+        <p:spPr bwMode="auto">
+          <a:xfrm>
+            <a:off x="6702552" y="2866031"/>
+            <a:ext cx="5810446" cy="3992454"/>
+          </a:xfrm>
+          <a:prstGeom prst="rect">
+            <a:avLst/>
+          </a:prstGeom>
+          <a:noFill/>
+          <a:extLst>
+            <a:ext uri="{909E8E84-426E-40DD-AFC4-6F175D3DCCD1}">
+              <a14:hiddenFill xmlns:a14="http://schemas.microsoft.com/office/drawing/2010/main">
+                <a:solidFill>
+                  <a:srgbClr val="FFFFFF"/>
+                </a:solidFill>
+              </a14:hiddenFill>
+            </a:ext>
+          </a:extLst>
+        </p:spPr>
+      </p:pic>
     </p:spTree>
     <p:extLst>
       <p:ext uri="{BB962C8B-B14F-4D97-AF65-F5344CB8AC3E}">
@@ -14009,7 +13163,7 @@
           <p:cNvPr id="2" name="Title 1">
             <a:extLst>
               <a:ext uri="{FF2B5EF4-FFF2-40B4-BE49-F238E27FC236}">
-                <a16:creationId xmlns:a16="http://schemas.microsoft.com/office/drawing/2014/main" id="{52477B5E-DEEA-4ABC-9744-A106E3E0544B}"/>
+                <a16:creationId xmlns:a16="http://schemas.microsoft.com/office/drawing/2014/main" xmlns="" id="{52477B5E-DEEA-4ABC-9744-A106E3E0544B}"/>
               </a:ext>
             </a:extLst>
           </p:cNvPr>
@@ -14037,7 +13191,7 @@
           <p:cNvPr id="3" name="Content Placeholder 2">
             <a:extLst>
               <a:ext uri="{FF2B5EF4-FFF2-40B4-BE49-F238E27FC236}">
-                <a16:creationId xmlns:a16="http://schemas.microsoft.com/office/drawing/2014/main" id="{7ACC1924-EE78-4BEA-9AB2-59A32CF1D768}"/>
+                <a16:creationId xmlns:a16="http://schemas.microsoft.com/office/drawing/2014/main" xmlns="" id="{7ACC1924-EE78-4BEA-9AB2-59A32CF1D768}"/>
               </a:ext>
             </a:extLst>
           </p:cNvPr>
@@ -14112,7 +13266,7 @@
           <p:cNvPr id="4" name="Content Placeholder 2">
             <a:extLst>
               <a:ext uri="{FF2B5EF4-FFF2-40B4-BE49-F238E27FC236}">
-                <a16:creationId xmlns:a16="http://schemas.microsoft.com/office/drawing/2014/main" id="{1FAB321C-F31D-4571-8EF8-093D098B780D}"/>
+                <a16:creationId xmlns:a16="http://schemas.microsoft.com/office/drawing/2014/main" xmlns="" id="{1FAB321C-F31D-4571-8EF8-093D098B780D}"/>
               </a:ext>
             </a:extLst>
           </p:cNvPr>
@@ -14405,7 +13559,7 @@
           <p:cNvPr id="5" name="Rectangle 4">
             <a:extLst>
               <a:ext uri="{FF2B5EF4-FFF2-40B4-BE49-F238E27FC236}">
-                <a16:creationId xmlns:a16="http://schemas.microsoft.com/office/drawing/2014/main" id="{230BBB8F-6DD5-4169-99AB-333A00307063}"/>
+                <a16:creationId xmlns:a16="http://schemas.microsoft.com/office/drawing/2014/main" xmlns="" id="{230BBB8F-6DD5-4169-99AB-333A00307063}"/>
               </a:ext>
             </a:extLst>
           </p:cNvPr>
@@ -14460,6 +13614,47 @@
           </a:p>
         </p:txBody>
       </p:sp>
+      <p:pic>
+        <p:nvPicPr>
+          <p:cNvPr id="6" name="Picture 2" descr="mage result for brain"/>
+          <p:cNvPicPr>
+            <a:picLocks noChangeAspect="1" noChangeArrowheads="1"/>
+          </p:cNvPicPr>
+          <p:nvPr/>
+        </p:nvPicPr>
+        <p:blipFill>
+          <a:blip r:embed="rId2">
+            <a:extLst>
+              <a:ext uri="{28A0092B-C50C-407E-A947-70E740481C1C}">
+                <a14:useLocalDpi xmlns:a14="http://schemas.microsoft.com/office/drawing/2010/main" val="0"/>
+              </a:ext>
+            </a:extLst>
+          </a:blip>
+          <a:srcRect/>
+          <a:stretch>
+            <a:fillRect/>
+          </a:stretch>
+        </p:blipFill>
+        <p:spPr bwMode="auto">
+          <a:xfrm>
+            <a:off x="6702552" y="2866031"/>
+            <a:ext cx="5810446" cy="3992454"/>
+          </a:xfrm>
+          <a:prstGeom prst="rect">
+            <a:avLst/>
+          </a:prstGeom>
+          <a:noFill/>
+          <a:extLst>
+            <a:ext uri="{909E8E84-426E-40DD-AFC4-6F175D3DCCD1}">
+              <a14:hiddenFill xmlns:a14="http://schemas.microsoft.com/office/drawing/2010/main">
+                <a:solidFill>
+                  <a:srgbClr val="FFFFFF"/>
+                </a:solidFill>
+              </a14:hiddenFill>
+            </a:ext>
+          </a:extLst>
+        </p:spPr>
+      </p:pic>
     </p:spTree>
     <p:extLst>
       <p:ext uri="{BB962C8B-B14F-4D97-AF65-F5344CB8AC3E}">
@@ -14507,7 +13702,7 @@
           <p:cNvPr id="2" name="Title 1">
             <a:extLst>
               <a:ext uri="{FF2B5EF4-FFF2-40B4-BE49-F238E27FC236}">
-                <a16:creationId xmlns:a16="http://schemas.microsoft.com/office/drawing/2014/main" id="{52477B5E-DEEA-4ABC-9744-A106E3E0544B}"/>
+                <a16:creationId xmlns:a16="http://schemas.microsoft.com/office/drawing/2014/main" xmlns="" id="{52477B5E-DEEA-4ABC-9744-A106E3E0544B}"/>
               </a:ext>
             </a:extLst>
           </p:cNvPr>
@@ -14535,7 +13730,7 @@
           <p:cNvPr id="3" name="Content Placeholder 2">
             <a:extLst>
               <a:ext uri="{FF2B5EF4-FFF2-40B4-BE49-F238E27FC236}">
-                <a16:creationId xmlns:a16="http://schemas.microsoft.com/office/drawing/2014/main" id="{7ACC1924-EE78-4BEA-9AB2-59A32CF1D768}"/>
+                <a16:creationId xmlns:a16="http://schemas.microsoft.com/office/drawing/2014/main" xmlns="" id="{7ACC1924-EE78-4BEA-9AB2-59A32CF1D768}"/>
               </a:ext>
             </a:extLst>
           </p:cNvPr>
@@ -14610,7 +13805,7 @@
           <p:cNvPr id="4" name="Content Placeholder 2">
             <a:extLst>
               <a:ext uri="{FF2B5EF4-FFF2-40B4-BE49-F238E27FC236}">
-                <a16:creationId xmlns:a16="http://schemas.microsoft.com/office/drawing/2014/main" id="{1FAB321C-F31D-4571-8EF8-093D098B780D}"/>
+                <a16:creationId xmlns:a16="http://schemas.microsoft.com/office/drawing/2014/main" xmlns="" id="{1FAB321C-F31D-4571-8EF8-093D098B780D}"/>
               </a:ext>
             </a:extLst>
           </p:cNvPr>
@@ -14903,7 +14098,7 @@
           <p:cNvPr id="5" name="Rectangle 4">
             <a:extLst>
               <a:ext uri="{FF2B5EF4-FFF2-40B4-BE49-F238E27FC236}">
-                <a16:creationId xmlns:a16="http://schemas.microsoft.com/office/drawing/2014/main" id="{6D567340-4CC0-4153-A86C-71482F4A9CCC}"/>
+                <a16:creationId xmlns:a16="http://schemas.microsoft.com/office/drawing/2014/main" xmlns="" id="{6D567340-4CC0-4153-A86C-71482F4A9CCC}"/>
               </a:ext>
             </a:extLst>
           </p:cNvPr>
@@ -14912,7 +14107,7 @@
         </p:nvSpPr>
         <p:spPr>
           <a:xfrm>
-            <a:off x="2863281" y="4465936"/>
+            <a:off x="1233264" y="5348221"/>
             <a:ext cx="4892686" cy="923330"/>
           </a:xfrm>
           <a:prstGeom prst="rect">
@@ -14958,6 +14153,47 @@
           </a:p>
         </p:txBody>
       </p:sp>
+      <p:pic>
+        <p:nvPicPr>
+          <p:cNvPr id="6" name="Picture 2" descr="mage result for brain"/>
+          <p:cNvPicPr>
+            <a:picLocks noChangeAspect="1" noChangeArrowheads="1"/>
+          </p:cNvPicPr>
+          <p:nvPr/>
+        </p:nvPicPr>
+        <p:blipFill>
+          <a:blip r:embed="rId2">
+            <a:extLst>
+              <a:ext uri="{28A0092B-C50C-407E-A947-70E740481C1C}">
+                <a14:useLocalDpi xmlns:a14="http://schemas.microsoft.com/office/drawing/2010/main" val="0"/>
+              </a:ext>
+            </a:extLst>
+          </a:blip>
+          <a:srcRect/>
+          <a:stretch>
+            <a:fillRect/>
+          </a:stretch>
+        </p:blipFill>
+        <p:spPr bwMode="auto">
+          <a:xfrm>
+            <a:off x="6702552" y="2866031"/>
+            <a:ext cx="5810446" cy="3992454"/>
+          </a:xfrm>
+          <a:prstGeom prst="rect">
+            <a:avLst/>
+          </a:prstGeom>
+          <a:noFill/>
+          <a:extLst>
+            <a:ext uri="{909E8E84-426E-40DD-AFC4-6F175D3DCCD1}">
+              <a14:hiddenFill xmlns:a14="http://schemas.microsoft.com/office/drawing/2010/main">
+                <a:solidFill>
+                  <a:srgbClr val="FFFFFF"/>
+                </a:solidFill>
+              </a14:hiddenFill>
+            </a:ext>
+          </a:extLst>
+        </p:spPr>
+      </p:pic>
     </p:spTree>
     <p:extLst>
       <p:ext uri="{BB962C8B-B14F-4D97-AF65-F5344CB8AC3E}">
@@ -15005,7 +14241,7 @@
           <p:cNvPr id="2" name="Title 1">
             <a:extLst>
               <a:ext uri="{FF2B5EF4-FFF2-40B4-BE49-F238E27FC236}">
-                <a16:creationId xmlns:a16="http://schemas.microsoft.com/office/drawing/2014/main" id="{52477B5E-DEEA-4ABC-9744-A106E3E0544B}"/>
+                <a16:creationId xmlns:a16="http://schemas.microsoft.com/office/drawing/2014/main" xmlns="" id="{52477B5E-DEEA-4ABC-9744-A106E3E0544B}"/>
               </a:ext>
             </a:extLst>
           </p:cNvPr>
@@ -15033,7 +14269,7 @@
           <p:cNvPr id="3" name="Content Placeholder 2">
             <a:extLst>
               <a:ext uri="{FF2B5EF4-FFF2-40B4-BE49-F238E27FC236}">
-                <a16:creationId xmlns:a16="http://schemas.microsoft.com/office/drawing/2014/main" id="{7ACC1924-EE78-4BEA-9AB2-59A32CF1D768}"/>
+                <a16:creationId xmlns:a16="http://schemas.microsoft.com/office/drawing/2014/main" xmlns="" id="{7ACC1924-EE78-4BEA-9AB2-59A32CF1D768}"/>
               </a:ext>
             </a:extLst>
           </p:cNvPr>
@@ -15108,7 +14344,7 @@
           <p:cNvPr id="4" name="Content Placeholder 2">
             <a:extLst>
               <a:ext uri="{FF2B5EF4-FFF2-40B4-BE49-F238E27FC236}">
-                <a16:creationId xmlns:a16="http://schemas.microsoft.com/office/drawing/2014/main" id="{1FAB321C-F31D-4571-8EF8-093D098B780D}"/>
+                <a16:creationId xmlns:a16="http://schemas.microsoft.com/office/drawing/2014/main" xmlns="" id="{1FAB321C-F31D-4571-8EF8-093D098B780D}"/>
               </a:ext>
             </a:extLst>
           </p:cNvPr>
@@ -15401,7 +14637,7 @@
           <p:cNvPr id="5" name="Rectangle 4">
             <a:extLst>
               <a:ext uri="{FF2B5EF4-FFF2-40B4-BE49-F238E27FC236}">
-                <a16:creationId xmlns:a16="http://schemas.microsoft.com/office/drawing/2014/main" id="{6D567340-4CC0-4153-A86C-71482F4A9CCC}"/>
+                <a16:creationId xmlns:a16="http://schemas.microsoft.com/office/drawing/2014/main" xmlns="" id="{6D567340-4CC0-4153-A86C-71482F4A9CCC}"/>
               </a:ext>
             </a:extLst>
           </p:cNvPr>
@@ -15410,7 +14646,7 @@
         </p:nvSpPr>
         <p:spPr>
           <a:xfrm>
-            <a:off x="3142205" y="4465936"/>
+            <a:off x="1487317" y="5348221"/>
             <a:ext cx="4334841" cy="923330"/>
           </a:xfrm>
           <a:prstGeom prst="rect">
@@ -15456,6 +14692,47 @@
           </a:p>
         </p:txBody>
       </p:sp>
+      <p:pic>
+        <p:nvPicPr>
+          <p:cNvPr id="6" name="Picture 2" descr="mage result for brain"/>
+          <p:cNvPicPr>
+            <a:picLocks noChangeAspect="1" noChangeArrowheads="1"/>
+          </p:cNvPicPr>
+          <p:nvPr/>
+        </p:nvPicPr>
+        <p:blipFill>
+          <a:blip r:embed="rId2">
+            <a:extLst>
+              <a:ext uri="{28A0092B-C50C-407E-A947-70E740481C1C}">
+                <a14:useLocalDpi xmlns:a14="http://schemas.microsoft.com/office/drawing/2010/main" val="0"/>
+              </a:ext>
+            </a:extLst>
+          </a:blip>
+          <a:srcRect/>
+          <a:stretch>
+            <a:fillRect/>
+          </a:stretch>
+        </p:blipFill>
+        <p:spPr bwMode="auto">
+          <a:xfrm>
+            <a:off x="6702552" y="2866031"/>
+            <a:ext cx="5810446" cy="3992454"/>
+          </a:xfrm>
+          <a:prstGeom prst="rect">
+            <a:avLst/>
+          </a:prstGeom>
+          <a:noFill/>
+          <a:extLst>
+            <a:ext uri="{909E8E84-426E-40DD-AFC4-6F175D3DCCD1}">
+              <a14:hiddenFill xmlns:a14="http://schemas.microsoft.com/office/drawing/2010/main">
+                <a:solidFill>
+                  <a:srgbClr val="FFFFFF"/>
+                </a:solidFill>
+              </a14:hiddenFill>
+            </a:ext>
+          </a:extLst>
+        </p:spPr>
+      </p:pic>
     </p:spTree>
     <p:extLst>
       <p:ext uri="{BB962C8B-B14F-4D97-AF65-F5344CB8AC3E}">
